--- a/Vorstellung/VorstellungPics/PicturesForTalk.pptx
+++ b/Vorstellung/VorstellungPics/PicturesForTalk.pptx
@@ -120,13 +120,275 @@
 <file path=ppt/revisionInfo.xml><?xml version="1.0" encoding="utf-8"?>
 <p1510:revInfo xmlns:a="http://schemas.openxmlformats.org/drawingml/2006/main" xmlns:r="http://schemas.openxmlformats.org/officeDocument/2006/relationships" xmlns:p1510="http://schemas.microsoft.com/office/powerpoint/2015/10/main">
   <p1510:revLst>
-    <p1510:client id="{10073ED6-F473-49C0-ACCC-214900423F37}" v="336" dt="2023-12-13T14:04:11.721"/>
+    <p1510:client id="{8FF851C9-377C-46D5-8B90-A96ECABD9679}" v="11" dt="2024-02-15T11:43:53.625"/>
   </p1510:revLst>
 </p1510:revInfo>
 </file>
 
 <file path=ppt/changesInfos/changesInfo1.xml><?xml version="1.0" encoding="utf-8"?>
 <pc:chgInfo xmlns:a="http://schemas.openxmlformats.org/drawingml/2006/main" xmlns:r="http://schemas.openxmlformats.org/officeDocument/2006/relationships" xmlns:ac="http://schemas.microsoft.com/office/drawing/2013/main/command" xmlns:pc="http://schemas.microsoft.com/office/powerpoint/2013/main/command">
+  <pc:docChgLst>
+    <pc:chgData name="Markus Parhofer" userId="9100c6bed19c68c7" providerId="LiveId" clId="{8FF851C9-377C-46D5-8B90-A96ECABD9679}"/>
+    <pc:docChg chg="modSld">
+      <pc:chgData name="Markus Parhofer" userId="9100c6bed19c68c7" providerId="LiveId" clId="{8FF851C9-377C-46D5-8B90-A96ECABD9679}" dt="2024-02-15T11:43:53.625" v="63" actId="20577"/>
+      <pc:docMkLst>
+        <pc:docMk/>
+      </pc:docMkLst>
+      <pc:sldChg chg="modSp">
+        <pc:chgData name="Markus Parhofer" userId="9100c6bed19c68c7" providerId="LiveId" clId="{8FF851C9-377C-46D5-8B90-A96ECABD9679}" dt="2024-02-12T20:33:15.904" v="2" actId="20577"/>
+        <pc:sldMkLst>
+          <pc:docMk/>
+          <pc:sldMk cId="746618710" sldId="256"/>
+        </pc:sldMkLst>
+        <pc:spChg chg="mod">
+          <ac:chgData name="Markus Parhofer" userId="9100c6bed19c68c7" providerId="LiveId" clId="{8FF851C9-377C-46D5-8B90-A96ECABD9679}" dt="2024-02-12T20:33:15.904" v="2" actId="20577"/>
+          <ac:spMkLst>
+            <pc:docMk/>
+            <pc:sldMk cId="746618710" sldId="256"/>
+            <ac:spMk id="32" creationId="{806ED6AF-5883-1A8B-DA7E-A9C3394B4AB6}"/>
+          </ac:spMkLst>
+        </pc:spChg>
+      </pc:sldChg>
+      <pc:sldChg chg="modSp">
+        <pc:chgData name="Markus Parhofer" userId="9100c6bed19c68c7" providerId="LiveId" clId="{8FF851C9-377C-46D5-8B90-A96ECABD9679}" dt="2024-02-12T20:33:03.903" v="0" actId="20577"/>
+        <pc:sldMkLst>
+          <pc:docMk/>
+          <pc:sldMk cId="2944528248" sldId="257"/>
+        </pc:sldMkLst>
+        <pc:spChg chg="mod">
+          <ac:chgData name="Markus Parhofer" userId="9100c6bed19c68c7" providerId="LiveId" clId="{8FF851C9-377C-46D5-8B90-A96ECABD9679}" dt="2024-02-12T20:33:03.903" v="0" actId="20577"/>
+          <ac:spMkLst>
+            <pc:docMk/>
+            <pc:sldMk cId="2944528248" sldId="257"/>
+            <ac:spMk id="33" creationId="{15123DA1-B383-09D7-3FAC-C8C84326C12B}"/>
+          </ac:spMkLst>
+        </pc:spChg>
+      </pc:sldChg>
+      <pc:sldChg chg="addSp delSp modSp mod">
+        <pc:chgData name="Markus Parhofer" userId="9100c6bed19c68c7" providerId="LiveId" clId="{8FF851C9-377C-46D5-8B90-A96ECABD9679}" dt="2024-02-15T11:43:53.625" v="63" actId="20577"/>
+        <pc:sldMkLst>
+          <pc:docMk/>
+          <pc:sldMk cId="3540527640" sldId="258"/>
+        </pc:sldMkLst>
+        <pc:spChg chg="mod">
+          <ac:chgData name="Markus Parhofer" userId="9100c6bed19c68c7" providerId="LiveId" clId="{8FF851C9-377C-46D5-8B90-A96ECABD9679}" dt="2024-02-15T11:41:05.554" v="4" actId="165"/>
+          <ac:spMkLst>
+            <pc:docMk/>
+            <pc:sldMk cId="3540527640" sldId="258"/>
+            <ac:spMk id="6" creationId="{CDCFFD71-0B5F-6CC5-8332-C19AFD83087C}"/>
+          </ac:spMkLst>
+        </pc:spChg>
+        <pc:spChg chg="mod">
+          <ac:chgData name="Markus Parhofer" userId="9100c6bed19c68c7" providerId="LiveId" clId="{8FF851C9-377C-46D5-8B90-A96ECABD9679}" dt="2024-02-15T11:41:05.554" v="4" actId="165"/>
+          <ac:spMkLst>
+            <pc:docMk/>
+            <pc:sldMk cId="3540527640" sldId="258"/>
+            <ac:spMk id="11" creationId="{A52BFABC-D5BF-829D-169C-BCC0946CAB3C}"/>
+          </ac:spMkLst>
+        </pc:spChg>
+        <pc:spChg chg="mod">
+          <ac:chgData name="Markus Parhofer" userId="9100c6bed19c68c7" providerId="LiveId" clId="{8FF851C9-377C-46D5-8B90-A96ECABD9679}" dt="2024-02-15T11:41:05.554" v="4" actId="165"/>
+          <ac:spMkLst>
+            <pc:docMk/>
+            <pc:sldMk cId="3540527640" sldId="258"/>
+            <ac:spMk id="12" creationId="{54AEAAD9-753E-FE25-C279-DEC490CECAD8}"/>
+          </ac:spMkLst>
+        </pc:spChg>
+        <pc:spChg chg="mod">
+          <ac:chgData name="Markus Parhofer" userId="9100c6bed19c68c7" providerId="LiveId" clId="{8FF851C9-377C-46D5-8B90-A96ECABD9679}" dt="2024-02-15T11:41:05.554" v="4" actId="165"/>
+          <ac:spMkLst>
+            <pc:docMk/>
+            <pc:sldMk cId="3540527640" sldId="258"/>
+            <ac:spMk id="13" creationId="{82C65BC0-254E-4BFB-A899-A6EDD30C45CE}"/>
+          </ac:spMkLst>
+        </pc:spChg>
+        <pc:spChg chg="mod">
+          <ac:chgData name="Markus Parhofer" userId="9100c6bed19c68c7" providerId="LiveId" clId="{8FF851C9-377C-46D5-8B90-A96ECABD9679}" dt="2024-02-15T11:41:05.554" v="4" actId="165"/>
+          <ac:spMkLst>
+            <pc:docMk/>
+            <pc:sldMk cId="3540527640" sldId="258"/>
+            <ac:spMk id="14" creationId="{9EBF2682-B5D9-5DF7-3D57-BB326DB0B5C6}"/>
+          </ac:spMkLst>
+        </pc:spChg>
+        <pc:spChg chg="mod">
+          <ac:chgData name="Markus Parhofer" userId="9100c6bed19c68c7" providerId="LiveId" clId="{8FF851C9-377C-46D5-8B90-A96ECABD9679}" dt="2024-02-15T11:41:05.554" v="4" actId="165"/>
+          <ac:spMkLst>
+            <pc:docMk/>
+            <pc:sldMk cId="3540527640" sldId="258"/>
+            <ac:spMk id="17" creationId="{553A77B5-5B9D-DDB9-50D0-C9759101B914}"/>
+          </ac:spMkLst>
+        </pc:spChg>
+        <pc:spChg chg="mod">
+          <ac:chgData name="Markus Parhofer" userId="9100c6bed19c68c7" providerId="LiveId" clId="{8FF851C9-377C-46D5-8B90-A96ECABD9679}" dt="2024-02-15T11:41:05.554" v="4" actId="165"/>
+          <ac:spMkLst>
+            <pc:docMk/>
+            <pc:sldMk cId="3540527640" sldId="258"/>
+            <ac:spMk id="19" creationId="{EB0D6F30-0DE9-FA71-B04F-F39643396AA6}"/>
+          </ac:spMkLst>
+        </pc:spChg>
+        <pc:spChg chg="mod">
+          <ac:chgData name="Markus Parhofer" userId="9100c6bed19c68c7" providerId="LiveId" clId="{8FF851C9-377C-46D5-8B90-A96ECABD9679}" dt="2024-02-15T11:43:49.108" v="61" actId="20577"/>
+          <ac:spMkLst>
+            <pc:docMk/>
+            <pc:sldMk cId="3540527640" sldId="258"/>
+            <ac:spMk id="20" creationId="{E23E648D-7B18-4334-2BC5-CDD338D2B9F6}"/>
+          </ac:spMkLst>
+        </pc:spChg>
+        <pc:spChg chg="mod topLvl">
+          <ac:chgData name="Markus Parhofer" userId="9100c6bed19c68c7" providerId="LiveId" clId="{8FF851C9-377C-46D5-8B90-A96ECABD9679}" dt="2024-02-15T11:41:14.856" v="5" actId="164"/>
+          <ac:spMkLst>
+            <pc:docMk/>
+            <pc:sldMk cId="3540527640" sldId="258"/>
+            <ac:spMk id="25" creationId="{D58DC910-A9FC-B189-2762-047147E37990}"/>
+          </ac:spMkLst>
+        </pc:spChg>
+        <pc:spChg chg="mod topLvl">
+          <ac:chgData name="Markus Parhofer" userId="9100c6bed19c68c7" providerId="LiveId" clId="{8FF851C9-377C-46D5-8B90-A96ECABD9679}" dt="2024-02-15T11:41:14.856" v="5" actId="164"/>
+          <ac:spMkLst>
+            <pc:docMk/>
+            <pc:sldMk cId="3540527640" sldId="258"/>
+            <ac:spMk id="27" creationId="{C80751B9-E3B3-CF05-F4F8-A074FA701855}"/>
+          </ac:spMkLst>
+        </pc:spChg>
+        <pc:spChg chg="mod topLvl">
+          <ac:chgData name="Markus Parhofer" userId="9100c6bed19c68c7" providerId="LiveId" clId="{8FF851C9-377C-46D5-8B90-A96ECABD9679}" dt="2024-02-15T11:41:14.856" v="5" actId="164"/>
+          <ac:spMkLst>
+            <pc:docMk/>
+            <pc:sldMk cId="3540527640" sldId="258"/>
+            <ac:spMk id="30" creationId="{2B7B7B4A-C52F-ED90-EE34-3ADC090F6927}"/>
+          </ac:spMkLst>
+        </pc:spChg>
+        <pc:spChg chg="mod topLvl">
+          <ac:chgData name="Markus Parhofer" userId="9100c6bed19c68c7" providerId="LiveId" clId="{8FF851C9-377C-46D5-8B90-A96ECABD9679}" dt="2024-02-15T11:43:53.625" v="63" actId="20577"/>
+          <ac:spMkLst>
+            <pc:docMk/>
+            <pc:sldMk cId="3540527640" sldId="258"/>
+            <ac:spMk id="31" creationId="{E25C7C22-F70C-2064-6A81-06CA432F1EAD}"/>
+          </ac:spMkLst>
+        </pc:spChg>
+        <pc:grpChg chg="mod topLvl">
+          <ac:chgData name="Markus Parhofer" userId="9100c6bed19c68c7" providerId="LiveId" clId="{8FF851C9-377C-46D5-8B90-A96ECABD9679}" dt="2024-02-15T11:41:45.713" v="59" actId="164"/>
+          <ac:grpSpMkLst>
+            <pc:docMk/>
+            <pc:sldMk cId="3540527640" sldId="258"/>
+            <ac:grpSpMk id="2" creationId="{60E9F3BB-0ACF-645C-F38B-B8588ECBAE3D}"/>
+          </ac:grpSpMkLst>
+        </pc:grpChg>
+        <pc:grpChg chg="add del mod">
+          <ac:chgData name="Markus Parhofer" userId="9100c6bed19c68c7" providerId="LiveId" clId="{8FF851C9-377C-46D5-8B90-A96ECABD9679}" dt="2024-02-15T11:41:05.554" v="4" actId="165"/>
+          <ac:grpSpMkLst>
+            <pc:docMk/>
+            <pc:sldMk cId="3540527640" sldId="258"/>
+            <ac:grpSpMk id="3" creationId="{CCE7F629-45F5-810B-17E8-EF98519BB047}"/>
+          </ac:grpSpMkLst>
+        </pc:grpChg>
+        <pc:grpChg chg="add mod">
+          <ac:chgData name="Markus Parhofer" userId="9100c6bed19c68c7" providerId="LiveId" clId="{8FF851C9-377C-46D5-8B90-A96ECABD9679}" dt="2024-02-15T11:41:45.713" v="59" actId="164"/>
+          <ac:grpSpMkLst>
+            <pc:docMk/>
+            <pc:sldMk cId="3540527640" sldId="258"/>
+            <ac:grpSpMk id="9" creationId="{8329549C-EC57-6F5D-EE53-341C37ED2025}"/>
+          </ac:grpSpMkLst>
+        </pc:grpChg>
+        <pc:grpChg chg="add mod">
+          <ac:chgData name="Markus Parhofer" userId="9100c6bed19c68c7" providerId="LiveId" clId="{8FF851C9-377C-46D5-8B90-A96ECABD9679}" dt="2024-02-15T11:41:45.713" v="59" actId="164"/>
+          <ac:grpSpMkLst>
+            <pc:docMk/>
+            <pc:sldMk cId="3540527640" sldId="258"/>
+            <ac:grpSpMk id="15" creationId="{7CA473C5-5A1A-80B6-C501-2EEC97DEE194}"/>
+          </ac:grpSpMkLst>
+        </pc:grpChg>
+        <pc:cxnChg chg="mod">
+          <ac:chgData name="Markus Parhofer" userId="9100c6bed19c68c7" providerId="LiveId" clId="{8FF851C9-377C-46D5-8B90-A96ECABD9679}" dt="2024-02-15T11:41:05.554" v="4" actId="165"/>
+          <ac:cxnSpMkLst>
+            <pc:docMk/>
+            <pc:sldMk cId="3540527640" sldId="258"/>
+            <ac:cxnSpMk id="4" creationId="{4FCCADA4-50EF-9FFC-D076-570DA45EE342}"/>
+          </ac:cxnSpMkLst>
+        </pc:cxnChg>
+        <pc:cxnChg chg="mod">
+          <ac:chgData name="Markus Parhofer" userId="9100c6bed19c68c7" providerId="LiveId" clId="{8FF851C9-377C-46D5-8B90-A96ECABD9679}" dt="2024-02-15T11:41:05.554" v="4" actId="165"/>
+          <ac:cxnSpMkLst>
+            <pc:docMk/>
+            <pc:sldMk cId="3540527640" sldId="258"/>
+            <ac:cxnSpMk id="5" creationId="{80845572-71B9-9D72-00B5-26F5059AE78E}"/>
+          </ac:cxnSpMkLst>
+        </pc:cxnChg>
+        <pc:cxnChg chg="mod">
+          <ac:chgData name="Markus Parhofer" userId="9100c6bed19c68c7" providerId="LiveId" clId="{8FF851C9-377C-46D5-8B90-A96ECABD9679}" dt="2024-02-15T11:41:05.554" v="4" actId="165"/>
+          <ac:cxnSpMkLst>
+            <pc:docMk/>
+            <pc:sldMk cId="3540527640" sldId="258"/>
+            <ac:cxnSpMk id="7" creationId="{B2E50B2D-419E-D23C-EE6A-21A790291099}"/>
+          </ac:cxnSpMkLst>
+        </pc:cxnChg>
+        <pc:cxnChg chg="mod">
+          <ac:chgData name="Markus Parhofer" userId="9100c6bed19c68c7" providerId="LiveId" clId="{8FF851C9-377C-46D5-8B90-A96ECABD9679}" dt="2024-02-15T11:41:05.554" v="4" actId="165"/>
+          <ac:cxnSpMkLst>
+            <pc:docMk/>
+            <pc:sldMk cId="3540527640" sldId="258"/>
+            <ac:cxnSpMk id="8" creationId="{0AB2CC81-0A63-BD29-BFAC-14A0A3613422}"/>
+          </ac:cxnSpMkLst>
+        </pc:cxnChg>
+        <pc:cxnChg chg="mod">
+          <ac:chgData name="Markus Parhofer" userId="9100c6bed19c68c7" providerId="LiveId" clId="{8FF851C9-377C-46D5-8B90-A96ECABD9679}" dt="2024-02-15T11:41:05.554" v="4" actId="165"/>
+          <ac:cxnSpMkLst>
+            <pc:docMk/>
+            <pc:sldMk cId="3540527640" sldId="258"/>
+            <ac:cxnSpMk id="10" creationId="{4574B84B-4FA3-AF3F-06F5-EBEFF6A6B6BF}"/>
+          </ac:cxnSpMkLst>
+        </pc:cxnChg>
+        <pc:cxnChg chg="mod">
+          <ac:chgData name="Markus Parhofer" userId="9100c6bed19c68c7" providerId="LiveId" clId="{8FF851C9-377C-46D5-8B90-A96ECABD9679}" dt="2024-02-15T11:41:05.554" v="4" actId="165"/>
+          <ac:cxnSpMkLst>
+            <pc:docMk/>
+            <pc:sldMk cId="3540527640" sldId="258"/>
+            <ac:cxnSpMk id="16" creationId="{51AC60D7-B79D-8B71-F321-65F4A99BB592}"/>
+          </ac:cxnSpMkLst>
+        </pc:cxnChg>
+        <pc:cxnChg chg="mod">
+          <ac:chgData name="Markus Parhofer" userId="9100c6bed19c68c7" providerId="LiveId" clId="{8FF851C9-377C-46D5-8B90-A96ECABD9679}" dt="2024-02-15T11:41:05.554" v="4" actId="165"/>
+          <ac:cxnSpMkLst>
+            <pc:docMk/>
+            <pc:sldMk cId="3540527640" sldId="258"/>
+            <ac:cxnSpMk id="18" creationId="{50F39F84-3FB1-95A9-6EEC-9B37EAB86310}"/>
+          </ac:cxnSpMkLst>
+        </pc:cxnChg>
+        <pc:cxnChg chg="mod topLvl">
+          <ac:chgData name="Markus Parhofer" userId="9100c6bed19c68c7" providerId="LiveId" clId="{8FF851C9-377C-46D5-8B90-A96ECABD9679}" dt="2024-02-15T11:41:14.856" v="5" actId="164"/>
+          <ac:cxnSpMkLst>
+            <pc:docMk/>
+            <pc:sldMk cId="3540527640" sldId="258"/>
+            <ac:cxnSpMk id="21" creationId="{2A59CC8B-87DD-412D-5B43-EF2055FB5720}"/>
+          </ac:cxnSpMkLst>
+        </pc:cxnChg>
+        <pc:cxnChg chg="mod topLvl">
+          <ac:chgData name="Markus Parhofer" userId="9100c6bed19c68c7" providerId="LiveId" clId="{8FF851C9-377C-46D5-8B90-A96ECABD9679}" dt="2024-02-15T11:41:14.856" v="5" actId="164"/>
+          <ac:cxnSpMkLst>
+            <pc:docMk/>
+            <pc:sldMk cId="3540527640" sldId="258"/>
+            <ac:cxnSpMk id="22" creationId="{DC3BBBE5-77C8-55FD-3E71-0EF1C2C83815}"/>
+          </ac:cxnSpMkLst>
+        </pc:cxnChg>
+        <pc:cxnChg chg="mod topLvl">
+          <ac:chgData name="Markus Parhofer" userId="9100c6bed19c68c7" providerId="LiveId" clId="{8FF851C9-377C-46D5-8B90-A96ECABD9679}" dt="2024-02-15T11:41:14.856" v="5" actId="164"/>
+          <ac:cxnSpMkLst>
+            <pc:docMk/>
+            <pc:sldMk cId="3540527640" sldId="258"/>
+            <ac:cxnSpMk id="24" creationId="{6A88A849-5AFF-34C0-55DE-913C6EED1660}"/>
+          </ac:cxnSpMkLst>
+        </pc:cxnChg>
+        <pc:cxnChg chg="mod topLvl">
+          <ac:chgData name="Markus Parhofer" userId="9100c6bed19c68c7" providerId="LiveId" clId="{8FF851C9-377C-46D5-8B90-A96ECABD9679}" dt="2024-02-15T11:41:14.856" v="5" actId="164"/>
+          <ac:cxnSpMkLst>
+            <pc:docMk/>
+            <pc:sldMk cId="3540527640" sldId="258"/>
+            <ac:cxnSpMk id="26" creationId="{0398D4FA-2821-48DF-91FC-D55F0910E953}"/>
+          </ac:cxnSpMkLst>
+        </pc:cxnChg>
+      </pc:sldChg>
+    </pc:docChg>
+  </pc:docChgLst>
   <pc:docChgLst>
     <pc:chgData name="Markus Parhofer" userId="9100c6bed19c68c7" providerId="LiveId" clId="{10073ED6-F473-49C0-ACCC-214900423F37}"/>
     <pc:docChg chg="undo custSel addSld delSld modSld sldOrd">
@@ -394,7 +656,7 @@
           <a:p>
             <a:fld id="{855AA24D-F6B8-45CE-A0D3-39EA9EEEA192}" type="datetimeFigureOut">
               <a:rPr lang="de-DE" smtClean="0"/>
-              <a:t>13.12.2023</a:t>
+              <a:t>12.02.2024</a:t>
             </a:fld>
             <a:endParaRPr lang="de-DE"/>
           </a:p>
@@ -592,7 +854,7 @@
           <a:p>
             <a:fld id="{855AA24D-F6B8-45CE-A0D3-39EA9EEEA192}" type="datetimeFigureOut">
               <a:rPr lang="de-DE" smtClean="0"/>
-              <a:t>13.12.2023</a:t>
+              <a:t>12.02.2024</a:t>
             </a:fld>
             <a:endParaRPr lang="de-DE"/>
           </a:p>
@@ -800,7 +1062,7 @@
           <a:p>
             <a:fld id="{855AA24D-F6B8-45CE-A0D3-39EA9EEEA192}" type="datetimeFigureOut">
               <a:rPr lang="de-DE" smtClean="0"/>
-              <a:t>13.12.2023</a:t>
+              <a:t>12.02.2024</a:t>
             </a:fld>
             <a:endParaRPr lang="de-DE"/>
           </a:p>
@@ -998,7 +1260,7 @@
           <a:p>
             <a:fld id="{855AA24D-F6B8-45CE-A0D3-39EA9EEEA192}" type="datetimeFigureOut">
               <a:rPr lang="de-DE" smtClean="0"/>
-              <a:t>13.12.2023</a:t>
+              <a:t>12.02.2024</a:t>
             </a:fld>
             <a:endParaRPr lang="de-DE"/>
           </a:p>
@@ -1273,7 +1535,7 @@
           <a:p>
             <a:fld id="{855AA24D-F6B8-45CE-A0D3-39EA9EEEA192}" type="datetimeFigureOut">
               <a:rPr lang="de-DE" smtClean="0"/>
-              <a:t>13.12.2023</a:t>
+              <a:t>12.02.2024</a:t>
             </a:fld>
             <a:endParaRPr lang="de-DE"/>
           </a:p>
@@ -1538,7 +1800,7 @@
           <a:p>
             <a:fld id="{855AA24D-F6B8-45CE-A0D3-39EA9EEEA192}" type="datetimeFigureOut">
               <a:rPr lang="de-DE" smtClean="0"/>
-              <a:t>13.12.2023</a:t>
+              <a:t>12.02.2024</a:t>
             </a:fld>
             <a:endParaRPr lang="de-DE"/>
           </a:p>
@@ -1950,7 +2212,7 @@
           <a:p>
             <a:fld id="{855AA24D-F6B8-45CE-A0D3-39EA9EEEA192}" type="datetimeFigureOut">
               <a:rPr lang="de-DE" smtClean="0"/>
-              <a:t>13.12.2023</a:t>
+              <a:t>12.02.2024</a:t>
             </a:fld>
             <a:endParaRPr lang="de-DE"/>
           </a:p>
@@ -2091,7 +2353,7 @@
           <a:p>
             <a:fld id="{855AA24D-F6B8-45CE-A0D3-39EA9EEEA192}" type="datetimeFigureOut">
               <a:rPr lang="de-DE" smtClean="0"/>
-              <a:t>13.12.2023</a:t>
+              <a:t>12.02.2024</a:t>
             </a:fld>
             <a:endParaRPr lang="de-DE"/>
           </a:p>
@@ -2204,7 +2466,7 @@
           <a:p>
             <a:fld id="{855AA24D-F6B8-45CE-A0D3-39EA9EEEA192}" type="datetimeFigureOut">
               <a:rPr lang="de-DE" smtClean="0"/>
-              <a:t>13.12.2023</a:t>
+              <a:t>12.02.2024</a:t>
             </a:fld>
             <a:endParaRPr lang="de-DE"/>
           </a:p>
@@ -2515,7 +2777,7 @@
           <a:p>
             <a:fld id="{855AA24D-F6B8-45CE-A0D3-39EA9EEEA192}" type="datetimeFigureOut">
               <a:rPr lang="de-DE" smtClean="0"/>
-              <a:t>13.12.2023</a:t>
+              <a:t>12.02.2024</a:t>
             </a:fld>
             <a:endParaRPr lang="de-DE"/>
           </a:p>
@@ -2803,7 +3065,7 @@
           <a:p>
             <a:fld id="{855AA24D-F6B8-45CE-A0D3-39EA9EEEA192}" type="datetimeFigureOut">
               <a:rPr lang="de-DE" smtClean="0"/>
-              <a:t>13.12.2023</a:t>
+              <a:t>12.02.2024</a:t>
             </a:fld>
             <a:endParaRPr lang="de-DE"/>
           </a:p>
@@ -3044,7 +3306,7 @@
           <a:p>
             <a:fld id="{855AA24D-F6B8-45CE-A0D3-39EA9EEEA192}" type="datetimeFigureOut">
               <a:rPr lang="de-DE" smtClean="0"/>
-              <a:t>13.12.2023</a:t>
+              <a:t>12.02.2024</a:t>
             </a:fld>
             <a:endParaRPr lang="de-DE"/>
           </a:p>
@@ -4951,8 +5213,8 @@
             </p:sp>
           </mc:Fallback>
         </mc:AlternateContent>
-        <mc:AlternateContent xmlns:mc="http://schemas.openxmlformats.org/markup-compatibility/2006" xmlns:a14="http://schemas.microsoft.com/office/drawing/2010/main">
-          <mc:Choice Requires="a14">
+        <mc:AlternateContent xmlns:mc="http://schemas.openxmlformats.org/markup-compatibility/2006">
+          <mc:Choice xmlns:a14="http://schemas.microsoft.com/office/drawing/2010/main" Requires="a14">
             <p:sp>
               <p:nvSpPr>
                 <p:cNvPr id="32" name="Textfeld 31">
@@ -5019,7 +5281,7 @@
                               </a:solidFill>
                               <a:latin typeface="Cambria Math" panose="02040503050406030204" pitchFamily="18" charset="0"/>
                             </a:rPr>
-                            <m:t>𝑴</m:t>
+                            <m:t>𝑵</m:t>
                           </m:r>
                         </m:sub>
                       </m:sSub>
@@ -5071,7 +5333,7 @@
               </p:txBody>
             </p:sp>
           </mc:Choice>
-          <mc:Fallback xmlns="">
+          <mc:Fallback>
             <p:sp>
               <p:nvSpPr>
                 <p:cNvPr id="32" name="Textfeld 31">
@@ -6709,8 +6971,8 @@
             </p:sp>
           </mc:Fallback>
         </mc:AlternateContent>
-        <mc:AlternateContent xmlns:mc="http://schemas.openxmlformats.org/markup-compatibility/2006" xmlns:a14="http://schemas.microsoft.com/office/drawing/2010/main">
-          <mc:Choice Requires="a14">
+        <mc:AlternateContent xmlns:mc="http://schemas.openxmlformats.org/markup-compatibility/2006">
+          <mc:Choice xmlns:a14="http://schemas.microsoft.com/office/drawing/2010/main" Requires="a14">
             <p:sp>
               <p:nvSpPr>
                 <p:cNvPr id="33" name="Textfeld 32">
@@ -6782,7 +7044,7 @@
                                 </a:solidFill>
                                 <a:latin typeface="Cambria Math" panose="02040503050406030204" pitchFamily="18" charset="0"/>
                               </a:rPr>
-                              <m:t>𝑴</m:t>
+                              <m:t>𝑵</m:t>
                             </m:r>
                           </m:sub>
                         </m:sSub>
@@ -6800,7 +7062,7 @@
               </p:txBody>
             </p:sp>
           </mc:Choice>
-          <mc:Fallback xmlns="">
+          <mc:Fallback>
             <p:sp>
               <p:nvSpPr>
                 <p:cNvPr id="33" name="Textfeld 32">
@@ -6949,10 +7211,10 @@
       </p:grpSpPr>
       <p:grpSp>
         <p:nvGrpSpPr>
-          <p:cNvPr id="2" name="Gruppieren 1">
+          <p:cNvPr id="15" name="Gruppieren 14">
             <a:extLst>
               <a:ext uri="{FF2B5EF4-FFF2-40B4-BE49-F238E27FC236}">
-                <a16:creationId xmlns:a16="http://schemas.microsoft.com/office/drawing/2014/main" id="{60E9F3BB-0ACF-645C-F38B-B8588ECBAE3D}"/>
+                <a16:creationId xmlns:a16="http://schemas.microsoft.com/office/drawing/2014/main" id="{7CA473C5-5A1A-80B6-C501-2EEC97DEE194}"/>
               </a:ext>
             </a:extLst>
           </p:cNvPr>
@@ -6962,1448 +7224,367 @@
         <p:grpSpPr>
           <a:xfrm>
             <a:off x="3069064" y="742135"/>
-            <a:ext cx="5493195" cy="1777331"/>
-            <a:chOff x="2019198" y="2667573"/>
-            <a:chExt cx="5493195" cy="1777331"/>
+            <a:ext cx="5509589" cy="4452646"/>
+            <a:chOff x="3069064" y="742135"/>
+            <a:chExt cx="5509589" cy="4452646"/>
           </a:xfrm>
         </p:grpSpPr>
-        <p:cxnSp>
-          <p:nvCxnSpPr>
-            <p:cNvPr id="4" name="Gerade Verbindung mit Pfeil 3">
+        <p:grpSp>
+          <p:nvGrpSpPr>
+            <p:cNvPr id="2" name="Gruppieren 1">
               <a:extLst>
                 <a:ext uri="{FF2B5EF4-FFF2-40B4-BE49-F238E27FC236}">
-                  <a16:creationId xmlns:a16="http://schemas.microsoft.com/office/drawing/2014/main" id="{4FCCADA4-50EF-9FFC-D076-570DA45EE342}"/>
+                  <a16:creationId xmlns:a16="http://schemas.microsoft.com/office/drawing/2014/main" id="{60E9F3BB-0ACF-645C-F38B-B8588ECBAE3D}"/>
                 </a:ext>
               </a:extLst>
             </p:cNvPr>
-            <p:cNvCxnSpPr>
-              <a:cxnSpLocks/>
-            </p:cNvCxnSpPr>
+            <p:cNvGrpSpPr/>
             <p:nvPr/>
-          </p:nvCxnSpPr>
-          <p:spPr>
+          </p:nvGrpSpPr>
+          <p:grpSpPr>
             <a:xfrm>
-              <a:off x="2446867" y="3606800"/>
-              <a:ext cx="4910667" cy="0"/>
+              <a:off x="3069064" y="742135"/>
+              <a:ext cx="5493195" cy="1777331"/>
+              <a:chOff x="2019198" y="2667573"/>
+              <a:chExt cx="5493195" cy="1777331"/>
             </a:xfrm>
-            <a:prstGeom prst="straightConnector1">
-              <a:avLst/>
-            </a:prstGeom>
-            <a:ln w="76200">
-              <a:solidFill>
-                <a:schemeClr val="tx2"/>
-              </a:solidFill>
-              <a:tailEnd type="triangle"/>
-            </a:ln>
-          </p:spPr>
-          <p:style>
-            <a:lnRef idx="1">
-              <a:schemeClr val="accent1"/>
-            </a:lnRef>
-            <a:fillRef idx="0">
-              <a:schemeClr val="accent1"/>
-            </a:fillRef>
-            <a:effectRef idx="0">
-              <a:schemeClr val="accent1"/>
-            </a:effectRef>
-            <a:fontRef idx="minor">
-              <a:schemeClr val="tx1"/>
-            </a:fontRef>
-          </p:style>
-        </p:cxnSp>
-        <p:cxnSp>
-          <p:nvCxnSpPr>
-            <p:cNvPr id="5" name="Gerade Verbindung mit Pfeil 4">
-              <a:extLst>
-                <a:ext uri="{FF2B5EF4-FFF2-40B4-BE49-F238E27FC236}">
-                  <a16:creationId xmlns:a16="http://schemas.microsoft.com/office/drawing/2014/main" id="{80845572-71B9-9D72-00B5-26F5059AE78E}"/>
-                </a:ext>
-              </a:extLst>
-            </p:cNvPr>
-            <p:cNvCxnSpPr>
-              <a:cxnSpLocks/>
-            </p:cNvCxnSpPr>
-            <p:nvPr/>
-          </p:nvCxnSpPr>
-          <p:spPr>
-            <a:xfrm flipV="1">
-              <a:off x="2475069" y="2667573"/>
-              <a:ext cx="0" cy="907524"/>
-            </a:xfrm>
-            <a:prstGeom prst="straightConnector1">
-              <a:avLst/>
-            </a:prstGeom>
-            <a:ln w="57150">
-              <a:solidFill>
-                <a:schemeClr val="accent6"/>
-              </a:solidFill>
-              <a:tailEnd type="triangle"/>
-            </a:ln>
-          </p:spPr>
-          <p:style>
-            <a:lnRef idx="1">
-              <a:schemeClr val="accent1"/>
-            </a:lnRef>
-            <a:fillRef idx="0">
-              <a:schemeClr val="accent1"/>
-            </a:fillRef>
-            <a:effectRef idx="0">
-              <a:schemeClr val="accent1"/>
-            </a:effectRef>
-            <a:fontRef idx="minor">
-              <a:schemeClr val="tx1"/>
-            </a:fontRef>
-          </p:style>
-        </p:cxnSp>
-        <mc:AlternateContent xmlns:mc="http://schemas.openxmlformats.org/markup-compatibility/2006" xmlns:a14="http://schemas.microsoft.com/office/drawing/2010/main">
-          <mc:Choice Requires="a14">
-            <p:sp>
-              <p:nvSpPr>
-                <p:cNvPr id="6" name="Textfeld 5">
-                  <a:extLst>
-                    <a:ext uri="{FF2B5EF4-FFF2-40B4-BE49-F238E27FC236}">
-                      <a16:creationId xmlns:a16="http://schemas.microsoft.com/office/drawing/2014/main" id="{CDCFFD71-0B5F-6CC5-8332-C19AFD83087C}"/>
-                    </a:ext>
-                  </a:extLst>
-                </p:cNvPr>
-                <p:cNvSpPr txBox="1"/>
-                <p:nvPr/>
-              </p:nvSpPr>
-              <p:spPr>
-                <a:xfrm>
-                  <a:off x="2019198" y="2950841"/>
-                  <a:ext cx="343757" cy="461665"/>
-                </a:xfrm>
-                <a:prstGeom prst="rect">
-                  <a:avLst/>
-                </a:prstGeom>
-                <a:noFill/>
-              </p:spPr>
-              <p:txBody>
-                <a:bodyPr wrap="square" rtlCol="0">
-                  <a:spAutoFit/>
-                </a:bodyPr>
-                <a:lstStyle/>
-                <a:p>
-                  <a:pPr/>
-                  <a14:m>
-                    <m:oMathPara xmlns:m="http://schemas.openxmlformats.org/officeDocument/2006/math">
-                      <m:oMathParaPr>
-                        <m:jc m:val="centerGroup"/>
-                      </m:oMathParaPr>
-                      <m:oMath xmlns:m="http://schemas.openxmlformats.org/officeDocument/2006/math">
-                        <m:r>
-                          <a:rPr lang="de-DE" sz="2400" b="1" i="1" smtClean="0">
-                            <a:solidFill>
-                              <a:schemeClr val="accent6"/>
-                            </a:solidFill>
-                            <a:latin typeface="Cambria Math" panose="02040503050406030204" pitchFamily="18" charset="0"/>
-                          </a:rPr>
-                          <m:t>𝑵</m:t>
-                        </m:r>
-                      </m:oMath>
-                    </m:oMathPara>
-                  </a14:m>
-                  <a:endParaRPr lang="de-DE" sz="2400" b="1" dirty="0">
-                    <a:solidFill>
-                      <a:schemeClr val="accent6"/>
-                    </a:solidFill>
-                  </a:endParaRPr>
-                </a:p>
-              </p:txBody>
-            </p:sp>
-          </mc:Choice>
-          <mc:Fallback xmlns="">
-            <p:sp>
-              <p:nvSpPr>
-                <p:cNvPr id="6" name="Textfeld 5">
-                  <a:extLst>
-                    <a:ext uri="{FF2B5EF4-FFF2-40B4-BE49-F238E27FC236}">
-                      <a16:creationId xmlns:a16="http://schemas.microsoft.com/office/drawing/2014/main" id="{CDCFFD71-0B5F-6CC5-8332-C19AFD83087C}"/>
-                    </a:ext>
-                  </a:extLst>
-                </p:cNvPr>
-                <p:cNvSpPr txBox="1">
-                  <a:spLocks noRot="1" noChangeAspect="1" noMove="1" noResize="1" noEditPoints="1" noAdjustHandles="1" noChangeArrowheads="1" noChangeShapeType="1" noTextEdit="1"/>
-                </p:cNvSpPr>
-                <p:nvPr/>
-              </p:nvSpPr>
-              <p:spPr>
-                <a:xfrm>
-                  <a:off x="2019198" y="2950841"/>
-                  <a:ext cx="343757" cy="461665"/>
-                </a:xfrm>
-                <a:prstGeom prst="rect">
-                  <a:avLst/>
-                </a:prstGeom>
-                <a:blipFill>
-                  <a:blip r:embed="rId2"/>
-                  <a:stretch>
-                    <a:fillRect l="-3509" r="-24561"/>
-                  </a:stretch>
-                </a:blipFill>
-              </p:spPr>
-              <p:txBody>
-                <a:bodyPr/>
-                <a:lstStyle/>
-                <a:p>
-                  <a:r>
-                    <a:rPr lang="de-DE">
-                      <a:noFill/>
-                    </a:rPr>
-                    <a:t> </a:t>
-                  </a:r>
-                </a:p>
-              </p:txBody>
-            </p:sp>
-          </mc:Fallback>
-        </mc:AlternateContent>
-        <p:cxnSp>
-          <p:nvCxnSpPr>
-            <p:cNvPr id="7" name="Gerade Verbindung mit Pfeil 6">
-              <a:extLst>
-                <a:ext uri="{FF2B5EF4-FFF2-40B4-BE49-F238E27FC236}">
-                  <a16:creationId xmlns:a16="http://schemas.microsoft.com/office/drawing/2014/main" id="{B2E50B2D-419E-D23C-EE6A-21A790291099}"/>
-                </a:ext>
-              </a:extLst>
-            </p:cNvPr>
-            <p:cNvCxnSpPr>
-              <a:cxnSpLocks/>
-            </p:cNvCxnSpPr>
-            <p:nvPr/>
-          </p:nvCxnSpPr>
-          <p:spPr>
-            <a:xfrm>
-              <a:off x="3136233" y="3651871"/>
-              <a:ext cx="0" cy="363239"/>
-            </a:xfrm>
-            <a:prstGeom prst="straightConnector1">
-              <a:avLst/>
-            </a:prstGeom>
-            <a:ln w="57150">
-              <a:solidFill>
-                <a:schemeClr val="accent2">
-                  <a:lumMod val="75000"/>
-                </a:schemeClr>
-              </a:solidFill>
-              <a:tailEnd type="triangle"/>
-            </a:ln>
-          </p:spPr>
-          <p:style>
-            <a:lnRef idx="1">
-              <a:schemeClr val="accent1"/>
-            </a:lnRef>
-            <a:fillRef idx="0">
-              <a:schemeClr val="accent1"/>
-            </a:fillRef>
-            <a:effectRef idx="0">
-              <a:schemeClr val="accent1"/>
-            </a:effectRef>
-            <a:fontRef idx="minor">
-              <a:schemeClr val="tx1"/>
-            </a:fontRef>
-          </p:style>
-        </p:cxnSp>
-        <p:cxnSp>
-          <p:nvCxnSpPr>
-            <p:cNvPr id="8" name="Gerade Verbindung mit Pfeil 7">
-              <a:extLst>
-                <a:ext uri="{FF2B5EF4-FFF2-40B4-BE49-F238E27FC236}">
-                  <a16:creationId xmlns:a16="http://schemas.microsoft.com/office/drawing/2014/main" id="{0AB2CC81-0A63-BD29-BFAC-14A0A3613422}"/>
-                </a:ext>
-              </a:extLst>
-            </p:cNvPr>
-            <p:cNvCxnSpPr>
-              <a:cxnSpLocks/>
-            </p:cNvCxnSpPr>
-            <p:nvPr/>
-          </p:nvCxnSpPr>
-          <p:spPr>
-            <a:xfrm>
-              <a:off x="3598017" y="3651871"/>
-              <a:ext cx="0" cy="363239"/>
-            </a:xfrm>
-            <a:prstGeom prst="straightConnector1">
-              <a:avLst/>
-            </a:prstGeom>
-            <a:ln w="57150">
-              <a:solidFill>
-                <a:schemeClr val="accent2">
-                  <a:lumMod val="75000"/>
-                </a:schemeClr>
-              </a:solidFill>
-              <a:tailEnd type="triangle"/>
-            </a:ln>
-          </p:spPr>
-          <p:style>
-            <a:lnRef idx="1">
-              <a:schemeClr val="accent1"/>
-            </a:lnRef>
-            <a:fillRef idx="0">
-              <a:schemeClr val="accent1"/>
-            </a:fillRef>
-            <a:effectRef idx="0">
-              <a:schemeClr val="accent1"/>
-            </a:effectRef>
-            <a:fontRef idx="minor">
-              <a:schemeClr val="tx1"/>
-            </a:fontRef>
-          </p:style>
-        </p:cxnSp>
-        <p:cxnSp>
-          <p:nvCxnSpPr>
-            <p:cNvPr id="10" name="Gerade Verbindung mit Pfeil 9">
-              <a:extLst>
-                <a:ext uri="{FF2B5EF4-FFF2-40B4-BE49-F238E27FC236}">
-                  <a16:creationId xmlns:a16="http://schemas.microsoft.com/office/drawing/2014/main" id="{4574B84B-4FA3-AF3F-06F5-EBEFF6A6B6BF}"/>
-                </a:ext>
-              </a:extLst>
-            </p:cNvPr>
-            <p:cNvCxnSpPr>
-              <a:cxnSpLocks/>
-            </p:cNvCxnSpPr>
-            <p:nvPr/>
-          </p:nvCxnSpPr>
-          <p:spPr>
-            <a:xfrm>
-              <a:off x="5439600" y="3650400"/>
-              <a:ext cx="0" cy="363239"/>
-            </a:xfrm>
-            <a:prstGeom prst="straightConnector1">
-              <a:avLst/>
-            </a:prstGeom>
-            <a:ln w="57150">
-              <a:solidFill>
-                <a:schemeClr val="accent2">
-                  <a:lumMod val="75000"/>
-                </a:schemeClr>
-              </a:solidFill>
-              <a:prstDash val="solid"/>
-              <a:tailEnd type="triangle"/>
-            </a:ln>
-          </p:spPr>
-          <p:style>
-            <a:lnRef idx="1">
-              <a:schemeClr val="accent1"/>
-            </a:lnRef>
-            <a:fillRef idx="0">
-              <a:schemeClr val="accent1"/>
-            </a:fillRef>
-            <a:effectRef idx="0">
-              <a:schemeClr val="accent1"/>
-            </a:effectRef>
-            <a:fontRef idx="minor">
-              <a:schemeClr val="tx1"/>
-            </a:fontRef>
-          </p:style>
-        </p:cxnSp>
-        <p:sp>
-          <p:nvSpPr>
-            <p:cNvPr id="11" name="Textfeld 10">
-              <a:extLst>
-                <a:ext uri="{FF2B5EF4-FFF2-40B4-BE49-F238E27FC236}">
-                  <a16:creationId xmlns:a16="http://schemas.microsoft.com/office/drawing/2014/main" id="{A52BFABC-D5BF-829D-169C-BCC0946CAB3C}"/>
-                </a:ext>
-              </a:extLst>
-            </p:cNvPr>
-            <p:cNvSpPr txBox="1"/>
-            <p:nvPr/>
-          </p:nvSpPr>
-          <p:spPr>
-            <a:xfrm>
-              <a:off x="4166852" y="3355091"/>
-              <a:ext cx="812799" cy="707886"/>
-            </a:xfrm>
-            <a:prstGeom prst="rect">
-              <a:avLst/>
-            </a:prstGeom>
-            <a:noFill/>
-          </p:spPr>
-          <p:txBody>
-            <a:bodyPr wrap="square" rtlCol="0">
-              <a:spAutoFit/>
-            </a:bodyPr>
-            <a:lstStyle/>
-            <a:p>
-              <a:r>
-                <a:rPr lang="de-DE" sz="4000" dirty="0">
-                  <a:solidFill>
-                    <a:schemeClr val="accent2">
-                      <a:lumMod val="75000"/>
-                    </a:schemeClr>
-                  </a:solidFill>
-                </a:rPr>
-                <a:t>. . .</a:t>
-              </a:r>
-            </a:p>
-          </p:txBody>
-        </p:sp>
-        <mc:AlternateContent xmlns:mc="http://schemas.openxmlformats.org/markup-compatibility/2006" xmlns:a14="http://schemas.microsoft.com/office/drawing/2010/main">
-          <mc:Choice Requires="a14">
-            <p:sp>
-              <p:nvSpPr>
-                <p:cNvPr id="12" name="Textfeld 11">
-                  <a:extLst>
-                    <a:ext uri="{FF2B5EF4-FFF2-40B4-BE49-F238E27FC236}">
-                      <a16:creationId xmlns:a16="http://schemas.microsoft.com/office/drawing/2014/main" id="{54AEAAD9-753E-FE25-C279-DEC490CECAD8}"/>
-                    </a:ext>
-                  </a:extLst>
-                </p:cNvPr>
-                <p:cNvSpPr txBox="1"/>
-                <p:nvPr/>
-              </p:nvSpPr>
-              <p:spPr>
-                <a:xfrm>
-                  <a:off x="2959104" y="3943867"/>
-                  <a:ext cx="550017" cy="453137"/>
-                </a:xfrm>
-                <a:prstGeom prst="rect">
-                  <a:avLst/>
-                </a:prstGeom>
-                <a:noFill/>
-              </p:spPr>
-              <p:txBody>
-                <a:bodyPr wrap="square" rtlCol="0">
-                  <a:spAutoFit/>
-                </a:bodyPr>
-                <a:lstStyle/>
-                <a:p>
-                  <a:pPr/>
-                  <a14:m>
-                    <m:oMathPara xmlns:m="http://schemas.openxmlformats.org/officeDocument/2006/math">
-                      <m:oMathParaPr>
-                        <m:jc m:val="centerGroup"/>
-                      </m:oMathParaPr>
-                      <m:oMath xmlns:m="http://schemas.openxmlformats.org/officeDocument/2006/math">
-                        <m:sSub>
-                          <m:sSubPr>
-                            <m:ctrlPr>
-                              <a:rPr lang="de-DE" sz="2400" b="1" i="1" dirty="0" smtClean="0">
-                                <a:solidFill>
-                                  <a:schemeClr val="accent2">
-                                    <a:lumMod val="75000"/>
-                                  </a:schemeClr>
-                                </a:solidFill>
-                                <a:latin typeface="Cambria Math" panose="02040503050406030204" pitchFamily="18" charset="0"/>
-                              </a:rPr>
-                            </m:ctrlPr>
-                          </m:sSubPr>
-                          <m:e>
-                            <m:r>
-                              <a:rPr lang="de-DE" sz="2400" b="1" i="1" dirty="0" smtClean="0">
-                                <a:solidFill>
-                                  <a:schemeClr val="accent2">
-                                    <a:lumMod val="75000"/>
-                                  </a:schemeClr>
-                                </a:solidFill>
-                                <a:latin typeface="Cambria Math" panose="02040503050406030204" pitchFamily="18" charset="0"/>
-                              </a:rPr>
-                              <m:t>𝒄</m:t>
-                            </m:r>
-                          </m:e>
-                          <m:sub>
-                            <m:r>
-                              <a:rPr lang="de-DE" sz="2400" b="1" i="1" dirty="0" smtClean="0">
-                                <a:solidFill>
-                                  <a:schemeClr val="accent2">
-                                    <a:lumMod val="75000"/>
-                                  </a:schemeClr>
-                                </a:solidFill>
-                                <a:latin typeface="Cambria Math" panose="02040503050406030204" pitchFamily="18" charset="0"/>
-                              </a:rPr>
-                              <m:t>𝟏</m:t>
-                            </m:r>
-                          </m:sub>
-                        </m:sSub>
-                      </m:oMath>
-                    </m:oMathPara>
-                  </a14:m>
-                  <a:endParaRPr lang="de-DE" sz="2400" b="1" baseline="-25000" dirty="0">
-                    <a:solidFill>
-                      <a:schemeClr val="accent2">
-                        <a:lumMod val="75000"/>
-                      </a:schemeClr>
-                    </a:solidFill>
-                  </a:endParaRPr>
-                </a:p>
-              </p:txBody>
-            </p:sp>
-          </mc:Choice>
-          <mc:Fallback xmlns="">
-            <p:sp>
-              <p:nvSpPr>
-                <p:cNvPr id="12" name="Textfeld 11">
-                  <a:extLst>
-                    <a:ext uri="{FF2B5EF4-FFF2-40B4-BE49-F238E27FC236}">
-                      <a16:creationId xmlns:a16="http://schemas.microsoft.com/office/drawing/2014/main" id="{54AEAAD9-753E-FE25-C279-DEC490CECAD8}"/>
-                    </a:ext>
-                  </a:extLst>
-                </p:cNvPr>
-                <p:cNvSpPr txBox="1">
-                  <a:spLocks noRot="1" noChangeAspect="1" noMove="1" noResize="1" noEditPoints="1" noAdjustHandles="1" noChangeArrowheads="1" noChangeShapeType="1" noTextEdit="1"/>
-                </p:cNvSpPr>
-                <p:nvPr/>
-              </p:nvSpPr>
-              <p:spPr>
-                <a:xfrm>
-                  <a:off x="2959104" y="3943867"/>
-                  <a:ext cx="550017" cy="453137"/>
-                </a:xfrm>
-                <a:prstGeom prst="rect">
-                  <a:avLst/>
-                </a:prstGeom>
-                <a:blipFill>
-                  <a:blip r:embed="rId3"/>
-                  <a:stretch>
-                    <a:fillRect b="-6757"/>
-                  </a:stretch>
-                </a:blipFill>
-              </p:spPr>
-              <p:txBody>
-                <a:bodyPr/>
-                <a:lstStyle/>
-                <a:p>
-                  <a:r>
-                    <a:rPr lang="de-DE">
-                      <a:noFill/>
-                    </a:rPr>
-                    <a:t> </a:t>
-                  </a:r>
-                </a:p>
-              </p:txBody>
-            </p:sp>
-          </mc:Fallback>
-        </mc:AlternateContent>
-        <mc:AlternateContent xmlns:mc="http://schemas.openxmlformats.org/markup-compatibility/2006" xmlns:a14="http://schemas.microsoft.com/office/drawing/2010/main">
-          <mc:Choice Requires="a14">
-            <p:sp>
-              <p:nvSpPr>
-                <p:cNvPr id="13" name="Textfeld 12">
-                  <a:extLst>
-                    <a:ext uri="{FF2B5EF4-FFF2-40B4-BE49-F238E27FC236}">
-                      <a16:creationId xmlns:a16="http://schemas.microsoft.com/office/drawing/2014/main" id="{82C65BC0-254E-4BFB-A899-A6EDD30C45CE}"/>
-                    </a:ext>
-                  </a:extLst>
-                </p:cNvPr>
-                <p:cNvSpPr txBox="1"/>
-                <p:nvPr/>
-              </p:nvSpPr>
-              <p:spPr>
-                <a:xfrm>
-                  <a:off x="3462082" y="3943867"/>
-                  <a:ext cx="550017" cy="453137"/>
-                </a:xfrm>
-                <a:prstGeom prst="rect">
-                  <a:avLst/>
-                </a:prstGeom>
-                <a:noFill/>
-              </p:spPr>
-              <p:txBody>
-                <a:bodyPr wrap="square" rtlCol="0">
-                  <a:spAutoFit/>
-                </a:bodyPr>
-                <a:lstStyle/>
-                <a:p>
-                  <a:pPr/>
-                  <a14:m>
-                    <m:oMathPara xmlns:m="http://schemas.openxmlformats.org/officeDocument/2006/math">
-                      <m:oMathParaPr>
-                        <m:jc m:val="centerGroup"/>
-                      </m:oMathParaPr>
-                      <m:oMath xmlns:m="http://schemas.openxmlformats.org/officeDocument/2006/math">
-                        <m:sSub>
-                          <m:sSubPr>
-                            <m:ctrlPr>
-                              <a:rPr lang="de-DE" sz="2400" b="1" i="1" dirty="0" smtClean="0">
-                                <a:solidFill>
-                                  <a:schemeClr val="accent2">
-                                    <a:lumMod val="75000"/>
-                                  </a:schemeClr>
-                                </a:solidFill>
-                                <a:latin typeface="Cambria Math" panose="02040503050406030204" pitchFamily="18" charset="0"/>
-                              </a:rPr>
-                            </m:ctrlPr>
-                          </m:sSubPr>
-                          <m:e>
-                            <m:r>
-                              <a:rPr lang="de-DE" sz="2400" b="1" i="1" dirty="0" smtClean="0">
-                                <a:solidFill>
-                                  <a:schemeClr val="accent2">
-                                    <a:lumMod val="75000"/>
-                                  </a:schemeClr>
-                                </a:solidFill>
-                                <a:latin typeface="Cambria Math" panose="02040503050406030204" pitchFamily="18" charset="0"/>
-                              </a:rPr>
-                              <m:t>𝒄</m:t>
-                            </m:r>
-                          </m:e>
-                          <m:sub>
-                            <m:r>
-                              <a:rPr lang="de-DE" sz="2400" b="1" i="1" dirty="0" smtClean="0">
-                                <a:solidFill>
-                                  <a:schemeClr val="accent2">
-                                    <a:lumMod val="75000"/>
-                                  </a:schemeClr>
-                                </a:solidFill>
-                                <a:latin typeface="Cambria Math" panose="02040503050406030204" pitchFamily="18" charset="0"/>
-                              </a:rPr>
-                              <m:t>𝟐</m:t>
-                            </m:r>
-                          </m:sub>
-                        </m:sSub>
-                      </m:oMath>
-                    </m:oMathPara>
-                  </a14:m>
-                  <a:endParaRPr lang="de-DE" sz="2400" b="1" baseline="-25000" dirty="0">
-                    <a:solidFill>
-                      <a:schemeClr val="accent2">
-                        <a:lumMod val="75000"/>
-                      </a:schemeClr>
-                    </a:solidFill>
-                  </a:endParaRPr>
-                </a:p>
-              </p:txBody>
-            </p:sp>
-          </mc:Choice>
-          <mc:Fallback xmlns="">
-            <p:sp>
-              <p:nvSpPr>
-                <p:cNvPr id="13" name="Textfeld 12">
-                  <a:extLst>
-                    <a:ext uri="{FF2B5EF4-FFF2-40B4-BE49-F238E27FC236}">
-                      <a16:creationId xmlns:a16="http://schemas.microsoft.com/office/drawing/2014/main" id="{82C65BC0-254E-4BFB-A899-A6EDD30C45CE}"/>
-                    </a:ext>
-                  </a:extLst>
-                </p:cNvPr>
-                <p:cNvSpPr txBox="1">
-                  <a:spLocks noRot="1" noChangeAspect="1" noMove="1" noResize="1" noEditPoints="1" noAdjustHandles="1" noChangeArrowheads="1" noChangeShapeType="1" noTextEdit="1"/>
-                </p:cNvSpPr>
-                <p:nvPr/>
-              </p:nvSpPr>
-              <p:spPr>
-                <a:xfrm>
-                  <a:off x="3462082" y="3943867"/>
-                  <a:ext cx="550017" cy="453137"/>
-                </a:xfrm>
-                <a:prstGeom prst="rect">
-                  <a:avLst/>
-                </a:prstGeom>
-                <a:blipFill>
-                  <a:blip r:embed="rId4"/>
-                  <a:stretch>
-                    <a:fillRect b="-6757"/>
-                  </a:stretch>
-                </a:blipFill>
-              </p:spPr>
-              <p:txBody>
-                <a:bodyPr/>
-                <a:lstStyle/>
-                <a:p>
-                  <a:r>
-                    <a:rPr lang="de-DE">
-                      <a:noFill/>
-                    </a:rPr>
-                    <a:t> </a:t>
-                  </a:r>
-                </a:p>
-              </p:txBody>
-            </p:sp>
-          </mc:Fallback>
-        </mc:AlternateContent>
-        <mc:AlternateContent xmlns:mc="http://schemas.openxmlformats.org/markup-compatibility/2006" xmlns:a14="http://schemas.microsoft.com/office/drawing/2010/main">
-          <mc:Choice Requires="a14">
-            <p:sp>
-              <p:nvSpPr>
-                <p:cNvPr id="14" name="Textfeld 13">
-                  <a:extLst>
-                    <a:ext uri="{FF2B5EF4-FFF2-40B4-BE49-F238E27FC236}">
-                      <a16:creationId xmlns:a16="http://schemas.microsoft.com/office/drawing/2014/main" id="{9EBF2682-B5D9-5DF7-3D57-BB326DB0B5C6}"/>
-                    </a:ext>
-                  </a:extLst>
-                </p:cNvPr>
-                <p:cNvSpPr txBox="1"/>
-                <p:nvPr/>
-              </p:nvSpPr>
-              <p:spPr>
-                <a:xfrm>
-                  <a:off x="5101743" y="3979219"/>
-                  <a:ext cx="690349" cy="453137"/>
-                </a:xfrm>
-                <a:prstGeom prst="rect">
-                  <a:avLst/>
-                </a:prstGeom>
-                <a:noFill/>
-              </p:spPr>
-              <p:txBody>
-                <a:bodyPr wrap="square" rtlCol="0">
-                  <a:spAutoFit/>
-                </a:bodyPr>
-                <a:lstStyle/>
-                <a:p>
-                  <a:pPr/>
-                  <a14:m>
-                    <m:oMathPara xmlns:m="http://schemas.openxmlformats.org/officeDocument/2006/math">
-                      <m:oMathParaPr>
-                        <m:jc m:val="centerGroup"/>
-                      </m:oMathParaPr>
-                      <m:oMath xmlns:m="http://schemas.openxmlformats.org/officeDocument/2006/math">
-                        <m:sSub>
-                          <m:sSubPr>
-                            <m:ctrlPr>
-                              <a:rPr lang="de-DE" sz="2400" b="1" i="1" dirty="0" smtClean="0">
-                                <a:solidFill>
-                                  <a:schemeClr val="accent2">
-                                    <a:lumMod val="75000"/>
-                                  </a:schemeClr>
-                                </a:solidFill>
-                                <a:latin typeface="Cambria Math" panose="02040503050406030204" pitchFamily="18" charset="0"/>
-                              </a:rPr>
-                            </m:ctrlPr>
-                          </m:sSubPr>
-                          <m:e>
-                            <m:r>
-                              <a:rPr lang="de-DE" sz="2400" b="1" i="1" dirty="0" smtClean="0">
-                                <a:solidFill>
-                                  <a:schemeClr val="accent2">
-                                    <a:lumMod val="75000"/>
-                                  </a:schemeClr>
-                                </a:solidFill>
-                                <a:latin typeface="Cambria Math" panose="02040503050406030204" pitchFamily="18" charset="0"/>
-                              </a:rPr>
-                              <m:t>𝒄</m:t>
-                            </m:r>
-                          </m:e>
-                          <m:sub>
-                            <m:r>
-                              <a:rPr lang="de-DE" sz="2400" b="1" i="1" dirty="0" smtClean="0">
-                                <a:solidFill>
-                                  <a:schemeClr val="accent2">
-                                    <a:lumMod val="75000"/>
-                                  </a:schemeClr>
-                                </a:solidFill>
-                                <a:latin typeface="Cambria Math" panose="02040503050406030204" pitchFamily="18" charset="0"/>
-                              </a:rPr>
-                              <m:t>𝒌</m:t>
-                            </m:r>
-                          </m:sub>
-                        </m:sSub>
-                      </m:oMath>
-                    </m:oMathPara>
-                  </a14:m>
-                  <a:endParaRPr lang="de-DE" sz="2400" b="1" baseline="-25000" dirty="0">
-                    <a:solidFill>
-                      <a:schemeClr val="accent2">
-                        <a:lumMod val="75000"/>
-                      </a:schemeClr>
-                    </a:solidFill>
-                  </a:endParaRPr>
-                </a:p>
-              </p:txBody>
-            </p:sp>
-          </mc:Choice>
-          <mc:Fallback xmlns="">
-            <p:sp>
-              <p:nvSpPr>
-                <p:cNvPr id="14" name="Textfeld 13">
-                  <a:extLst>
-                    <a:ext uri="{FF2B5EF4-FFF2-40B4-BE49-F238E27FC236}">
-                      <a16:creationId xmlns:a16="http://schemas.microsoft.com/office/drawing/2014/main" id="{9EBF2682-B5D9-5DF7-3D57-BB326DB0B5C6}"/>
-                    </a:ext>
-                  </a:extLst>
-                </p:cNvPr>
-                <p:cNvSpPr txBox="1">
-                  <a:spLocks noRot="1" noChangeAspect="1" noMove="1" noResize="1" noEditPoints="1" noAdjustHandles="1" noChangeArrowheads="1" noChangeShapeType="1" noTextEdit="1"/>
-                </p:cNvSpPr>
-                <p:nvPr/>
-              </p:nvSpPr>
-              <p:spPr>
-                <a:xfrm>
-                  <a:off x="5101743" y="3979219"/>
-                  <a:ext cx="690349" cy="453137"/>
-                </a:xfrm>
-                <a:prstGeom prst="rect">
-                  <a:avLst/>
-                </a:prstGeom>
-                <a:blipFill>
-                  <a:blip r:embed="rId5"/>
-                  <a:stretch>
-                    <a:fillRect b="-6757"/>
-                  </a:stretch>
-                </a:blipFill>
-              </p:spPr>
-              <p:txBody>
-                <a:bodyPr/>
-                <a:lstStyle/>
-                <a:p>
-                  <a:r>
-                    <a:rPr lang="de-DE">
-                      <a:noFill/>
-                    </a:rPr>
-                    <a:t> </a:t>
-                  </a:r>
-                </a:p>
-              </p:txBody>
-            </p:sp>
-          </mc:Fallback>
-        </mc:AlternateContent>
-        <p:cxnSp>
-          <p:nvCxnSpPr>
-            <p:cNvPr id="16" name="Gerade Verbindung mit Pfeil 15">
-              <a:extLst>
-                <a:ext uri="{FF2B5EF4-FFF2-40B4-BE49-F238E27FC236}">
-                  <a16:creationId xmlns:a16="http://schemas.microsoft.com/office/drawing/2014/main" id="{51AC60D7-B79D-8B71-F321-65F4A99BB592}"/>
-                </a:ext>
-              </a:extLst>
-            </p:cNvPr>
-            <p:cNvCxnSpPr>
-              <a:cxnSpLocks/>
-            </p:cNvCxnSpPr>
-            <p:nvPr/>
-          </p:nvCxnSpPr>
-          <p:spPr>
-            <a:xfrm>
-              <a:off x="5900400" y="3650399"/>
-              <a:ext cx="0" cy="363239"/>
-            </a:xfrm>
-            <a:prstGeom prst="straightConnector1">
-              <a:avLst/>
-            </a:prstGeom>
-            <a:ln w="57150">
-              <a:solidFill>
-                <a:schemeClr val="accent2">
-                  <a:lumMod val="75000"/>
-                </a:schemeClr>
-              </a:solidFill>
-              <a:prstDash val="solid"/>
-              <a:tailEnd type="triangle"/>
-            </a:ln>
-          </p:spPr>
-          <p:style>
-            <a:lnRef idx="1">
-              <a:schemeClr val="accent1"/>
-            </a:lnRef>
-            <a:fillRef idx="0">
-              <a:schemeClr val="accent1"/>
-            </a:fillRef>
-            <a:effectRef idx="0">
-              <a:schemeClr val="accent1"/>
-            </a:effectRef>
-            <a:fontRef idx="minor">
-              <a:schemeClr val="tx1"/>
-            </a:fontRef>
-          </p:style>
-        </p:cxnSp>
-        <p:sp>
-          <p:nvSpPr>
-            <p:cNvPr id="17" name="Textfeld 16">
-              <a:extLst>
-                <a:ext uri="{FF2B5EF4-FFF2-40B4-BE49-F238E27FC236}">
-                  <a16:creationId xmlns:a16="http://schemas.microsoft.com/office/drawing/2014/main" id="{553A77B5-5B9D-DDB9-50D0-C9759101B914}"/>
-                </a:ext>
-              </a:extLst>
-            </p:cNvPr>
-            <p:cNvSpPr txBox="1"/>
-            <p:nvPr/>
-          </p:nvSpPr>
-          <p:spPr>
-            <a:xfrm>
-              <a:off x="6117017" y="3355091"/>
-              <a:ext cx="812799" cy="707886"/>
-            </a:xfrm>
-            <a:prstGeom prst="rect">
-              <a:avLst/>
-            </a:prstGeom>
-            <a:noFill/>
-          </p:spPr>
-          <p:txBody>
-            <a:bodyPr wrap="square" rtlCol="0">
-              <a:spAutoFit/>
-            </a:bodyPr>
-            <a:lstStyle/>
-            <a:p>
-              <a:r>
-                <a:rPr lang="de-DE" sz="4000" dirty="0">
-                  <a:solidFill>
-                    <a:schemeClr val="accent2">
-                      <a:lumMod val="75000"/>
-                    </a:schemeClr>
-                  </a:solidFill>
-                </a:rPr>
-                <a:t>. . .</a:t>
-              </a:r>
-            </a:p>
-          </p:txBody>
-        </p:sp>
-        <p:cxnSp>
-          <p:nvCxnSpPr>
-            <p:cNvPr id="18" name="Gerade Verbindung mit Pfeil 17">
-              <a:extLst>
-                <a:ext uri="{FF2B5EF4-FFF2-40B4-BE49-F238E27FC236}">
-                  <a16:creationId xmlns:a16="http://schemas.microsoft.com/office/drawing/2014/main" id="{50F39F84-3FB1-95A9-6EEC-9B37EAB86310}"/>
-                </a:ext>
-              </a:extLst>
-            </p:cNvPr>
-            <p:cNvCxnSpPr>
-              <a:cxnSpLocks/>
-            </p:cNvCxnSpPr>
-            <p:nvPr/>
-          </p:nvCxnSpPr>
-          <p:spPr>
-            <a:xfrm>
-              <a:off x="7085734" y="3650399"/>
-              <a:ext cx="0" cy="363239"/>
-            </a:xfrm>
-            <a:prstGeom prst="straightConnector1">
-              <a:avLst/>
-            </a:prstGeom>
-            <a:ln w="57150">
-              <a:solidFill>
-                <a:schemeClr val="accent2">
-                  <a:lumMod val="75000"/>
-                </a:schemeClr>
-              </a:solidFill>
-              <a:prstDash val="solid"/>
-              <a:tailEnd type="triangle"/>
-            </a:ln>
-          </p:spPr>
-          <p:style>
-            <a:lnRef idx="1">
-              <a:schemeClr val="accent1"/>
-            </a:lnRef>
-            <a:fillRef idx="0">
-              <a:schemeClr val="accent1"/>
-            </a:fillRef>
-            <a:effectRef idx="0">
-              <a:schemeClr val="accent1"/>
-            </a:effectRef>
-            <a:fontRef idx="minor">
-              <a:schemeClr val="tx1"/>
-            </a:fontRef>
-          </p:style>
-        </p:cxnSp>
-        <mc:AlternateContent xmlns:mc="http://schemas.openxmlformats.org/markup-compatibility/2006" xmlns:a14="http://schemas.microsoft.com/office/drawing/2010/main">
-          <mc:Choice Requires="a14">
-            <p:sp>
-              <p:nvSpPr>
-                <p:cNvPr id="19" name="Textfeld 18">
-                  <a:extLst>
-                    <a:ext uri="{FF2B5EF4-FFF2-40B4-BE49-F238E27FC236}">
-                      <a16:creationId xmlns:a16="http://schemas.microsoft.com/office/drawing/2014/main" id="{EB0D6F30-0DE9-FA71-B04F-F39643396AA6}"/>
-                    </a:ext>
-                  </a:extLst>
-                </p:cNvPr>
-                <p:cNvSpPr txBox="1"/>
-                <p:nvPr/>
-              </p:nvSpPr>
-              <p:spPr>
-                <a:xfrm>
-                  <a:off x="5656217" y="3983239"/>
-                  <a:ext cx="764714" cy="461665"/>
-                </a:xfrm>
-                <a:prstGeom prst="rect">
-                  <a:avLst/>
-                </a:prstGeom>
-                <a:noFill/>
-              </p:spPr>
-              <p:txBody>
-                <a:bodyPr wrap="square" rtlCol="0">
-                  <a:spAutoFit/>
-                </a:bodyPr>
-                <a:lstStyle/>
-                <a:p>
-                  <a:pPr/>
-                  <a14:m>
-                    <m:oMathPara xmlns:m="http://schemas.openxmlformats.org/officeDocument/2006/math">
-                      <m:oMathParaPr>
-                        <m:jc m:val="centerGroup"/>
-                      </m:oMathParaPr>
-                      <m:oMath xmlns:m="http://schemas.openxmlformats.org/officeDocument/2006/math">
-                        <m:sSub>
-                          <m:sSubPr>
-                            <m:ctrlPr>
-                              <a:rPr lang="de-DE" sz="2400" b="1" i="1" dirty="0" smtClean="0">
-                                <a:solidFill>
-                                  <a:schemeClr val="accent2">
-                                    <a:lumMod val="75000"/>
-                                  </a:schemeClr>
-                                </a:solidFill>
-                                <a:latin typeface="Cambria Math" panose="02040503050406030204" pitchFamily="18" charset="0"/>
-                              </a:rPr>
-                            </m:ctrlPr>
-                          </m:sSubPr>
-                          <m:e>
-                            <m:r>
-                              <a:rPr lang="de-DE" sz="2400" b="1" i="1" dirty="0" smtClean="0">
-                                <a:solidFill>
-                                  <a:schemeClr val="accent2">
-                                    <a:lumMod val="75000"/>
-                                  </a:schemeClr>
-                                </a:solidFill>
-                                <a:latin typeface="Cambria Math" panose="02040503050406030204" pitchFamily="18" charset="0"/>
-                              </a:rPr>
-                              <m:t>𝒄</m:t>
-                            </m:r>
-                          </m:e>
-                          <m:sub>
-                            <m:r>
-                              <a:rPr lang="de-DE" sz="2400" b="1" i="1" dirty="0" smtClean="0">
-                                <a:solidFill>
-                                  <a:schemeClr val="accent2">
-                                    <a:lumMod val="75000"/>
-                                  </a:schemeClr>
-                                </a:solidFill>
-                                <a:latin typeface="Cambria Math" panose="02040503050406030204" pitchFamily="18" charset="0"/>
-                              </a:rPr>
-                              <m:t>𝒌</m:t>
-                            </m:r>
-                            <m:r>
-                              <a:rPr lang="de-DE" sz="2400" b="1" i="1" dirty="0" smtClean="0">
-                                <a:solidFill>
-                                  <a:schemeClr val="accent2">
-                                    <a:lumMod val="75000"/>
-                                  </a:schemeClr>
-                                </a:solidFill>
-                                <a:latin typeface="Cambria Math" panose="02040503050406030204" pitchFamily="18" charset="0"/>
-                              </a:rPr>
-                              <m:t>+</m:t>
-                            </m:r>
-                            <m:r>
-                              <a:rPr lang="de-DE" sz="2400" b="1" i="1" dirty="0" smtClean="0">
-                                <a:solidFill>
-                                  <a:schemeClr val="accent2">
-                                    <a:lumMod val="75000"/>
-                                  </a:schemeClr>
-                                </a:solidFill>
-                                <a:latin typeface="Cambria Math" panose="02040503050406030204" pitchFamily="18" charset="0"/>
-                              </a:rPr>
-                              <m:t>𝟏</m:t>
-                            </m:r>
-                          </m:sub>
-                        </m:sSub>
-                      </m:oMath>
-                    </m:oMathPara>
-                  </a14:m>
-                  <a:endParaRPr lang="de-DE" sz="2400" b="1" baseline="-25000" dirty="0">
-                    <a:solidFill>
-                      <a:schemeClr val="accent2">
-                        <a:lumMod val="75000"/>
-                      </a:schemeClr>
-                    </a:solidFill>
-                  </a:endParaRPr>
-                </a:p>
-              </p:txBody>
-            </p:sp>
-          </mc:Choice>
-          <mc:Fallback xmlns="">
-            <p:sp>
-              <p:nvSpPr>
-                <p:cNvPr id="19" name="Textfeld 18">
-                  <a:extLst>
-                    <a:ext uri="{FF2B5EF4-FFF2-40B4-BE49-F238E27FC236}">
-                      <a16:creationId xmlns:a16="http://schemas.microsoft.com/office/drawing/2014/main" id="{EB0D6F30-0DE9-FA71-B04F-F39643396AA6}"/>
-                    </a:ext>
-                  </a:extLst>
-                </p:cNvPr>
-                <p:cNvSpPr txBox="1">
-                  <a:spLocks noRot="1" noChangeAspect="1" noMove="1" noResize="1" noEditPoints="1" noAdjustHandles="1" noChangeArrowheads="1" noChangeShapeType="1" noTextEdit="1"/>
-                </p:cNvSpPr>
-                <p:nvPr/>
-              </p:nvSpPr>
-              <p:spPr>
-                <a:xfrm>
-                  <a:off x="5656217" y="3983239"/>
-                  <a:ext cx="764714" cy="461665"/>
-                </a:xfrm>
-                <a:prstGeom prst="rect">
-                  <a:avLst/>
-                </a:prstGeom>
-                <a:blipFill>
-                  <a:blip r:embed="rId6"/>
-                  <a:stretch>
-                    <a:fillRect b="-5333"/>
-                  </a:stretch>
-                </a:blipFill>
-              </p:spPr>
-              <p:txBody>
-                <a:bodyPr/>
-                <a:lstStyle/>
-                <a:p>
-                  <a:r>
-                    <a:rPr lang="de-DE">
-                      <a:noFill/>
-                    </a:rPr>
-                    <a:t> </a:t>
-                  </a:r>
-                </a:p>
-              </p:txBody>
-            </p:sp>
-          </mc:Fallback>
-        </mc:AlternateContent>
-        <mc:AlternateContent xmlns:mc="http://schemas.openxmlformats.org/markup-compatibility/2006" xmlns:a14="http://schemas.microsoft.com/office/drawing/2010/main">
-          <mc:Choice Requires="a14">
-            <p:sp>
-              <p:nvSpPr>
-                <p:cNvPr id="20" name="Textfeld 19">
-                  <a:extLst>
-                    <a:ext uri="{FF2B5EF4-FFF2-40B4-BE49-F238E27FC236}">
-                      <a16:creationId xmlns:a16="http://schemas.microsoft.com/office/drawing/2014/main" id="{E23E648D-7B18-4334-2BC5-CDD338D2B9F6}"/>
-                    </a:ext>
-                  </a:extLst>
-                </p:cNvPr>
-                <p:cNvSpPr txBox="1"/>
-                <p:nvPr/>
-              </p:nvSpPr>
-              <p:spPr>
-                <a:xfrm>
-                  <a:off x="6699593" y="3962441"/>
-                  <a:ext cx="812800" cy="461665"/>
-                </a:xfrm>
-                <a:prstGeom prst="rect">
-                  <a:avLst/>
-                </a:prstGeom>
-                <a:noFill/>
-              </p:spPr>
-              <p:txBody>
-                <a:bodyPr wrap="square" rtlCol="0">
-                  <a:spAutoFit/>
-                </a:bodyPr>
-                <a:lstStyle/>
-                <a:p>
-                  <a:pPr/>
-                  <a14:m>
-                    <m:oMathPara xmlns:m="http://schemas.openxmlformats.org/officeDocument/2006/math">
-                      <m:oMathParaPr>
-                        <m:jc m:val="centerGroup"/>
-                      </m:oMathParaPr>
-                      <m:oMath xmlns:m="http://schemas.openxmlformats.org/officeDocument/2006/math">
-                        <m:sSub>
-                          <m:sSubPr>
-                            <m:ctrlPr>
-                              <a:rPr lang="de-DE" sz="2400" b="1" i="1" dirty="0" smtClean="0">
-                                <a:solidFill>
-                                  <a:schemeClr val="accent2">
-                                    <a:lumMod val="75000"/>
-                                  </a:schemeClr>
-                                </a:solidFill>
-                                <a:latin typeface="Cambria Math" panose="02040503050406030204" pitchFamily="18" charset="0"/>
-                              </a:rPr>
-                            </m:ctrlPr>
-                          </m:sSubPr>
-                          <m:e>
-                            <m:r>
-                              <a:rPr lang="de-DE" sz="2400" b="1" i="1" dirty="0" smtClean="0">
-                                <a:solidFill>
-                                  <a:schemeClr val="accent2">
-                                    <a:lumMod val="75000"/>
-                                  </a:schemeClr>
-                                </a:solidFill>
-                                <a:latin typeface="Cambria Math" panose="02040503050406030204" pitchFamily="18" charset="0"/>
-                              </a:rPr>
-                              <m:t>𝒄</m:t>
-                            </m:r>
-                          </m:e>
-                          <m:sub>
-                            <m:r>
-                              <a:rPr lang="de-DE" sz="2400" b="1" i="1" dirty="0" smtClean="0">
-                                <a:solidFill>
-                                  <a:schemeClr val="accent2">
-                                    <a:lumMod val="75000"/>
-                                  </a:schemeClr>
-                                </a:solidFill>
-                                <a:latin typeface="Cambria Math" panose="02040503050406030204" pitchFamily="18" charset="0"/>
-                              </a:rPr>
-                              <m:t>𝑴</m:t>
-                            </m:r>
-                          </m:sub>
-                        </m:sSub>
-                      </m:oMath>
-                    </m:oMathPara>
-                  </a14:m>
-                  <a:endParaRPr lang="de-DE" sz="2400" b="1" baseline="-25000" dirty="0">
-                    <a:solidFill>
-                      <a:schemeClr val="accent2">
-                        <a:lumMod val="75000"/>
-                      </a:schemeClr>
-                    </a:solidFill>
-                  </a:endParaRPr>
-                </a:p>
-              </p:txBody>
-            </p:sp>
-          </mc:Choice>
-          <mc:Fallback xmlns="">
-            <p:sp>
-              <p:nvSpPr>
-                <p:cNvPr id="20" name="Textfeld 19">
-                  <a:extLst>
-                    <a:ext uri="{FF2B5EF4-FFF2-40B4-BE49-F238E27FC236}">
-                      <a16:creationId xmlns:a16="http://schemas.microsoft.com/office/drawing/2014/main" id="{E23E648D-7B18-4334-2BC5-CDD338D2B9F6}"/>
-                    </a:ext>
-                  </a:extLst>
-                </p:cNvPr>
-                <p:cNvSpPr txBox="1">
-                  <a:spLocks noRot="1" noChangeAspect="1" noMove="1" noResize="1" noEditPoints="1" noAdjustHandles="1" noChangeArrowheads="1" noChangeShapeType="1" noTextEdit="1"/>
-                </p:cNvSpPr>
-                <p:nvPr/>
-              </p:nvSpPr>
-              <p:spPr>
-                <a:xfrm>
-                  <a:off x="6699593" y="3962441"/>
-                  <a:ext cx="812800" cy="461665"/>
-                </a:xfrm>
-                <a:prstGeom prst="rect">
-                  <a:avLst/>
-                </a:prstGeom>
-                <a:blipFill>
-                  <a:blip r:embed="rId7"/>
-                  <a:stretch>
-                    <a:fillRect b="-3947"/>
-                  </a:stretch>
-                </a:blipFill>
-              </p:spPr>
-              <p:txBody>
-                <a:bodyPr/>
-                <a:lstStyle/>
-                <a:p>
-                  <a:r>
-                    <a:rPr lang="de-DE">
-                      <a:noFill/>
-                    </a:rPr>
-                    <a:t> </a:t>
-                  </a:r>
-                </a:p>
-              </p:txBody>
-            </p:sp>
-          </mc:Fallback>
-        </mc:AlternateContent>
-      </p:grpSp>
-      <p:cxnSp>
-        <p:nvCxnSpPr>
-          <p:cNvPr id="21" name="Gerade Verbindung mit Pfeil 20">
-            <a:extLst>
-              <a:ext uri="{FF2B5EF4-FFF2-40B4-BE49-F238E27FC236}">
-                <a16:creationId xmlns:a16="http://schemas.microsoft.com/office/drawing/2014/main" id="{2A59CC8B-87DD-412D-5B43-EF2055FB5720}"/>
-              </a:ext>
-            </a:extLst>
-          </p:cNvPr>
-          <p:cNvCxnSpPr>
-            <a:cxnSpLocks/>
-          </p:cNvCxnSpPr>
-          <p:nvPr/>
-        </p:nvCxnSpPr>
-        <p:spPr>
-          <a:xfrm>
-            <a:off x="6409267" y="4073800"/>
-            <a:ext cx="1997000" cy="0"/>
-          </a:xfrm>
-          <a:prstGeom prst="straightConnector1">
-            <a:avLst/>
-          </a:prstGeom>
-          <a:ln w="76200">
-            <a:solidFill>
-              <a:schemeClr val="tx2"/>
-            </a:solidFill>
-            <a:tailEnd type="triangle"/>
-          </a:ln>
-        </p:spPr>
-        <p:style>
-          <a:lnRef idx="1">
-            <a:schemeClr val="accent1"/>
-          </a:lnRef>
-          <a:fillRef idx="0">
-            <a:schemeClr val="accent1"/>
-          </a:fillRef>
-          <a:effectRef idx="0">
-            <a:schemeClr val="accent1"/>
-          </a:effectRef>
-          <a:fontRef idx="minor">
-            <a:schemeClr val="tx1"/>
-          </a:fontRef>
-        </p:style>
-      </p:cxnSp>
-      <p:cxnSp>
-        <p:nvCxnSpPr>
-          <p:cNvPr id="22" name="Gerade Verbindung mit Pfeil 21">
-            <a:extLst>
-              <a:ext uri="{FF2B5EF4-FFF2-40B4-BE49-F238E27FC236}">
-                <a16:creationId xmlns:a16="http://schemas.microsoft.com/office/drawing/2014/main" id="{DC3BBBE5-77C8-55FD-3E71-0EF1C2C83815}"/>
-              </a:ext>
-            </a:extLst>
-          </p:cNvPr>
-          <p:cNvCxnSpPr>
-            <a:cxnSpLocks/>
-          </p:cNvCxnSpPr>
-          <p:nvPr/>
-        </p:nvCxnSpPr>
-        <p:spPr>
-          <a:xfrm>
-            <a:off x="6489466" y="4104102"/>
-            <a:ext cx="0" cy="1048600"/>
-          </a:xfrm>
-          <a:prstGeom prst="straightConnector1">
-            <a:avLst/>
-          </a:prstGeom>
-          <a:ln w="57150">
-            <a:solidFill>
-              <a:schemeClr val="accent2">
-                <a:lumMod val="75000"/>
-              </a:schemeClr>
-            </a:solidFill>
-            <a:prstDash val="solid"/>
-            <a:tailEnd type="triangle"/>
-          </a:ln>
-        </p:spPr>
-        <p:style>
-          <a:lnRef idx="1">
-            <a:schemeClr val="accent1"/>
-          </a:lnRef>
-          <a:fillRef idx="0">
-            <a:schemeClr val="accent1"/>
-          </a:fillRef>
-          <a:effectRef idx="0">
-            <a:schemeClr val="accent1"/>
-          </a:effectRef>
-          <a:fontRef idx="minor">
-            <a:schemeClr val="tx1"/>
-          </a:fontRef>
-        </p:style>
-      </p:cxnSp>
-      <p:cxnSp>
-        <p:nvCxnSpPr>
-          <p:cNvPr id="24" name="Gerade Verbindung mit Pfeil 23">
-            <a:extLst>
-              <a:ext uri="{FF2B5EF4-FFF2-40B4-BE49-F238E27FC236}">
-                <a16:creationId xmlns:a16="http://schemas.microsoft.com/office/drawing/2014/main" id="{6A88A849-5AFF-34C0-55DE-913C6EED1660}"/>
-              </a:ext>
-            </a:extLst>
-          </p:cNvPr>
-          <p:cNvCxnSpPr>
-            <a:cxnSpLocks/>
-          </p:cNvCxnSpPr>
-          <p:nvPr/>
-        </p:nvCxnSpPr>
-        <p:spPr>
-          <a:xfrm flipV="1">
-            <a:off x="6950266" y="3672292"/>
-            <a:ext cx="0" cy="363239"/>
-          </a:xfrm>
-          <a:prstGeom prst="straightConnector1">
-            <a:avLst/>
-          </a:prstGeom>
-          <a:ln w="57150">
-            <a:solidFill>
-              <a:schemeClr val="accent6"/>
-            </a:solidFill>
-            <a:prstDash val="solid"/>
-            <a:tailEnd type="triangle"/>
-          </a:ln>
-        </p:spPr>
-        <p:style>
-          <a:lnRef idx="1">
-            <a:schemeClr val="accent1"/>
-          </a:lnRef>
-          <a:fillRef idx="0">
-            <a:schemeClr val="accent1"/>
-          </a:fillRef>
-          <a:effectRef idx="0">
-            <a:schemeClr val="accent1"/>
-          </a:effectRef>
-          <a:fontRef idx="minor">
-            <a:schemeClr val="tx1"/>
-          </a:fontRef>
-        </p:style>
-      </p:cxnSp>
-      <p:sp>
-        <p:nvSpPr>
-          <p:cNvPr id="25" name="Textfeld 24">
-            <a:extLst>
-              <a:ext uri="{FF2B5EF4-FFF2-40B4-BE49-F238E27FC236}">
-                <a16:creationId xmlns:a16="http://schemas.microsoft.com/office/drawing/2014/main" id="{D58DC910-A9FC-B189-2762-047147E37990}"/>
-              </a:ext>
-            </a:extLst>
-          </p:cNvPr>
-          <p:cNvSpPr txBox="1"/>
-          <p:nvPr/>
-        </p:nvSpPr>
-        <p:spPr>
-          <a:xfrm flipV="1">
-            <a:off x="7166882" y="3634466"/>
-            <a:ext cx="812799" cy="707886"/>
-          </a:xfrm>
-          <a:prstGeom prst="rect">
-            <a:avLst/>
-          </a:prstGeom>
-          <a:noFill/>
-        </p:spPr>
-        <p:txBody>
-          <a:bodyPr wrap="square" rtlCol="0">
-            <a:spAutoFit/>
-          </a:bodyPr>
-          <a:lstStyle/>
-          <a:p>
-            <a:r>
-              <a:rPr lang="de-DE" sz="4000" dirty="0">
+          </p:grpSpPr>
+          <p:cxnSp>
+            <p:nvCxnSpPr>
+              <p:cNvPr id="4" name="Gerade Verbindung mit Pfeil 3">
+                <a:extLst>
+                  <a:ext uri="{FF2B5EF4-FFF2-40B4-BE49-F238E27FC236}">
+                    <a16:creationId xmlns:a16="http://schemas.microsoft.com/office/drawing/2014/main" id="{4FCCADA4-50EF-9FFC-D076-570DA45EE342}"/>
+                  </a:ext>
+                </a:extLst>
+              </p:cNvPr>
+              <p:cNvCxnSpPr>
+                <a:cxnSpLocks/>
+              </p:cNvCxnSpPr>
+              <p:nvPr/>
+            </p:nvCxnSpPr>
+            <p:spPr>
+              <a:xfrm>
+                <a:off x="2446867" y="3606800"/>
+                <a:ext cx="4910667" cy="0"/>
+              </a:xfrm>
+              <a:prstGeom prst="straightConnector1">
+                <a:avLst/>
+              </a:prstGeom>
+              <a:ln w="76200">
+                <a:solidFill>
+                  <a:schemeClr val="tx2"/>
+                </a:solidFill>
+                <a:tailEnd type="triangle"/>
+              </a:ln>
+            </p:spPr>
+            <p:style>
+              <a:lnRef idx="1">
+                <a:schemeClr val="accent1"/>
+              </a:lnRef>
+              <a:fillRef idx="0">
+                <a:schemeClr val="accent1"/>
+              </a:fillRef>
+              <a:effectRef idx="0">
+                <a:schemeClr val="accent1"/>
+              </a:effectRef>
+              <a:fontRef idx="minor">
+                <a:schemeClr val="tx1"/>
+              </a:fontRef>
+            </p:style>
+          </p:cxnSp>
+          <p:cxnSp>
+            <p:nvCxnSpPr>
+              <p:cNvPr id="5" name="Gerade Verbindung mit Pfeil 4">
+                <a:extLst>
+                  <a:ext uri="{FF2B5EF4-FFF2-40B4-BE49-F238E27FC236}">
+                    <a16:creationId xmlns:a16="http://schemas.microsoft.com/office/drawing/2014/main" id="{80845572-71B9-9D72-00B5-26F5059AE78E}"/>
+                  </a:ext>
+                </a:extLst>
+              </p:cNvPr>
+              <p:cNvCxnSpPr>
+                <a:cxnSpLocks/>
+              </p:cNvCxnSpPr>
+              <p:nvPr/>
+            </p:nvCxnSpPr>
+            <p:spPr>
+              <a:xfrm flipV="1">
+                <a:off x="2475069" y="2667573"/>
+                <a:ext cx="0" cy="907524"/>
+              </a:xfrm>
+              <a:prstGeom prst="straightConnector1">
+                <a:avLst/>
+              </a:prstGeom>
+              <a:ln w="57150">
                 <a:solidFill>
                   <a:schemeClr val="accent6"/>
                 </a:solidFill>
-              </a:rPr>
-              <a:t>. . .</a:t>
-            </a:r>
-          </a:p>
-        </p:txBody>
-      </p:sp>
-      <p:cxnSp>
-        <p:nvCxnSpPr>
-          <p:cNvPr id="26" name="Gerade Verbindung mit Pfeil 25">
-            <a:extLst>
-              <a:ext uri="{FF2B5EF4-FFF2-40B4-BE49-F238E27FC236}">
-                <a16:creationId xmlns:a16="http://schemas.microsoft.com/office/drawing/2014/main" id="{0398D4FA-2821-48DF-91FC-D55F0910E953}"/>
-              </a:ext>
-            </a:extLst>
-          </p:cNvPr>
-          <p:cNvCxnSpPr>
-            <a:cxnSpLocks/>
-          </p:cNvCxnSpPr>
-          <p:nvPr/>
-        </p:nvCxnSpPr>
-        <p:spPr>
-          <a:xfrm flipV="1">
-            <a:off x="8135600" y="3672292"/>
-            <a:ext cx="0" cy="363239"/>
-          </a:xfrm>
-          <a:prstGeom prst="straightConnector1">
-            <a:avLst/>
-          </a:prstGeom>
-          <a:ln w="57150">
-            <a:solidFill>
-              <a:schemeClr val="accent6"/>
-            </a:solidFill>
-            <a:prstDash val="solid"/>
-            <a:tailEnd type="triangle"/>
-          </a:ln>
-        </p:spPr>
-        <p:style>
-          <a:lnRef idx="1">
-            <a:schemeClr val="accent1"/>
-          </a:lnRef>
-          <a:fillRef idx="0">
-            <a:schemeClr val="accent1"/>
-          </a:fillRef>
-          <a:effectRef idx="0">
-            <a:schemeClr val="accent1"/>
-          </a:effectRef>
-          <a:fontRef idx="minor">
-            <a:schemeClr val="tx1"/>
-          </a:fontRef>
-        </p:style>
-      </p:cxnSp>
-      <mc:AlternateContent xmlns:mc="http://schemas.openxmlformats.org/markup-compatibility/2006" xmlns:a14="http://schemas.microsoft.com/office/drawing/2010/main">
-        <mc:Choice Requires="a14">
+                <a:tailEnd type="triangle"/>
+              </a:ln>
+            </p:spPr>
+            <p:style>
+              <a:lnRef idx="1">
+                <a:schemeClr val="accent1"/>
+              </a:lnRef>
+              <a:fillRef idx="0">
+                <a:schemeClr val="accent1"/>
+              </a:fillRef>
+              <a:effectRef idx="0">
+                <a:schemeClr val="accent1"/>
+              </a:effectRef>
+              <a:fontRef idx="minor">
+                <a:schemeClr val="tx1"/>
+              </a:fontRef>
+            </p:style>
+          </p:cxnSp>
+          <mc:AlternateContent xmlns:mc="http://schemas.openxmlformats.org/markup-compatibility/2006" xmlns:a14="http://schemas.microsoft.com/office/drawing/2010/main">
+            <mc:Choice Requires="a14">
+              <p:sp>
+                <p:nvSpPr>
+                  <p:cNvPr id="6" name="Textfeld 5">
+                    <a:extLst>
+                      <a:ext uri="{FF2B5EF4-FFF2-40B4-BE49-F238E27FC236}">
+                        <a16:creationId xmlns:a16="http://schemas.microsoft.com/office/drawing/2014/main" id="{CDCFFD71-0B5F-6CC5-8332-C19AFD83087C}"/>
+                      </a:ext>
+                    </a:extLst>
+                  </p:cNvPr>
+                  <p:cNvSpPr txBox="1"/>
+                  <p:nvPr/>
+                </p:nvSpPr>
+                <p:spPr>
+                  <a:xfrm>
+                    <a:off x="2019198" y="2950841"/>
+                    <a:ext cx="343757" cy="461665"/>
+                  </a:xfrm>
+                  <a:prstGeom prst="rect">
+                    <a:avLst/>
+                  </a:prstGeom>
+                  <a:noFill/>
+                </p:spPr>
+                <p:txBody>
+                  <a:bodyPr wrap="square" rtlCol="0">
+                    <a:spAutoFit/>
+                  </a:bodyPr>
+                  <a:lstStyle/>
+                  <a:p>
+                    <a:pPr/>
+                    <a14:m>
+                      <m:oMathPara xmlns:m="http://schemas.openxmlformats.org/officeDocument/2006/math">
+                        <m:oMathParaPr>
+                          <m:jc m:val="centerGroup"/>
+                        </m:oMathParaPr>
+                        <m:oMath xmlns:m="http://schemas.openxmlformats.org/officeDocument/2006/math">
+                          <m:r>
+                            <a:rPr lang="de-DE" sz="2400" b="1" i="1" smtClean="0">
+                              <a:solidFill>
+                                <a:schemeClr val="accent6"/>
+                              </a:solidFill>
+                              <a:latin typeface="Cambria Math" panose="02040503050406030204" pitchFamily="18" charset="0"/>
+                            </a:rPr>
+                            <m:t>𝑵</m:t>
+                          </m:r>
+                        </m:oMath>
+                      </m:oMathPara>
+                    </a14:m>
+                    <a:endParaRPr lang="de-DE" sz="2400" b="1" dirty="0">
+                      <a:solidFill>
+                        <a:schemeClr val="accent6"/>
+                      </a:solidFill>
+                    </a:endParaRPr>
+                  </a:p>
+                </p:txBody>
+              </p:sp>
+            </mc:Choice>
+            <mc:Fallback xmlns="">
+              <p:sp>
+                <p:nvSpPr>
+                  <p:cNvPr id="6" name="Textfeld 5">
+                    <a:extLst>
+                      <a:ext uri="{FF2B5EF4-FFF2-40B4-BE49-F238E27FC236}">
+                        <a16:creationId xmlns:a16="http://schemas.microsoft.com/office/drawing/2014/main" id="{CDCFFD71-0B5F-6CC5-8332-C19AFD83087C}"/>
+                      </a:ext>
+                    </a:extLst>
+                  </p:cNvPr>
+                  <p:cNvSpPr txBox="1">
+                    <a:spLocks noRot="1" noChangeAspect="1" noMove="1" noResize="1" noEditPoints="1" noAdjustHandles="1" noChangeArrowheads="1" noChangeShapeType="1" noTextEdit="1"/>
+                  </p:cNvSpPr>
+                  <p:nvPr/>
+                </p:nvSpPr>
+                <p:spPr>
+                  <a:xfrm>
+                    <a:off x="2019198" y="2950841"/>
+                    <a:ext cx="343757" cy="461665"/>
+                  </a:xfrm>
+                  <a:prstGeom prst="rect">
+                    <a:avLst/>
+                  </a:prstGeom>
+                  <a:blipFill>
+                    <a:blip r:embed="rId2"/>
+                    <a:stretch>
+                      <a:fillRect l="-3509" r="-24561"/>
+                    </a:stretch>
+                  </a:blipFill>
+                </p:spPr>
+                <p:txBody>
+                  <a:bodyPr/>
+                  <a:lstStyle/>
+                  <a:p>
+                    <a:r>
+                      <a:rPr lang="de-DE">
+                        <a:noFill/>
+                      </a:rPr>
+                      <a:t> </a:t>
+                    </a:r>
+                  </a:p>
+                </p:txBody>
+              </p:sp>
+            </mc:Fallback>
+          </mc:AlternateContent>
+          <p:cxnSp>
+            <p:nvCxnSpPr>
+              <p:cNvPr id="7" name="Gerade Verbindung mit Pfeil 6">
+                <a:extLst>
+                  <a:ext uri="{FF2B5EF4-FFF2-40B4-BE49-F238E27FC236}">
+                    <a16:creationId xmlns:a16="http://schemas.microsoft.com/office/drawing/2014/main" id="{B2E50B2D-419E-D23C-EE6A-21A790291099}"/>
+                  </a:ext>
+                </a:extLst>
+              </p:cNvPr>
+              <p:cNvCxnSpPr>
+                <a:cxnSpLocks/>
+              </p:cNvCxnSpPr>
+              <p:nvPr/>
+            </p:nvCxnSpPr>
+            <p:spPr>
+              <a:xfrm>
+                <a:off x="3136233" y="3651871"/>
+                <a:ext cx="0" cy="363239"/>
+              </a:xfrm>
+              <a:prstGeom prst="straightConnector1">
+                <a:avLst/>
+              </a:prstGeom>
+              <a:ln w="57150">
+                <a:solidFill>
+                  <a:schemeClr val="accent2">
+                    <a:lumMod val="75000"/>
+                  </a:schemeClr>
+                </a:solidFill>
+                <a:tailEnd type="triangle"/>
+              </a:ln>
+            </p:spPr>
+            <p:style>
+              <a:lnRef idx="1">
+                <a:schemeClr val="accent1"/>
+              </a:lnRef>
+              <a:fillRef idx="0">
+                <a:schemeClr val="accent1"/>
+              </a:fillRef>
+              <a:effectRef idx="0">
+                <a:schemeClr val="accent1"/>
+              </a:effectRef>
+              <a:fontRef idx="minor">
+                <a:schemeClr val="tx1"/>
+              </a:fontRef>
+            </p:style>
+          </p:cxnSp>
+          <p:cxnSp>
+            <p:nvCxnSpPr>
+              <p:cNvPr id="8" name="Gerade Verbindung mit Pfeil 7">
+                <a:extLst>
+                  <a:ext uri="{FF2B5EF4-FFF2-40B4-BE49-F238E27FC236}">
+                    <a16:creationId xmlns:a16="http://schemas.microsoft.com/office/drawing/2014/main" id="{0AB2CC81-0A63-BD29-BFAC-14A0A3613422}"/>
+                  </a:ext>
+                </a:extLst>
+              </p:cNvPr>
+              <p:cNvCxnSpPr>
+                <a:cxnSpLocks/>
+              </p:cNvCxnSpPr>
+              <p:nvPr/>
+            </p:nvCxnSpPr>
+            <p:spPr>
+              <a:xfrm>
+                <a:off x="3598017" y="3651871"/>
+                <a:ext cx="0" cy="363239"/>
+              </a:xfrm>
+              <a:prstGeom prst="straightConnector1">
+                <a:avLst/>
+              </a:prstGeom>
+              <a:ln w="57150">
+                <a:solidFill>
+                  <a:schemeClr val="accent2">
+                    <a:lumMod val="75000"/>
+                  </a:schemeClr>
+                </a:solidFill>
+                <a:tailEnd type="triangle"/>
+              </a:ln>
+            </p:spPr>
+            <p:style>
+              <a:lnRef idx="1">
+                <a:schemeClr val="accent1"/>
+              </a:lnRef>
+              <a:fillRef idx="0">
+                <a:schemeClr val="accent1"/>
+              </a:fillRef>
+              <a:effectRef idx="0">
+                <a:schemeClr val="accent1"/>
+              </a:effectRef>
+              <a:fontRef idx="minor">
+                <a:schemeClr val="tx1"/>
+              </a:fontRef>
+            </p:style>
+          </p:cxnSp>
+          <p:cxnSp>
+            <p:nvCxnSpPr>
+              <p:cNvPr id="10" name="Gerade Verbindung mit Pfeil 9">
+                <a:extLst>
+                  <a:ext uri="{FF2B5EF4-FFF2-40B4-BE49-F238E27FC236}">
+                    <a16:creationId xmlns:a16="http://schemas.microsoft.com/office/drawing/2014/main" id="{4574B84B-4FA3-AF3F-06F5-EBEFF6A6B6BF}"/>
+                  </a:ext>
+                </a:extLst>
+              </p:cNvPr>
+              <p:cNvCxnSpPr>
+                <a:cxnSpLocks/>
+              </p:cNvCxnSpPr>
+              <p:nvPr/>
+            </p:nvCxnSpPr>
+            <p:spPr>
+              <a:xfrm>
+                <a:off x="5439600" y="3650400"/>
+                <a:ext cx="0" cy="363239"/>
+              </a:xfrm>
+              <a:prstGeom prst="straightConnector1">
+                <a:avLst/>
+              </a:prstGeom>
+              <a:ln w="57150">
+                <a:solidFill>
+                  <a:schemeClr val="accent2">
+                    <a:lumMod val="75000"/>
+                  </a:schemeClr>
+                </a:solidFill>
+                <a:prstDash val="solid"/>
+                <a:tailEnd type="triangle"/>
+              </a:ln>
+            </p:spPr>
+            <p:style>
+              <a:lnRef idx="1">
+                <a:schemeClr val="accent1"/>
+              </a:lnRef>
+              <a:fillRef idx="0">
+                <a:schemeClr val="accent1"/>
+              </a:fillRef>
+              <a:effectRef idx="0">
+                <a:schemeClr val="accent1"/>
+              </a:effectRef>
+              <a:fontRef idx="minor">
+                <a:schemeClr val="tx1"/>
+              </a:fontRef>
+            </p:style>
+          </p:cxnSp>
           <p:sp>
             <p:nvSpPr>
-              <p:cNvPr id="27" name="Textfeld 26">
+              <p:cNvPr id="11" name="Textfeld 10">
                 <a:extLst>
                   <a:ext uri="{FF2B5EF4-FFF2-40B4-BE49-F238E27FC236}">
-                    <a16:creationId xmlns:a16="http://schemas.microsoft.com/office/drawing/2014/main" id="{C80751B9-E3B3-CF05-F4F8-A074FA701855}"/>
+                    <a16:creationId xmlns:a16="http://schemas.microsoft.com/office/drawing/2014/main" id="{A52BFABC-D5BF-829D-169C-BCC0946CAB3C}"/>
                   </a:ext>
                 </a:extLst>
               </p:cNvPr>
@@ -8412,8 +7593,8 @@
             </p:nvSpPr>
             <p:spPr>
               <a:xfrm>
-                <a:off x="6177900" y="5205200"/>
-                <a:ext cx="605478" cy="470835"/>
+                <a:off x="4166852" y="3355091"/>
+                <a:ext cx="812799" cy="707886"/>
               </a:xfrm>
               <a:prstGeom prst="rect">
                 <a:avLst/>
@@ -8426,108 +7607,480 @@
               </a:bodyPr>
               <a:lstStyle/>
               <a:p>
-                <a:pPr/>
-                <a14:m>
-                  <m:oMathPara xmlns:m="http://schemas.openxmlformats.org/officeDocument/2006/math">
-                    <m:oMathParaPr>
-                      <m:jc m:val="centerGroup"/>
-                    </m:oMathParaPr>
-                    <m:oMath xmlns:m="http://schemas.openxmlformats.org/officeDocument/2006/math">
-                      <m:acc>
-                        <m:accPr>
-                          <m:chr m:val="̃"/>
-                          <m:ctrlPr>
-                            <a:rPr lang="de-DE" sz="2400" b="1" i="1" smtClean="0">
-                              <a:solidFill>
-                                <a:schemeClr val="accent2">
-                                  <a:lumMod val="75000"/>
-                                </a:schemeClr>
-                              </a:solidFill>
-                              <a:latin typeface="Cambria Math" panose="02040503050406030204" pitchFamily="18" charset="0"/>
-                            </a:rPr>
-                          </m:ctrlPr>
-                        </m:accPr>
-                        <m:e>
-                          <m:r>
-                            <a:rPr lang="de-DE" sz="2400" b="1" i="1" smtClean="0">
-                              <a:solidFill>
-                                <a:schemeClr val="accent2">
-                                  <a:lumMod val="75000"/>
-                                </a:schemeClr>
-                              </a:solidFill>
-                              <a:latin typeface="Cambria Math" panose="02040503050406030204" pitchFamily="18" charset="0"/>
-                            </a:rPr>
-                            <m:t>𝑹</m:t>
-                          </m:r>
-                        </m:e>
-                      </m:acc>
-                    </m:oMath>
-                  </m:oMathPara>
-                </a14:m>
-                <a:endParaRPr lang="de-DE" sz="2400" b="1" dirty="0">
-                  <a:solidFill>
-                    <a:schemeClr val="accent2">
-                      <a:lumMod val="75000"/>
-                    </a:schemeClr>
-                  </a:solidFill>
-                </a:endParaRPr>
-              </a:p>
-            </p:txBody>
-          </p:sp>
-        </mc:Choice>
-        <mc:Fallback xmlns="">
-          <p:sp>
-            <p:nvSpPr>
-              <p:cNvPr id="27" name="Textfeld 26">
-                <a:extLst>
-                  <a:ext uri="{FF2B5EF4-FFF2-40B4-BE49-F238E27FC236}">
-                    <a16:creationId xmlns:a16="http://schemas.microsoft.com/office/drawing/2014/main" id="{C80751B9-E3B3-CF05-F4F8-A074FA701855}"/>
-                  </a:ext>
-                </a:extLst>
-              </p:cNvPr>
-              <p:cNvSpPr txBox="1">
-                <a:spLocks noRot="1" noChangeAspect="1" noMove="1" noResize="1" noEditPoints="1" noAdjustHandles="1" noChangeArrowheads="1" noChangeShapeType="1" noTextEdit="1"/>
-              </p:cNvSpPr>
-              <p:nvPr/>
-            </p:nvSpPr>
-            <p:spPr>
-              <a:xfrm>
-                <a:off x="6177900" y="5205200"/>
-                <a:ext cx="605478" cy="470835"/>
-              </a:xfrm>
-              <a:prstGeom prst="rect">
-                <a:avLst/>
-              </a:prstGeom>
-              <a:blipFill>
-                <a:blip r:embed="rId8"/>
-                <a:stretch>
-                  <a:fillRect t="-6494" r="-19000"/>
-                </a:stretch>
-              </a:blipFill>
-            </p:spPr>
-            <p:txBody>
-              <a:bodyPr/>
-              <a:lstStyle/>
-              <a:p>
                 <a:r>
-                  <a:rPr lang="de-DE">
-                    <a:noFill/>
+                  <a:rPr lang="de-DE" sz="4000" dirty="0">
+                    <a:solidFill>
+                      <a:schemeClr val="accent2">
+                        <a:lumMod val="75000"/>
+                      </a:schemeClr>
+                    </a:solidFill>
                   </a:rPr>
-                  <a:t> </a:t>
+                  <a:t>. . .</a:t>
                 </a:r>
               </a:p>
             </p:txBody>
           </p:sp>
-        </mc:Fallback>
-      </mc:AlternateContent>
-      <mc:AlternateContent xmlns:mc="http://schemas.openxmlformats.org/markup-compatibility/2006" xmlns:a14="http://schemas.microsoft.com/office/drawing/2010/main">
-        <mc:Choice Requires="a14">
+          <mc:AlternateContent xmlns:mc="http://schemas.openxmlformats.org/markup-compatibility/2006" xmlns:a14="http://schemas.microsoft.com/office/drawing/2010/main">
+            <mc:Choice Requires="a14">
+              <p:sp>
+                <p:nvSpPr>
+                  <p:cNvPr id="12" name="Textfeld 11">
+                    <a:extLst>
+                      <a:ext uri="{FF2B5EF4-FFF2-40B4-BE49-F238E27FC236}">
+                        <a16:creationId xmlns:a16="http://schemas.microsoft.com/office/drawing/2014/main" id="{54AEAAD9-753E-FE25-C279-DEC490CECAD8}"/>
+                      </a:ext>
+                    </a:extLst>
+                  </p:cNvPr>
+                  <p:cNvSpPr txBox="1"/>
+                  <p:nvPr/>
+                </p:nvSpPr>
+                <p:spPr>
+                  <a:xfrm>
+                    <a:off x="2959104" y="3943867"/>
+                    <a:ext cx="550017" cy="453137"/>
+                  </a:xfrm>
+                  <a:prstGeom prst="rect">
+                    <a:avLst/>
+                  </a:prstGeom>
+                  <a:noFill/>
+                </p:spPr>
+                <p:txBody>
+                  <a:bodyPr wrap="square" rtlCol="0">
+                    <a:spAutoFit/>
+                  </a:bodyPr>
+                  <a:lstStyle/>
+                  <a:p>
+                    <a:pPr/>
+                    <a14:m>
+                      <m:oMathPara xmlns:m="http://schemas.openxmlformats.org/officeDocument/2006/math">
+                        <m:oMathParaPr>
+                          <m:jc m:val="centerGroup"/>
+                        </m:oMathParaPr>
+                        <m:oMath xmlns:m="http://schemas.openxmlformats.org/officeDocument/2006/math">
+                          <m:sSub>
+                            <m:sSubPr>
+                              <m:ctrlPr>
+                                <a:rPr lang="de-DE" sz="2400" b="1" i="1" dirty="0" smtClean="0">
+                                  <a:solidFill>
+                                    <a:schemeClr val="accent2">
+                                      <a:lumMod val="75000"/>
+                                    </a:schemeClr>
+                                  </a:solidFill>
+                                  <a:latin typeface="Cambria Math" panose="02040503050406030204" pitchFamily="18" charset="0"/>
+                                </a:rPr>
+                              </m:ctrlPr>
+                            </m:sSubPr>
+                            <m:e>
+                              <m:r>
+                                <a:rPr lang="de-DE" sz="2400" b="1" i="1" dirty="0" smtClean="0">
+                                  <a:solidFill>
+                                    <a:schemeClr val="accent2">
+                                      <a:lumMod val="75000"/>
+                                    </a:schemeClr>
+                                  </a:solidFill>
+                                  <a:latin typeface="Cambria Math" panose="02040503050406030204" pitchFamily="18" charset="0"/>
+                                </a:rPr>
+                                <m:t>𝒄</m:t>
+                              </m:r>
+                            </m:e>
+                            <m:sub>
+                              <m:r>
+                                <a:rPr lang="de-DE" sz="2400" b="1" i="1" dirty="0" smtClean="0">
+                                  <a:solidFill>
+                                    <a:schemeClr val="accent2">
+                                      <a:lumMod val="75000"/>
+                                    </a:schemeClr>
+                                  </a:solidFill>
+                                  <a:latin typeface="Cambria Math" panose="02040503050406030204" pitchFamily="18" charset="0"/>
+                                </a:rPr>
+                                <m:t>𝟏</m:t>
+                              </m:r>
+                            </m:sub>
+                          </m:sSub>
+                        </m:oMath>
+                      </m:oMathPara>
+                    </a14:m>
+                    <a:endParaRPr lang="de-DE" sz="2400" b="1" baseline="-25000" dirty="0">
+                      <a:solidFill>
+                        <a:schemeClr val="accent2">
+                          <a:lumMod val="75000"/>
+                        </a:schemeClr>
+                      </a:solidFill>
+                    </a:endParaRPr>
+                  </a:p>
+                </p:txBody>
+              </p:sp>
+            </mc:Choice>
+            <mc:Fallback xmlns="">
+              <p:sp>
+                <p:nvSpPr>
+                  <p:cNvPr id="12" name="Textfeld 11">
+                    <a:extLst>
+                      <a:ext uri="{FF2B5EF4-FFF2-40B4-BE49-F238E27FC236}">
+                        <a16:creationId xmlns:a16="http://schemas.microsoft.com/office/drawing/2014/main" id="{54AEAAD9-753E-FE25-C279-DEC490CECAD8}"/>
+                      </a:ext>
+                    </a:extLst>
+                  </p:cNvPr>
+                  <p:cNvSpPr txBox="1">
+                    <a:spLocks noRot="1" noChangeAspect="1" noMove="1" noResize="1" noEditPoints="1" noAdjustHandles="1" noChangeArrowheads="1" noChangeShapeType="1" noTextEdit="1"/>
+                  </p:cNvSpPr>
+                  <p:nvPr/>
+                </p:nvSpPr>
+                <p:spPr>
+                  <a:xfrm>
+                    <a:off x="2959104" y="3943867"/>
+                    <a:ext cx="550017" cy="453137"/>
+                  </a:xfrm>
+                  <a:prstGeom prst="rect">
+                    <a:avLst/>
+                  </a:prstGeom>
+                  <a:blipFill>
+                    <a:blip r:embed="rId3"/>
+                    <a:stretch>
+                      <a:fillRect b="-6757"/>
+                    </a:stretch>
+                  </a:blipFill>
+                </p:spPr>
+                <p:txBody>
+                  <a:bodyPr/>
+                  <a:lstStyle/>
+                  <a:p>
+                    <a:r>
+                      <a:rPr lang="de-DE">
+                        <a:noFill/>
+                      </a:rPr>
+                      <a:t> </a:t>
+                    </a:r>
+                  </a:p>
+                </p:txBody>
+              </p:sp>
+            </mc:Fallback>
+          </mc:AlternateContent>
+          <mc:AlternateContent xmlns:mc="http://schemas.openxmlformats.org/markup-compatibility/2006" xmlns:a14="http://schemas.microsoft.com/office/drawing/2010/main">
+            <mc:Choice Requires="a14">
+              <p:sp>
+                <p:nvSpPr>
+                  <p:cNvPr id="13" name="Textfeld 12">
+                    <a:extLst>
+                      <a:ext uri="{FF2B5EF4-FFF2-40B4-BE49-F238E27FC236}">
+                        <a16:creationId xmlns:a16="http://schemas.microsoft.com/office/drawing/2014/main" id="{82C65BC0-254E-4BFB-A899-A6EDD30C45CE}"/>
+                      </a:ext>
+                    </a:extLst>
+                  </p:cNvPr>
+                  <p:cNvSpPr txBox="1"/>
+                  <p:nvPr/>
+                </p:nvSpPr>
+                <p:spPr>
+                  <a:xfrm>
+                    <a:off x="3462082" y="3943867"/>
+                    <a:ext cx="550017" cy="453137"/>
+                  </a:xfrm>
+                  <a:prstGeom prst="rect">
+                    <a:avLst/>
+                  </a:prstGeom>
+                  <a:noFill/>
+                </p:spPr>
+                <p:txBody>
+                  <a:bodyPr wrap="square" rtlCol="0">
+                    <a:spAutoFit/>
+                  </a:bodyPr>
+                  <a:lstStyle/>
+                  <a:p>
+                    <a:pPr/>
+                    <a14:m>
+                      <m:oMathPara xmlns:m="http://schemas.openxmlformats.org/officeDocument/2006/math">
+                        <m:oMathParaPr>
+                          <m:jc m:val="centerGroup"/>
+                        </m:oMathParaPr>
+                        <m:oMath xmlns:m="http://schemas.openxmlformats.org/officeDocument/2006/math">
+                          <m:sSub>
+                            <m:sSubPr>
+                              <m:ctrlPr>
+                                <a:rPr lang="de-DE" sz="2400" b="1" i="1" dirty="0" smtClean="0">
+                                  <a:solidFill>
+                                    <a:schemeClr val="accent2">
+                                      <a:lumMod val="75000"/>
+                                    </a:schemeClr>
+                                  </a:solidFill>
+                                  <a:latin typeface="Cambria Math" panose="02040503050406030204" pitchFamily="18" charset="0"/>
+                                </a:rPr>
+                              </m:ctrlPr>
+                            </m:sSubPr>
+                            <m:e>
+                              <m:r>
+                                <a:rPr lang="de-DE" sz="2400" b="1" i="1" dirty="0" smtClean="0">
+                                  <a:solidFill>
+                                    <a:schemeClr val="accent2">
+                                      <a:lumMod val="75000"/>
+                                    </a:schemeClr>
+                                  </a:solidFill>
+                                  <a:latin typeface="Cambria Math" panose="02040503050406030204" pitchFamily="18" charset="0"/>
+                                </a:rPr>
+                                <m:t>𝒄</m:t>
+                              </m:r>
+                            </m:e>
+                            <m:sub>
+                              <m:r>
+                                <a:rPr lang="de-DE" sz="2400" b="1" i="1" dirty="0" smtClean="0">
+                                  <a:solidFill>
+                                    <a:schemeClr val="accent2">
+                                      <a:lumMod val="75000"/>
+                                    </a:schemeClr>
+                                  </a:solidFill>
+                                  <a:latin typeface="Cambria Math" panose="02040503050406030204" pitchFamily="18" charset="0"/>
+                                </a:rPr>
+                                <m:t>𝟐</m:t>
+                              </m:r>
+                            </m:sub>
+                          </m:sSub>
+                        </m:oMath>
+                      </m:oMathPara>
+                    </a14:m>
+                    <a:endParaRPr lang="de-DE" sz="2400" b="1" baseline="-25000" dirty="0">
+                      <a:solidFill>
+                        <a:schemeClr val="accent2">
+                          <a:lumMod val="75000"/>
+                        </a:schemeClr>
+                      </a:solidFill>
+                    </a:endParaRPr>
+                  </a:p>
+                </p:txBody>
+              </p:sp>
+            </mc:Choice>
+            <mc:Fallback xmlns="">
+              <p:sp>
+                <p:nvSpPr>
+                  <p:cNvPr id="13" name="Textfeld 12">
+                    <a:extLst>
+                      <a:ext uri="{FF2B5EF4-FFF2-40B4-BE49-F238E27FC236}">
+                        <a16:creationId xmlns:a16="http://schemas.microsoft.com/office/drawing/2014/main" id="{82C65BC0-254E-4BFB-A899-A6EDD30C45CE}"/>
+                      </a:ext>
+                    </a:extLst>
+                  </p:cNvPr>
+                  <p:cNvSpPr txBox="1">
+                    <a:spLocks noRot="1" noChangeAspect="1" noMove="1" noResize="1" noEditPoints="1" noAdjustHandles="1" noChangeArrowheads="1" noChangeShapeType="1" noTextEdit="1"/>
+                  </p:cNvSpPr>
+                  <p:nvPr/>
+                </p:nvSpPr>
+                <p:spPr>
+                  <a:xfrm>
+                    <a:off x="3462082" y="3943867"/>
+                    <a:ext cx="550017" cy="453137"/>
+                  </a:xfrm>
+                  <a:prstGeom prst="rect">
+                    <a:avLst/>
+                  </a:prstGeom>
+                  <a:blipFill>
+                    <a:blip r:embed="rId4"/>
+                    <a:stretch>
+                      <a:fillRect b="-6757"/>
+                    </a:stretch>
+                  </a:blipFill>
+                </p:spPr>
+                <p:txBody>
+                  <a:bodyPr/>
+                  <a:lstStyle/>
+                  <a:p>
+                    <a:r>
+                      <a:rPr lang="de-DE">
+                        <a:noFill/>
+                      </a:rPr>
+                      <a:t> </a:t>
+                    </a:r>
+                  </a:p>
+                </p:txBody>
+              </p:sp>
+            </mc:Fallback>
+          </mc:AlternateContent>
+          <mc:AlternateContent xmlns:mc="http://schemas.openxmlformats.org/markup-compatibility/2006" xmlns:a14="http://schemas.microsoft.com/office/drawing/2010/main">
+            <mc:Choice Requires="a14">
+              <p:sp>
+                <p:nvSpPr>
+                  <p:cNvPr id="14" name="Textfeld 13">
+                    <a:extLst>
+                      <a:ext uri="{FF2B5EF4-FFF2-40B4-BE49-F238E27FC236}">
+                        <a16:creationId xmlns:a16="http://schemas.microsoft.com/office/drawing/2014/main" id="{9EBF2682-B5D9-5DF7-3D57-BB326DB0B5C6}"/>
+                      </a:ext>
+                    </a:extLst>
+                  </p:cNvPr>
+                  <p:cNvSpPr txBox="1"/>
+                  <p:nvPr/>
+                </p:nvSpPr>
+                <p:spPr>
+                  <a:xfrm>
+                    <a:off x="5101743" y="3979219"/>
+                    <a:ext cx="690349" cy="453137"/>
+                  </a:xfrm>
+                  <a:prstGeom prst="rect">
+                    <a:avLst/>
+                  </a:prstGeom>
+                  <a:noFill/>
+                </p:spPr>
+                <p:txBody>
+                  <a:bodyPr wrap="square" rtlCol="0">
+                    <a:spAutoFit/>
+                  </a:bodyPr>
+                  <a:lstStyle/>
+                  <a:p>
+                    <a:pPr/>
+                    <a14:m>
+                      <m:oMathPara xmlns:m="http://schemas.openxmlformats.org/officeDocument/2006/math">
+                        <m:oMathParaPr>
+                          <m:jc m:val="centerGroup"/>
+                        </m:oMathParaPr>
+                        <m:oMath xmlns:m="http://schemas.openxmlformats.org/officeDocument/2006/math">
+                          <m:sSub>
+                            <m:sSubPr>
+                              <m:ctrlPr>
+                                <a:rPr lang="de-DE" sz="2400" b="1" i="1" dirty="0" smtClean="0">
+                                  <a:solidFill>
+                                    <a:schemeClr val="accent2">
+                                      <a:lumMod val="75000"/>
+                                    </a:schemeClr>
+                                  </a:solidFill>
+                                  <a:latin typeface="Cambria Math" panose="02040503050406030204" pitchFamily="18" charset="0"/>
+                                </a:rPr>
+                              </m:ctrlPr>
+                            </m:sSubPr>
+                            <m:e>
+                              <m:r>
+                                <a:rPr lang="de-DE" sz="2400" b="1" i="1" dirty="0" smtClean="0">
+                                  <a:solidFill>
+                                    <a:schemeClr val="accent2">
+                                      <a:lumMod val="75000"/>
+                                    </a:schemeClr>
+                                  </a:solidFill>
+                                  <a:latin typeface="Cambria Math" panose="02040503050406030204" pitchFamily="18" charset="0"/>
+                                </a:rPr>
+                                <m:t>𝒄</m:t>
+                              </m:r>
+                            </m:e>
+                            <m:sub>
+                              <m:r>
+                                <a:rPr lang="de-DE" sz="2400" b="1" i="1" dirty="0" smtClean="0">
+                                  <a:solidFill>
+                                    <a:schemeClr val="accent2">
+                                      <a:lumMod val="75000"/>
+                                    </a:schemeClr>
+                                  </a:solidFill>
+                                  <a:latin typeface="Cambria Math" panose="02040503050406030204" pitchFamily="18" charset="0"/>
+                                </a:rPr>
+                                <m:t>𝒌</m:t>
+                              </m:r>
+                            </m:sub>
+                          </m:sSub>
+                        </m:oMath>
+                      </m:oMathPara>
+                    </a14:m>
+                    <a:endParaRPr lang="de-DE" sz="2400" b="1" baseline="-25000" dirty="0">
+                      <a:solidFill>
+                        <a:schemeClr val="accent2">
+                          <a:lumMod val="75000"/>
+                        </a:schemeClr>
+                      </a:solidFill>
+                    </a:endParaRPr>
+                  </a:p>
+                </p:txBody>
+              </p:sp>
+            </mc:Choice>
+            <mc:Fallback xmlns="">
+              <p:sp>
+                <p:nvSpPr>
+                  <p:cNvPr id="14" name="Textfeld 13">
+                    <a:extLst>
+                      <a:ext uri="{FF2B5EF4-FFF2-40B4-BE49-F238E27FC236}">
+                        <a16:creationId xmlns:a16="http://schemas.microsoft.com/office/drawing/2014/main" id="{9EBF2682-B5D9-5DF7-3D57-BB326DB0B5C6}"/>
+                      </a:ext>
+                    </a:extLst>
+                  </p:cNvPr>
+                  <p:cNvSpPr txBox="1">
+                    <a:spLocks noRot="1" noChangeAspect="1" noMove="1" noResize="1" noEditPoints="1" noAdjustHandles="1" noChangeArrowheads="1" noChangeShapeType="1" noTextEdit="1"/>
+                  </p:cNvSpPr>
+                  <p:nvPr/>
+                </p:nvSpPr>
+                <p:spPr>
+                  <a:xfrm>
+                    <a:off x="5101743" y="3979219"/>
+                    <a:ext cx="690349" cy="453137"/>
+                  </a:xfrm>
+                  <a:prstGeom prst="rect">
+                    <a:avLst/>
+                  </a:prstGeom>
+                  <a:blipFill>
+                    <a:blip r:embed="rId5"/>
+                    <a:stretch>
+                      <a:fillRect b="-6757"/>
+                    </a:stretch>
+                  </a:blipFill>
+                </p:spPr>
+                <p:txBody>
+                  <a:bodyPr/>
+                  <a:lstStyle/>
+                  <a:p>
+                    <a:r>
+                      <a:rPr lang="de-DE">
+                        <a:noFill/>
+                      </a:rPr>
+                      <a:t> </a:t>
+                    </a:r>
+                  </a:p>
+                </p:txBody>
+              </p:sp>
+            </mc:Fallback>
+          </mc:AlternateContent>
+          <p:cxnSp>
+            <p:nvCxnSpPr>
+              <p:cNvPr id="16" name="Gerade Verbindung mit Pfeil 15">
+                <a:extLst>
+                  <a:ext uri="{FF2B5EF4-FFF2-40B4-BE49-F238E27FC236}">
+                    <a16:creationId xmlns:a16="http://schemas.microsoft.com/office/drawing/2014/main" id="{51AC60D7-B79D-8B71-F321-65F4A99BB592}"/>
+                  </a:ext>
+                </a:extLst>
+              </p:cNvPr>
+              <p:cNvCxnSpPr>
+                <a:cxnSpLocks/>
+              </p:cNvCxnSpPr>
+              <p:nvPr/>
+            </p:nvCxnSpPr>
+            <p:spPr>
+              <a:xfrm>
+                <a:off x="5900400" y="3650399"/>
+                <a:ext cx="0" cy="363239"/>
+              </a:xfrm>
+              <a:prstGeom prst="straightConnector1">
+                <a:avLst/>
+              </a:prstGeom>
+              <a:ln w="57150">
+                <a:solidFill>
+                  <a:schemeClr val="accent2">
+                    <a:lumMod val="75000"/>
+                  </a:schemeClr>
+                </a:solidFill>
+                <a:prstDash val="solid"/>
+                <a:tailEnd type="triangle"/>
+              </a:ln>
+            </p:spPr>
+            <p:style>
+              <a:lnRef idx="1">
+                <a:schemeClr val="accent1"/>
+              </a:lnRef>
+              <a:fillRef idx="0">
+                <a:schemeClr val="accent1"/>
+              </a:fillRef>
+              <a:effectRef idx="0">
+                <a:schemeClr val="accent1"/>
+              </a:effectRef>
+              <a:fontRef idx="minor">
+                <a:schemeClr val="tx1"/>
+              </a:fontRef>
+            </p:style>
+          </p:cxnSp>
           <p:sp>
             <p:nvSpPr>
-              <p:cNvPr id="30" name="Textfeld 29">
+              <p:cNvPr id="17" name="Textfeld 16">
                 <a:extLst>
                   <a:ext uri="{FF2B5EF4-FFF2-40B4-BE49-F238E27FC236}">
-                    <a16:creationId xmlns:a16="http://schemas.microsoft.com/office/drawing/2014/main" id="{2B7B7B4A-C52F-ED90-EE34-3ADC090F6927}"/>
+                    <a16:creationId xmlns:a16="http://schemas.microsoft.com/office/drawing/2014/main" id="{553A77B5-5B9D-DDB9-50D0-C9759101B914}"/>
                   </a:ext>
                 </a:extLst>
               </p:cNvPr>
@@ -8536,8 +8089,8 @@
             </p:nvSpPr>
             <p:spPr>
               <a:xfrm>
-                <a:off x="6643053" y="3172908"/>
-                <a:ext cx="764714" cy="461665"/>
+                <a:off x="6117017" y="3355091"/>
+                <a:ext cx="812799" cy="707886"/>
               </a:xfrm>
               <a:prstGeom prst="rect">
                 <a:avLst/>
@@ -8550,130 +8103,523 @@
               </a:bodyPr>
               <a:lstStyle/>
               <a:p>
-                <a:pPr/>
-                <a14:m>
-                  <m:oMathPara xmlns:m="http://schemas.openxmlformats.org/officeDocument/2006/math">
-                    <m:oMathParaPr>
-                      <m:jc m:val="centerGroup"/>
-                    </m:oMathParaPr>
-                    <m:oMath xmlns:m="http://schemas.openxmlformats.org/officeDocument/2006/math">
-                      <m:sSub>
-                        <m:sSubPr>
-                          <m:ctrlPr>
-                            <a:rPr lang="de-DE" sz="2400" b="1" i="1" dirty="0" smtClean="0">
-                              <a:solidFill>
-                                <a:schemeClr val="accent6"/>
-                              </a:solidFill>
-                              <a:latin typeface="Cambria Math" panose="02040503050406030204" pitchFamily="18" charset="0"/>
-                            </a:rPr>
-                          </m:ctrlPr>
-                        </m:sSubPr>
-                        <m:e>
-                          <m:r>
-                            <a:rPr lang="de-DE" sz="2400" b="1" i="1" dirty="0" smtClean="0">
-                              <a:solidFill>
-                                <a:schemeClr val="accent6"/>
-                              </a:solidFill>
-                              <a:latin typeface="Cambria Math" panose="02040503050406030204" pitchFamily="18" charset="0"/>
-                            </a:rPr>
-                            <m:t>𝒄</m:t>
-                          </m:r>
-                        </m:e>
-                        <m:sub>
-                          <m:r>
-                            <a:rPr lang="de-DE" sz="2400" b="1" i="1" dirty="0" smtClean="0">
-                              <a:solidFill>
-                                <a:schemeClr val="accent6"/>
-                              </a:solidFill>
-                              <a:latin typeface="Cambria Math" panose="02040503050406030204" pitchFamily="18" charset="0"/>
-                            </a:rPr>
-                            <m:t>𝒌</m:t>
-                          </m:r>
-                          <m:r>
-                            <a:rPr lang="de-DE" sz="2400" b="1" i="1" dirty="0" smtClean="0">
-                              <a:solidFill>
-                                <a:schemeClr val="accent6"/>
-                              </a:solidFill>
-                              <a:latin typeface="Cambria Math" panose="02040503050406030204" pitchFamily="18" charset="0"/>
-                            </a:rPr>
-                            <m:t>+</m:t>
-                          </m:r>
-                          <m:r>
-                            <a:rPr lang="de-DE" sz="2400" b="1" i="1" dirty="0" smtClean="0">
-                              <a:solidFill>
-                                <a:schemeClr val="accent6"/>
-                              </a:solidFill>
-                              <a:latin typeface="Cambria Math" panose="02040503050406030204" pitchFamily="18" charset="0"/>
-                            </a:rPr>
-                            <m:t>𝟏</m:t>
-                          </m:r>
-                        </m:sub>
-                      </m:sSub>
-                    </m:oMath>
-                  </m:oMathPara>
-                </a14:m>
-                <a:endParaRPr lang="de-DE" sz="2400" b="1" baseline="-25000" dirty="0">
-                  <a:solidFill>
-                    <a:schemeClr val="accent6"/>
-                  </a:solidFill>
-                </a:endParaRPr>
-              </a:p>
-            </p:txBody>
-          </p:sp>
-        </mc:Choice>
-        <mc:Fallback xmlns="">
-          <p:sp>
-            <p:nvSpPr>
-              <p:cNvPr id="30" name="Textfeld 29">
-                <a:extLst>
-                  <a:ext uri="{FF2B5EF4-FFF2-40B4-BE49-F238E27FC236}">
-                    <a16:creationId xmlns:a16="http://schemas.microsoft.com/office/drawing/2014/main" id="{2B7B7B4A-C52F-ED90-EE34-3ADC090F6927}"/>
-                  </a:ext>
-                </a:extLst>
-              </p:cNvPr>
-              <p:cNvSpPr txBox="1">
-                <a:spLocks noRot="1" noChangeAspect="1" noMove="1" noResize="1" noEditPoints="1" noAdjustHandles="1" noChangeArrowheads="1" noChangeShapeType="1" noTextEdit="1"/>
-              </p:cNvSpPr>
-              <p:nvPr/>
-            </p:nvSpPr>
-            <p:spPr>
-              <a:xfrm>
-                <a:off x="6643053" y="3172908"/>
-                <a:ext cx="764714" cy="461665"/>
-              </a:xfrm>
-              <a:prstGeom prst="rect">
-                <a:avLst/>
-              </a:prstGeom>
-              <a:blipFill>
-                <a:blip r:embed="rId9"/>
-                <a:stretch>
-                  <a:fillRect b="-5263"/>
-                </a:stretch>
-              </a:blipFill>
-            </p:spPr>
-            <p:txBody>
-              <a:bodyPr/>
-              <a:lstStyle/>
-              <a:p>
                 <a:r>
-                  <a:rPr lang="de-DE">
-                    <a:noFill/>
+                  <a:rPr lang="de-DE" sz="4000" dirty="0">
+                    <a:solidFill>
+                      <a:schemeClr val="accent2">
+                        <a:lumMod val="75000"/>
+                      </a:schemeClr>
+                    </a:solidFill>
                   </a:rPr>
-                  <a:t> </a:t>
+                  <a:t>. . .</a:t>
                 </a:r>
               </a:p>
             </p:txBody>
           </p:sp>
-        </mc:Fallback>
-      </mc:AlternateContent>
-      <mc:AlternateContent xmlns:mc="http://schemas.openxmlformats.org/markup-compatibility/2006" xmlns:a14="http://schemas.microsoft.com/office/drawing/2010/main">
-        <mc:Choice Requires="a14">
+          <p:cxnSp>
+            <p:nvCxnSpPr>
+              <p:cNvPr id="18" name="Gerade Verbindung mit Pfeil 17">
+                <a:extLst>
+                  <a:ext uri="{FF2B5EF4-FFF2-40B4-BE49-F238E27FC236}">
+                    <a16:creationId xmlns:a16="http://schemas.microsoft.com/office/drawing/2014/main" id="{50F39F84-3FB1-95A9-6EEC-9B37EAB86310}"/>
+                  </a:ext>
+                </a:extLst>
+              </p:cNvPr>
+              <p:cNvCxnSpPr>
+                <a:cxnSpLocks/>
+              </p:cNvCxnSpPr>
+              <p:nvPr/>
+            </p:nvCxnSpPr>
+            <p:spPr>
+              <a:xfrm>
+                <a:off x="7085734" y="3650399"/>
+                <a:ext cx="0" cy="363239"/>
+              </a:xfrm>
+              <a:prstGeom prst="straightConnector1">
+                <a:avLst/>
+              </a:prstGeom>
+              <a:ln w="57150">
+                <a:solidFill>
+                  <a:schemeClr val="accent2">
+                    <a:lumMod val="75000"/>
+                  </a:schemeClr>
+                </a:solidFill>
+                <a:prstDash val="solid"/>
+                <a:tailEnd type="triangle"/>
+              </a:ln>
+            </p:spPr>
+            <p:style>
+              <a:lnRef idx="1">
+                <a:schemeClr val="accent1"/>
+              </a:lnRef>
+              <a:fillRef idx="0">
+                <a:schemeClr val="accent1"/>
+              </a:fillRef>
+              <a:effectRef idx="0">
+                <a:schemeClr val="accent1"/>
+              </a:effectRef>
+              <a:fontRef idx="minor">
+                <a:schemeClr val="tx1"/>
+              </a:fontRef>
+            </p:style>
+          </p:cxnSp>
+          <mc:AlternateContent xmlns:mc="http://schemas.openxmlformats.org/markup-compatibility/2006" xmlns:a14="http://schemas.microsoft.com/office/drawing/2010/main">
+            <mc:Choice Requires="a14">
+              <p:sp>
+                <p:nvSpPr>
+                  <p:cNvPr id="19" name="Textfeld 18">
+                    <a:extLst>
+                      <a:ext uri="{FF2B5EF4-FFF2-40B4-BE49-F238E27FC236}">
+                        <a16:creationId xmlns:a16="http://schemas.microsoft.com/office/drawing/2014/main" id="{EB0D6F30-0DE9-FA71-B04F-F39643396AA6}"/>
+                      </a:ext>
+                    </a:extLst>
+                  </p:cNvPr>
+                  <p:cNvSpPr txBox="1"/>
+                  <p:nvPr/>
+                </p:nvSpPr>
+                <p:spPr>
+                  <a:xfrm>
+                    <a:off x="5656217" y="3983239"/>
+                    <a:ext cx="764714" cy="461665"/>
+                  </a:xfrm>
+                  <a:prstGeom prst="rect">
+                    <a:avLst/>
+                  </a:prstGeom>
+                  <a:noFill/>
+                </p:spPr>
+                <p:txBody>
+                  <a:bodyPr wrap="square" rtlCol="0">
+                    <a:spAutoFit/>
+                  </a:bodyPr>
+                  <a:lstStyle/>
+                  <a:p>
+                    <a:pPr/>
+                    <a14:m>
+                      <m:oMathPara xmlns:m="http://schemas.openxmlformats.org/officeDocument/2006/math">
+                        <m:oMathParaPr>
+                          <m:jc m:val="centerGroup"/>
+                        </m:oMathParaPr>
+                        <m:oMath xmlns:m="http://schemas.openxmlformats.org/officeDocument/2006/math">
+                          <m:sSub>
+                            <m:sSubPr>
+                              <m:ctrlPr>
+                                <a:rPr lang="de-DE" sz="2400" b="1" i="1" dirty="0" smtClean="0">
+                                  <a:solidFill>
+                                    <a:schemeClr val="accent2">
+                                      <a:lumMod val="75000"/>
+                                    </a:schemeClr>
+                                  </a:solidFill>
+                                  <a:latin typeface="Cambria Math" panose="02040503050406030204" pitchFamily="18" charset="0"/>
+                                </a:rPr>
+                              </m:ctrlPr>
+                            </m:sSubPr>
+                            <m:e>
+                              <m:r>
+                                <a:rPr lang="de-DE" sz="2400" b="1" i="1" dirty="0" smtClean="0">
+                                  <a:solidFill>
+                                    <a:schemeClr val="accent2">
+                                      <a:lumMod val="75000"/>
+                                    </a:schemeClr>
+                                  </a:solidFill>
+                                  <a:latin typeface="Cambria Math" panose="02040503050406030204" pitchFamily="18" charset="0"/>
+                                </a:rPr>
+                                <m:t>𝒄</m:t>
+                              </m:r>
+                            </m:e>
+                            <m:sub>
+                              <m:r>
+                                <a:rPr lang="de-DE" sz="2400" b="1" i="1" dirty="0" smtClean="0">
+                                  <a:solidFill>
+                                    <a:schemeClr val="accent2">
+                                      <a:lumMod val="75000"/>
+                                    </a:schemeClr>
+                                  </a:solidFill>
+                                  <a:latin typeface="Cambria Math" panose="02040503050406030204" pitchFamily="18" charset="0"/>
+                                </a:rPr>
+                                <m:t>𝒌</m:t>
+                              </m:r>
+                              <m:r>
+                                <a:rPr lang="de-DE" sz="2400" b="1" i="1" dirty="0" smtClean="0">
+                                  <a:solidFill>
+                                    <a:schemeClr val="accent2">
+                                      <a:lumMod val="75000"/>
+                                    </a:schemeClr>
+                                  </a:solidFill>
+                                  <a:latin typeface="Cambria Math" panose="02040503050406030204" pitchFamily="18" charset="0"/>
+                                </a:rPr>
+                                <m:t>+</m:t>
+                              </m:r>
+                              <m:r>
+                                <a:rPr lang="de-DE" sz="2400" b="1" i="1" dirty="0" smtClean="0">
+                                  <a:solidFill>
+                                    <a:schemeClr val="accent2">
+                                      <a:lumMod val="75000"/>
+                                    </a:schemeClr>
+                                  </a:solidFill>
+                                  <a:latin typeface="Cambria Math" panose="02040503050406030204" pitchFamily="18" charset="0"/>
+                                </a:rPr>
+                                <m:t>𝟏</m:t>
+                              </m:r>
+                            </m:sub>
+                          </m:sSub>
+                        </m:oMath>
+                      </m:oMathPara>
+                    </a14:m>
+                    <a:endParaRPr lang="de-DE" sz="2400" b="1" baseline="-25000" dirty="0">
+                      <a:solidFill>
+                        <a:schemeClr val="accent2">
+                          <a:lumMod val="75000"/>
+                        </a:schemeClr>
+                      </a:solidFill>
+                    </a:endParaRPr>
+                  </a:p>
+                </p:txBody>
+              </p:sp>
+            </mc:Choice>
+            <mc:Fallback xmlns="">
+              <p:sp>
+                <p:nvSpPr>
+                  <p:cNvPr id="19" name="Textfeld 18">
+                    <a:extLst>
+                      <a:ext uri="{FF2B5EF4-FFF2-40B4-BE49-F238E27FC236}">
+                        <a16:creationId xmlns:a16="http://schemas.microsoft.com/office/drawing/2014/main" id="{EB0D6F30-0DE9-FA71-B04F-F39643396AA6}"/>
+                      </a:ext>
+                    </a:extLst>
+                  </p:cNvPr>
+                  <p:cNvSpPr txBox="1">
+                    <a:spLocks noRot="1" noChangeAspect="1" noMove="1" noResize="1" noEditPoints="1" noAdjustHandles="1" noChangeArrowheads="1" noChangeShapeType="1" noTextEdit="1"/>
+                  </p:cNvSpPr>
+                  <p:nvPr/>
+                </p:nvSpPr>
+                <p:spPr>
+                  <a:xfrm>
+                    <a:off x="5656217" y="3983239"/>
+                    <a:ext cx="764714" cy="461665"/>
+                  </a:xfrm>
+                  <a:prstGeom prst="rect">
+                    <a:avLst/>
+                  </a:prstGeom>
+                  <a:blipFill>
+                    <a:blip r:embed="rId6"/>
+                    <a:stretch>
+                      <a:fillRect b="-5333"/>
+                    </a:stretch>
+                  </a:blipFill>
+                </p:spPr>
+                <p:txBody>
+                  <a:bodyPr/>
+                  <a:lstStyle/>
+                  <a:p>
+                    <a:r>
+                      <a:rPr lang="de-DE">
+                        <a:noFill/>
+                      </a:rPr>
+                      <a:t> </a:t>
+                    </a:r>
+                  </a:p>
+                </p:txBody>
+              </p:sp>
+            </mc:Fallback>
+          </mc:AlternateContent>
+          <mc:AlternateContent xmlns:mc="http://schemas.openxmlformats.org/markup-compatibility/2006">
+            <mc:Choice xmlns:a14="http://schemas.microsoft.com/office/drawing/2010/main" Requires="a14">
+              <p:sp>
+                <p:nvSpPr>
+                  <p:cNvPr id="20" name="Textfeld 19">
+                    <a:extLst>
+                      <a:ext uri="{FF2B5EF4-FFF2-40B4-BE49-F238E27FC236}">
+                        <a16:creationId xmlns:a16="http://schemas.microsoft.com/office/drawing/2014/main" id="{E23E648D-7B18-4334-2BC5-CDD338D2B9F6}"/>
+                      </a:ext>
+                    </a:extLst>
+                  </p:cNvPr>
+                  <p:cNvSpPr txBox="1"/>
+                  <p:nvPr/>
+                </p:nvSpPr>
+                <p:spPr>
+                  <a:xfrm>
+                    <a:off x="6699593" y="3962441"/>
+                    <a:ext cx="812800" cy="461665"/>
+                  </a:xfrm>
+                  <a:prstGeom prst="rect">
+                    <a:avLst/>
+                  </a:prstGeom>
+                  <a:noFill/>
+                </p:spPr>
+                <p:txBody>
+                  <a:bodyPr wrap="square" rtlCol="0">
+                    <a:spAutoFit/>
+                  </a:bodyPr>
+                  <a:lstStyle/>
+                  <a:p>
+                    <a:pPr/>
+                    <a14:m>
+                      <m:oMathPara xmlns:m="http://schemas.openxmlformats.org/officeDocument/2006/math">
+                        <m:oMathParaPr>
+                          <m:jc m:val="centerGroup"/>
+                        </m:oMathParaPr>
+                        <m:oMath xmlns:m="http://schemas.openxmlformats.org/officeDocument/2006/math">
+                          <m:sSub>
+                            <m:sSubPr>
+                              <m:ctrlPr>
+                                <a:rPr lang="de-DE" sz="2400" b="1" i="1" dirty="0" smtClean="0">
+                                  <a:solidFill>
+                                    <a:schemeClr val="accent2">
+                                      <a:lumMod val="75000"/>
+                                    </a:schemeClr>
+                                  </a:solidFill>
+                                  <a:latin typeface="Cambria Math" panose="02040503050406030204" pitchFamily="18" charset="0"/>
+                                </a:rPr>
+                              </m:ctrlPr>
+                            </m:sSubPr>
+                            <m:e>
+                              <m:r>
+                                <a:rPr lang="de-DE" sz="2400" b="1" i="1" dirty="0" smtClean="0">
+                                  <a:solidFill>
+                                    <a:schemeClr val="accent2">
+                                      <a:lumMod val="75000"/>
+                                    </a:schemeClr>
+                                  </a:solidFill>
+                                  <a:latin typeface="Cambria Math" panose="02040503050406030204" pitchFamily="18" charset="0"/>
+                                </a:rPr>
+                                <m:t>𝒄</m:t>
+                              </m:r>
+                            </m:e>
+                            <m:sub>
+                              <m:r>
+                                <a:rPr lang="de-DE" sz="2400" b="1" i="1" dirty="0" smtClean="0">
+                                  <a:solidFill>
+                                    <a:schemeClr val="accent2">
+                                      <a:lumMod val="75000"/>
+                                    </a:schemeClr>
+                                  </a:solidFill>
+                                  <a:latin typeface="Cambria Math" panose="02040503050406030204" pitchFamily="18" charset="0"/>
+                                </a:rPr>
+                                <m:t>𝑵</m:t>
+                              </m:r>
+                            </m:sub>
+                          </m:sSub>
+                        </m:oMath>
+                      </m:oMathPara>
+                    </a14:m>
+                    <a:endParaRPr lang="de-DE" sz="2400" b="1" baseline="-25000" dirty="0">
+                      <a:solidFill>
+                        <a:schemeClr val="accent2">
+                          <a:lumMod val="75000"/>
+                        </a:schemeClr>
+                      </a:solidFill>
+                    </a:endParaRPr>
+                  </a:p>
+                </p:txBody>
+              </p:sp>
+            </mc:Choice>
+            <mc:Fallback>
+              <p:sp>
+                <p:nvSpPr>
+                  <p:cNvPr id="20" name="Textfeld 19">
+                    <a:extLst>
+                      <a:ext uri="{FF2B5EF4-FFF2-40B4-BE49-F238E27FC236}">
+                        <a16:creationId xmlns:a16="http://schemas.microsoft.com/office/drawing/2014/main" id="{E23E648D-7B18-4334-2BC5-CDD338D2B9F6}"/>
+                      </a:ext>
+                    </a:extLst>
+                  </p:cNvPr>
+                  <p:cNvSpPr txBox="1">
+                    <a:spLocks noRot="1" noChangeAspect="1" noMove="1" noResize="1" noEditPoints="1" noAdjustHandles="1" noChangeArrowheads="1" noChangeShapeType="1" noTextEdit="1"/>
+                  </p:cNvSpPr>
+                  <p:nvPr/>
+                </p:nvSpPr>
+                <p:spPr>
+                  <a:xfrm>
+                    <a:off x="6699593" y="3962441"/>
+                    <a:ext cx="812800" cy="461665"/>
+                  </a:xfrm>
+                  <a:prstGeom prst="rect">
+                    <a:avLst/>
+                  </a:prstGeom>
+                  <a:blipFill>
+                    <a:blip r:embed="rId7"/>
+                    <a:stretch>
+                      <a:fillRect b="-3947"/>
+                    </a:stretch>
+                  </a:blipFill>
+                </p:spPr>
+                <p:txBody>
+                  <a:bodyPr/>
+                  <a:lstStyle/>
+                  <a:p>
+                    <a:r>
+                      <a:rPr lang="de-DE">
+                        <a:noFill/>
+                      </a:rPr>
+                      <a:t> </a:t>
+                    </a:r>
+                  </a:p>
+                </p:txBody>
+              </p:sp>
+            </mc:Fallback>
+          </mc:AlternateContent>
+        </p:grpSp>
+        <p:grpSp>
+          <p:nvGrpSpPr>
+            <p:cNvPr id="9" name="Gruppieren 8">
+              <a:extLst>
+                <a:ext uri="{FF2B5EF4-FFF2-40B4-BE49-F238E27FC236}">
+                  <a16:creationId xmlns:a16="http://schemas.microsoft.com/office/drawing/2014/main" id="{8329549C-EC57-6F5D-EE53-341C37ED2025}"/>
+                </a:ext>
+              </a:extLst>
+            </p:cNvPr>
+            <p:cNvGrpSpPr/>
+            <p:nvPr/>
+          </p:nvGrpSpPr>
+          <p:grpSpPr>
+            <a:xfrm>
+              <a:off x="6177900" y="2691653"/>
+              <a:ext cx="2400753" cy="2503128"/>
+              <a:chOff x="6177900" y="3172907"/>
+              <a:chExt cx="2400753" cy="2503128"/>
+            </a:xfrm>
+          </p:grpSpPr>
+          <p:cxnSp>
+            <p:nvCxnSpPr>
+              <p:cNvPr id="21" name="Gerade Verbindung mit Pfeil 20">
+                <a:extLst>
+                  <a:ext uri="{FF2B5EF4-FFF2-40B4-BE49-F238E27FC236}">
+                    <a16:creationId xmlns:a16="http://schemas.microsoft.com/office/drawing/2014/main" id="{2A59CC8B-87DD-412D-5B43-EF2055FB5720}"/>
+                  </a:ext>
+                </a:extLst>
+              </p:cNvPr>
+              <p:cNvCxnSpPr>
+                <a:cxnSpLocks/>
+              </p:cNvCxnSpPr>
+              <p:nvPr/>
+            </p:nvCxnSpPr>
+            <p:spPr>
+              <a:xfrm>
+                <a:off x="6409267" y="4073800"/>
+                <a:ext cx="1997000" cy="0"/>
+              </a:xfrm>
+              <a:prstGeom prst="straightConnector1">
+                <a:avLst/>
+              </a:prstGeom>
+              <a:ln w="76200">
+                <a:solidFill>
+                  <a:schemeClr val="tx2"/>
+                </a:solidFill>
+                <a:tailEnd type="triangle"/>
+              </a:ln>
+            </p:spPr>
+            <p:style>
+              <a:lnRef idx="1">
+                <a:schemeClr val="accent1"/>
+              </a:lnRef>
+              <a:fillRef idx="0">
+                <a:schemeClr val="accent1"/>
+              </a:fillRef>
+              <a:effectRef idx="0">
+                <a:schemeClr val="accent1"/>
+              </a:effectRef>
+              <a:fontRef idx="minor">
+                <a:schemeClr val="tx1"/>
+              </a:fontRef>
+            </p:style>
+          </p:cxnSp>
+          <p:cxnSp>
+            <p:nvCxnSpPr>
+              <p:cNvPr id="22" name="Gerade Verbindung mit Pfeil 21">
+                <a:extLst>
+                  <a:ext uri="{FF2B5EF4-FFF2-40B4-BE49-F238E27FC236}">
+                    <a16:creationId xmlns:a16="http://schemas.microsoft.com/office/drawing/2014/main" id="{DC3BBBE5-77C8-55FD-3E71-0EF1C2C83815}"/>
+                  </a:ext>
+                </a:extLst>
+              </p:cNvPr>
+              <p:cNvCxnSpPr>
+                <a:cxnSpLocks/>
+              </p:cNvCxnSpPr>
+              <p:nvPr/>
+            </p:nvCxnSpPr>
+            <p:spPr>
+              <a:xfrm>
+                <a:off x="6489466" y="4104102"/>
+                <a:ext cx="0" cy="1048600"/>
+              </a:xfrm>
+              <a:prstGeom prst="straightConnector1">
+                <a:avLst/>
+              </a:prstGeom>
+              <a:ln w="57150">
+                <a:solidFill>
+                  <a:schemeClr val="accent2">
+                    <a:lumMod val="75000"/>
+                  </a:schemeClr>
+                </a:solidFill>
+                <a:prstDash val="solid"/>
+                <a:tailEnd type="triangle"/>
+              </a:ln>
+            </p:spPr>
+            <p:style>
+              <a:lnRef idx="1">
+                <a:schemeClr val="accent1"/>
+              </a:lnRef>
+              <a:fillRef idx="0">
+                <a:schemeClr val="accent1"/>
+              </a:fillRef>
+              <a:effectRef idx="0">
+                <a:schemeClr val="accent1"/>
+              </a:effectRef>
+              <a:fontRef idx="minor">
+                <a:schemeClr val="tx1"/>
+              </a:fontRef>
+            </p:style>
+          </p:cxnSp>
+          <p:cxnSp>
+            <p:nvCxnSpPr>
+              <p:cNvPr id="24" name="Gerade Verbindung mit Pfeil 23">
+                <a:extLst>
+                  <a:ext uri="{FF2B5EF4-FFF2-40B4-BE49-F238E27FC236}">
+                    <a16:creationId xmlns:a16="http://schemas.microsoft.com/office/drawing/2014/main" id="{6A88A849-5AFF-34C0-55DE-913C6EED1660}"/>
+                  </a:ext>
+                </a:extLst>
+              </p:cNvPr>
+              <p:cNvCxnSpPr>
+                <a:cxnSpLocks/>
+              </p:cNvCxnSpPr>
+              <p:nvPr/>
+            </p:nvCxnSpPr>
+            <p:spPr>
+              <a:xfrm flipV="1">
+                <a:off x="6950266" y="3672292"/>
+                <a:ext cx="0" cy="363239"/>
+              </a:xfrm>
+              <a:prstGeom prst="straightConnector1">
+                <a:avLst/>
+              </a:prstGeom>
+              <a:ln w="57150">
+                <a:solidFill>
+                  <a:schemeClr val="accent6"/>
+                </a:solidFill>
+                <a:prstDash val="solid"/>
+                <a:tailEnd type="triangle"/>
+              </a:ln>
+            </p:spPr>
+            <p:style>
+              <a:lnRef idx="1">
+                <a:schemeClr val="accent1"/>
+              </a:lnRef>
+              <a:fillRef idx="0">
+                <a:schemeClr val="accent1"/>
+              </a:fillRef>
+              <a:effectRef idx="0">
+                <a:schemeClr val="accent1"/>
+              </a:effectRef>
+              <a:fontRef idx="minor">
+                <a:schemeClr val="tx1"/>
+              </a:fontRef>
+            </p:style>
+          </p:cxnSp>
           <p:sp>
             <p:nvSpPr>
-              <p:cNvPr id="31" name="Textfeld 30">
+              <p:cNvPr id="25" name="Textfeld 24">
                 <a:extLst>
                   <a:ext uri="{FF2B5EF4-FFF2-40B4-BE49-F238E27FC236}">
-                    <a16:creationId xmlns:a16="http://schemas.microsoft.com/office/drawing/2014/main" id="{E25C7C22-F70C-2064-6A81-06CA432F1EAD}"/>
+                    <a16:creationId xmlns:a16="http://schemas.microsoft.com/office/drawing/2014/main" id="{D58DC910-A9FC-B189-2762-047147E37990}"/>
                   </a:ext>
                 </a:extLst>
               </p:cNvPr>
@@ -8681,9 +8627,9 @@
               <p:nvPr/>
             </p:nvSpPr>
             <p:spPr>
-              <a:xfrm>
-                <a:off x="7813939" y="3172907"/>
-                <a:ext cx="764714" cy="461665"/>
+              <a:xfrm flipV="1">
+                <a:off x="7166882" y="3634466"/>
+                <a:ext cx="812799" cy="707886"/>
               </a:xfrm>
               <a:prstGeom prst="rect">
                 <a:avLst/>
@@ -8696,104 +8642,462 @@
               </a:bodyPr>
               <a:lstStyle/>
               <a:p>
-                <a:pPr/>
-                <a14:m>
-                  <m:oMathPara xmlns:m="http://schemas.openxmlformats.org/officeDocument/2006/math">
-                    <m:oMathParaPr>
-                      <m:jc m:val="centerGroup"/>
-                    </m:oMathParaPr>
-                    <m:oMath xmlns:m="http://schemas.openxmlformats.org/officeDocument/2006/math">
-                      <m:sSub>
-                        <m:sSubPr>
-                          <m:ctrlPr>
-                            <a:rPr lang="de-DE" sz="2400" b="1" i="1" dirty="0" smtClean="0">
-                              <a:solidFill>
-                                <a:schemeClr val="accent6"/>
-                              </a:solidFill>
-                              <a:latin typeface="Cambria Math" panose="02040503050406030204" pitchFamily="18" charset="0"/>
-                            </a:rPr>
-                          </m:ctrlPr>
-                        </m:sSubPr>
-                        <m:e>
-                          <m:r>
-                            <a:rPr lang="de-DE" sz="2400" b="1" i="1" dirty="0" smtClean="0">
-                              <a:solidFill>
-                                <a:schemeClr val="accent6"/>
-                              </a:solidFill>
-                              <a:latin typeface="Cambria Math" panose="02040503050406030204" pitchFamily="18" charset="0"/>
-                            </a:rPr>
-                            <m:t>𝒄</m:t>
-                          </m:r>
-                        </m:e>
-                        <m:sub>
-                          <m:r>
-                            <a:rPr lang="de-DE" sz="2400" b="1" i="1" dirty="0" smtClean="0">
-                              <a:solidFill>
-                                <a:schemeClr val="accent6"/>
-                              </a:solidFill>
-                              <a:latin typeface="Cambria Math" panose="02040503050406030204" pitchFamily="18" charset="0"/>
-                            </a:rPr>
-                            <m:t>𝑴</m:t>
-                          </m:r>
-                        </m:sub>
-                      </m:sSub>
-                    </m:oMath>
-                  </m:oMathPara>
-                </a14:m>
-                <a:endParaRPr lang="de-DE" sz="2400" b="1" baseline="-25000" dirty="0">
-                  <a:solidFill>
-                    <a:schemeClr val="accent6"/>
-                  </a:solidFill>
-                </a:endParaRPr>
-              </a:p>
-            </p:txBody>
-          </p:sp>
-        </mc:Choice>
-        <mc:Fallback xmlns="">
-          <p:sp>
-            <p:nvSpPr>
-              <p:cNvPr id="31" name="Textfeld 30">
-                <a:extLst>
-                  <a:ext uri="{FF2B5EF4-FFF2-40B4-BE49-F238E27FC236}">
-                    <a16:creationId xmlns:a16="http://schemas.microsoft.com/office/drawing/2014/main" id="{E25C7C22-F70C-2064-6A81-06CA432F1EAD}"/>
-                  </a:ext>
-                </a:extLst>
-              </p:cNvPr>
-              <p:cNvSpPr txBox="1">
-                <a:spLocks noRot="1" noChangeAspect="1" noMove="1" noResize="1" noEditPoints="1" noAdjustHandles="1" noChangeArrowheads="1" noChangeShapeType="1" noTextEdit="1"/>
-              </p:cNvSpPr>
-              <p:nvPr/>
-            </p:nvSpPr>
-            <p:spPr>
-              <a:xfrm>
-                <a:off x="7813939" y="3172907"/>
-                <a:ext cx="764714" cy="461665"/>
-              </a:xfrm>
-              <a:prstGeom prst="rect">
-                <a:avLst/>
-              </a:prstGeom>
-              <a:blipFill>
-                <a:blip r:embed="rId10"/>
-                <a:stretch>
-                  <a:fillRect b="-3947"/>
-                </a:stretch>
-              </a:blipFill>
-            </p:spPr>
-            <p:txBody>
-              <a:bodyPr/>
-              <a:lstStyle/>
-              <a:p>
                 <a:r>
-                  <a:rPr lang="de-DE">
-                    <a:noFill/>
+                  <a:rPr lang="de-DE" sz="4000" dirty="0">
+                    <a:solidFill>
+                      <a:schemeClr val="accent6"/>
+                    </a:solidFill>
                   </a:rPr>
-                  <a:t> </a:t>
+                  <a:t>. . .</a:t>
                 </a:r>
               </a:p>
             </p:txBody>
           </p:sp>
-        </mc:Fallback>
-      </mc:AlternateContent>
+          <p:cxnSp>
+            <p:nvCxnSpPr>
+              <p:cNvPr id="26" name="Gerade Verbindung mit Pfeil 25">
+                <a:extLst>
+                  <a:ext uri="{FF2B5EF4-FFF2-40B4-BE49-F238E27FC236}">
+                    <a16:creationId xmlns:a16="http://schemas.microsoft.com/office/drawing/2014/main" id="{0398D4FA-2821-48DF-91FC-D55F0910E953}"/>
+                  </a:ext>
+                </a:extLst>
+              </p:cNvPr>
+              <p:cNvCxnSpPr>
+                <a:cxnSpLocks/>
+              </p:cNvCxnSpPr>
+              <p:nvPr/>
+            </p:nvCxnSpPr>
+            <p:spPr>
+              <a:xfrm flipV="1">
+                <a:off x="8135600" y="3672292"/>
+                <a:ext cx="0" cy="363239"/>
+              </a:xfrm>
+              <a:prstGeom prst="straightConnector1">
+                <a:avLst/>
+              </a:prstGeom>
+              <a:ln w="57150">
+                <a:solidFill>
+                  <a:schemeClr val="accent6"/>
+                </a:solidFill>
+                <a:prstDash val="solid"/>
+                <a:tailEnd type="triangle"/>
+              </a:ln>
+            </p:spPr>
+            <p:style>
+              <a:lnRef idx="1">
+                <a:schemeClr val="accent1"/>
+              </a:lnRef>
+              <a:fillRef idx="0">
+                <a:schemeClr val="accent1"/>
+              </a:fillRef>
+              <a:effectRef idx="0">
+                <a:schemeClr val="accent1"/>
+              </a:effectRef>
+              <a:fontRef idx="minor">
+                <a:schemeClr val="tx1"/>
+              </a:fontRef>
+            </p:style>
+          </p:cxnSp>
+          <mc:AlternateContent xmlns:mc="http://schemas.openxmlformats.org/markup-compatibility/2006">
+            <mc:Choice xmlns:a14="http://schemas.microsoft.com/office/drawing/2010/main" Requires="a14">
+              <p:sp>
+                <p:nvSpPr>
+                  <p:cNvPr id="27" name="Textfeld 26">
+                    <a:extLst>
+                      <a:ext uri="{FF2B5EF4-FFF2-40B4-BE49-F238E27FC236}">
+                        <a16:creationId xmlns:a16="http://schemas.microsoft.com/office/drawing/2014/main" id="{C80751B9-E3B3-CF05-F4F8-A074FA701855}"/>
+                      </a:ext>
+                    </a:extLst>
+                  </p:cNvPr>
+                  <p:cNvSpPr txBox="1"/>
+                  <p:nvPr/>
+                </p:nvSpPr>
+                <p:spPr>
+                  <a:xfrm>
+                    <a:off x="6177900" y="5205200"/>
+                    <a:ext cx="605478" cy="470835"/>
+                  </a:xfrm>
+                  <a:prstGeom prst="rect">
+                    <a:avLst/>
+                  </a:prstGeom>
+                  <a:noFill/>
+                </p:spPr>
+                <p:txBody>
+                  <a:bodyPr wrap="square" rtlCol="0">
+                    <a:spAutoFit/>
+                  </a:bodyPr>
+                  <a:lstStyle/>
+                  <a:p>
+                    <a:pPr/>
+                    <a14:m>
+                      <m:oMathPara xmlns:m="http://schemas.openxmlformats.org/officeDocument/2006/math">
+                        <m:oMathParaPr>
+                          <m:jc m:val="centerGroup"/>
+                        </m:oMathParaPr>
+                        <m:oMath xmlns:m="http://schemas.openxmlformats.org/officeDocument/2006/math">
+                          <m:acc>
+                            <m:accPr>
+                              <m:chr m:val="̃"/>
+                              <m:ctrlPr>
+                                <a:rPr lang="de-DE" sz="2400" b="1" i="1" smtClean="0">
+                                  <a:solidFill>
+                                    <a:schemeClr val="accent2">
+                                      <a:lumMod val="75000"/>
+                                    </a:schemeClr>
+                                  </a:solidFill>
+                                  <a:latin typeface="Cambria Math" panose="02040503050406030204" pitchFamily="18" charset="0"/>
+                                </a:rPr>
+                              </m:ctrlPr>
+                            </m:accPr>
+                            <m:e>
+                              <m:r>
+                                <a:rPr lang="de-DE" sz="2400" b="1" i="1" smtClean="0">
+                                  <a:solidFill>
+                                    <a:schemeClr val="accent2">
+                                      <a:lumMod val="75000"/>
+                                    </a:schemeClr>
+                                  </a:solidFill>
+                                  <a:latin typeface="Cambria Math" panose="02040503050406030204" pitchFamily="18" charset="0"/>
+                                </a:rPr>
+                                <m:t>𝑹</m:t>
+                              </m:r>
+                            </m:e>
+                          </m:acc>
+                        </m:oMath>
+                      </m:oMathPara>
+                    </a14:m>
+                    <a:endParaRPr lang="de-DE" sz="2400" b="1" dirty="0">
+                      <a:solidFill>
+                        <a:schemeClr val="accent2">
+                          <a:lumMod val="75000"/>
+                        </a:schemeClr>
+                      </a:solidFill>
+                    </a:endParaRPr>
+                  </a:p>
+                </p:txBody>
+              </p:sp>
+            </mc:Choice>
+            <mc:Fallback>
+              <p:sp>
+                <p:nvSpPr>
+                  <p:cNvPr id="27" name="Textfeld 26">
+                    <a:extLst>
+                      <a:ext uri="{FF2B5EF4-FFF2-40B4-BE49-F238E27FC236}">
+                        <a16:creationId xmlns:a16="http://schemas.microsoft.com/office/drawing/2014/main" id="{C80751B9-E3B3-CF05-F4F8-A074FA701855}"/>
+                      </a:ext>
+                    </a:extLst>
+                  </p:cNvPr>
+                  <p:cNvSpPr txBox="1">
+                    <a:spLocks noRot="1" noChangeAspect="1" noMove="1" noResize="1" noEditPoints="1" noAdjustHandles="1" noChangeArrowheads="1" noChangeShapeType="1" noTextEdit="1"/>
+                  </p:cNvSpPr>
+                  <p:nvPr/>
+                </p:nvSpPr>
+                <p:spPr>
+                  <a:xfrm>
+                    <a:off x="6177900" y="5205200"/>
+                    <a:ext cx="605478" cy="470835"/>
+                  </a:xfrm>
+                  <a:prstGeom prst="rect">
+                    <a:avLst/>
+                  </a:prstGeom>
+                  <a:blipFill>
+                    <a:blip r:embed="rId8"/>
+                    <a:stretch>
+                      <a:fillRect t="-6494" r="-19000"/>
+                    </a:stretch>
+                  </a:blipFill>
+                </p:spPr>
+                <p:txBody>
+                  <a:bodyPr/>
+                  <a:lstStyle/>
+                  <a:p>
+                    <a:r>
+                      <a:rPr lang="de-DE">
+                        <a:noFill/>
+                      </a:rPr>
+                      <a:t> </a:t>
+                    </a:r>
+                  </a:p>
+                </p:txBody>
+              </p:sp>
+            </mc:Fallback>
+          </mc:AlternateContent>
+          <mc:AlternateContent xmlns:mc="http://schemas.openxmlformats.org/markup-compatibility/2006">
+            <mc:Choice xmlns:a14="http://schemas.microsoft.com/office/drawing/2010/main" Requires="a14">
+              <p:sp>
+                <p:nvSpPr>
+                  <p:cNvPr id="30" name="Textfeld 29">
+                    <a:extLst>
+                      <a:ext uri="{FF2B5EF4-FFF2-40B4-BE49-F238E27FC236}">
+                        <a16:creationId xmlns:a16="http://schemas.microsoft.com/office/drawing/2014/main" id="{2B7B7B4A-C52F-ED90-EE34-3ADC090F6927}"/>
+                      </a:ext>
+                    </a:extLst>
+                  </p:cNvPr>
+                  <p:cNvSpPr txBox="1"/>
+                  <p:nvPr/>
+                </p:nvSpPr>
+                <p:spPr>
+                  <a:xfrm>
+                    <a:off x="6643053" y="3172908"/>
+                    <a:ext cx="764714" cy="461665"/>
+                  </a:xfrm>
+                  <a:prstGeom prst="rect">
+                    <a:avLst/>
+                  </a:prstGeom>
+                  <a:noFill/>
+                </p:spPr>
+                <p:txBody>
+                  <a:bodyPr wrap="square" rtlCol="0">
+                    <a:spAutoFit/>
+                  </a:bodyPr>
+                  <a:lstStyle/>
+                  <a:p>
+                    <a:pPr/>
+                    <a14:m>
+                      <m:oMathPara xmlns:m="http://schemas.openxmlformats.org/officeDocument/2006/math">
+                        <m:oMathParaPr>
+                          <m:jc m:val="centerGroup"/>
+                        </m:oMathParaPr>
+                        <m:oMath xmlns:m="http://schemas.openxmlformats.org/officeDocument/2006/math">
+                          <m:sSub>
+                            <m:sSubPr>
+                              <m:ctrlPr>
+                                <a:rPr lang="de-DE" sz="2400" b="1" i="1" dirty="0" smtClean="0">
+                                  <a:solidFill>
+                                    <a:schemeClr val="accent6"/>
+                                  </a:solidFill>
+                                  <a:latin typeface="Cambria Math" panose="02040503050406030204" pitchFamily="18" charset="0"/>
+                                </a:rPr>
+                              </m:ctrlPr>
+                            </m:sSubPr>
+                            <m:e>
+                              <m:r>
+                                <a:rPr lang="de-DE" sz="2400" b="1" i="1" dirty="0" smtClean="0">
+                                  <a:solidFill>
+                                    <a:schemeClr val="accent6"/>
+                                  </a:solidFill>
+                                  <a:latin typeface="Cambria Math" panose="02040503050406030204" pitchFamily="18" charset="0"/>
+                                </a:rPr>
+                                <m:t>𝒄</m:t>
+                              </m:r>
+                            </m:e>
+                            <m:sub>
+                              <m:r>
+                                <a:rPr lang="de-DE" sz="2400" b="1" i="1" dirty="0" smtClean="0">
+                                  <a:solidFill>
+                                    <a:schemeClr val="accent6"/>
+                                  </a:solidFill>
+                                  <a:latin typeface="Cambria Math" panose="02040503050406030204" pitchFamily="18" charset="0"/>
+                                </a:rPr>
+                                <m:t>𝒌</m:t>
+                              </m:r>
+                              <m:r>
+                                <a:rPr lang="de-DE" sz="2400" b="1" i="1" dirty="0" smtClean="0">
+                                  <a:solidFill>
+                                    <a:schemeClr val="accent6"/>
+                                  </a:solidFill>
+                                  <a:latin typeface="Cambria Math" panose="02040503050406030204" pitchFamily="18" charset="0"/>
+                                </a:rPr>
+                                <m:t>+</m:t>
+                              </m:r>
+                              <m:r>
+                                <a:rPr lang="de-DE" sz="2400" b="1" i="1" dirty="0" smtClean="0">
+                                  <a:solidFill>
+                                    <a:schemeClr val="accent6"/>
+                                  </a:solidFill>
+                                  <a:latin typeface="Cambria Math" panose="02040503050406030204" pitchFamily="18" charset="0"/>
+                                </a:rPr>
+                                <m:t>𝟏</m:t>
+                              </m:r>
+                            </m:sub>
+                          </m:sSub>
+                        </m:oMath>
+                      </m:oMathPara>
+                    </a14:m>
+                    <a:endParaRPr lang="de-DE" sz="2400" b="1" baseline="-25000" dirty="0">
+                      <a:solidFill>
+                        <a:schemeClr val="accent6"/>
+                      </a:solidFill>
+                    </a:endParaRPr>
+                  </a:p>
+                </p:txBody>
+              </p:sp>
+            </mc:Choice>
+            <mc:Fallback>
+              <p:sp>
+                <p:nvSpPr>
+                  <p:cNvPr id="30" name="Textfeld 29">
+                    <a:extLst>
+                      <a:ext uri="{FF2B5EF4-FFF2-40B4-BE49-F238E27FC236}">
+                        <a16:creationId xmlns:a16="http://schemas.microsoft.com/office/drawing/2014/main" id="{2B7B7B4A-C52F-ED90-EE34-3ADC090F6927}"/>
+                      </a:ext>
+                    </a:extLst>
+                  </p:cNvPr>
+                  <p:cNvSpPr txBox="1">
+                    <a:spLocks noRot="1" noChangeAspect="1" noMove="1" noResize="1" noEditPoints="1" noAdjustHandles="1" noChangeArrowheads="1" noChangeShapeType="1" noTextEdit="1"/>
+                  </p:cNvSpPr>
+                  <p:nvPr/>
+                </p:nvSpPr>
+                <p:spPr>
+                  <a:xfrm>
+                    <a:off x="6643053" y="3172908"/>
+                    <a:ext cx="764714" cy="461665"/>
+                  </a:xfrm>
+                  <a:prstGeom prst="rect">
+                    <a:avLst/>
+                  </a:prstGeom>
+                  <a:blipFill>
+                    <a:blip r:embed="rId9"/>
+                    <a:stretch>
+                      <a:fillRect b="-5333"/>
+                    </a:stretch>
+                  </a:blipFill>
+                </p:spPr>
+                <p:txBody>
+                  <a:bodyPr/>
+                  <a:lstStyle/>
+                  <a:p>
+                    <a:r>
+                      <a:rPr lang="de-DE">
+                        <a:noFill/>
+                      </a:rPr>
+                      <a:t> </a:t>
+                    </a:r>
+                  </a:p>
+                </p:txBody>
+              </p:sp>
+            </mc:Fallback>
+          </mc:AlternateContent>
+          <mc:AlternateContent xmlns:mc="http://schemas.openxmlformats.org/markup-compatibility/2006">
+            <mc:Choice xmlns:a14="http://schemas.microsoft.com/office/drawing/2010/main" Requires="a14">
+              <p:sp>
+                <p:nvSpPr>
+                  <p:cNvPr id="31" name="Textfeld 30">
+                    <a:extLst>
+                      <a:ext uri="{FF2B5EF4-FFF2-40B4-BE49-F238E27FC236}">
+                        <a16:creationId xmlns:a16="http://schemas.microsoft.com/office/drawing/2014/main" id="{E25C7C22-F70C-2064-6A81-06CA432F1EAD}"/>
+                      </a:ext>
+                    </a:extLst>
+                  </p:cNvPr>
+                  <p:cNvSpPr txBox="1"/>
+                  <p:nvPr/>
+                </p:nvSpPr>
+                <p:spPr>
+                  <a:xfrm>
+                    <a:off x="7813939" y="3172907"/>
+                    <a:ext cx="764714" cy="461665"/>
+                  </a:xfrm>
+                  <a:prstGeom prst="rect">
+                    <a:avLst/>
+                  </a:prstGeom>
+                  <a:noFill/>
+                </p:spPr>
+                <p:txBody>
+                  <a:bodyPr wrap="square" rtlCol="0">
+                    <a:spAutoFit/>
+                  </a:bodyPr>
+                  <a:lstStyle/>
+                  <a:p>
+                    <a:pPr/>
+                    <a14:m>
+                      <m:oMathPara xmlns:m="http://schemas.openxmlformats.org/officeDocument/2006/math">
+                        <m:oMathParaPr>
+                          <m:jc m:val="centerGroup"/>
+                        </m:oMathParaPr>
+                        <m:oMath xmlns:m="http://schemas.openxmlformats.org/officeDocument/2006/math">
+                          <m:sSub>
+                            <m:sSubPr>
+                              <m:ctrlPr>
+                                <a:rPr lang="de-DE" sz="2400" b="1" i="1" dirty="0" smtClean="0">
+                                  <a:solidFill>
+                                    <a:schemeClr val="accent6"/>
+                                  </a:solidFill>
+                                  <a:latin typeface="Cambria Math" panose="02040503050406030204" pitchFamily="18" charset="0"/>
+                                </a:rPr>
+                              </m:ctrlPr>
+                            </m:sSubPr>
+                            <m:e>
+                              <m:r>
+                                <a:rPr lang="de-DE" sz="2400" b="1" i="1" dirty="0" smtClean="0">
+                                  <a:solidFill>
+                                    <a:schemeClr val="accent6"/>
+                                  </a:solidFill>
+                                  <a:latin typeface="Cambria Math" panose="02040503050406030204" pitchFamily="18" charset="0"/>
+                                </a:rPr>
+                                <m:t>𝒄</m:t>
+                              </m:r>
+                            </m:e>
+                            <m:sub>
+                              <m:r>
+                                <a:rPr lang="de-DE" sz="2400" b="1" i="1" dirty="0" smtClean="0">
+                                  <a:solidFill>
+                                    <a:schemeClr val="accent6"/>
+                                  </a:solidFill>
+                                  <a:latin typeface="Cambria Math" panose="02040503050406030204" pitchFamily="18" charset="0"/>
+                                </a:rPr>
+                                <m:t>𝑵</m:t>
+                              </m:r>
+                            </m:sub>
+                          </m:sSub>
+                        </m:oMath>
+                      </m:oMathPara>
+                    </a14:m>
+                    <a:endParaRPr lang="de-DE" sz="2400" b="1" baseline="-25000" dirty="0">
+                      <a:solidFill>
+                        <a:schemeClr val="accent6"/>
+                      </a:solidFill>
+                    </a:endParaRPr>
+                  </a:p>
+                </p:txBody>
+              </p:sp>
+            </mc:Choice>
+            <mc:Fallback>
+              <p:sp>
+                <p:nvSpPr>
+                  <p:cNvPr id="31" name="Textfeld 30">
+                    <a:extLst>
+                      <a:ext uri="{FF2B5EF4-FFF2-40B4-BE49-F238E27FC236}">
+                        <a16:creationId xmlns:a16="http://schemas.microsoft.com/office/drawing/2014/main" id="{E25C7C22-F70C-2064-6A81-06CA432F1EAD}"/>
+                      </a:ext>
+                    </a:extLst>
+                  </p:cNvPr>
+                  <p:cNvSpPr txBox="1">
+                    <a:spLocks noRot="1" noChangeAspect="1" noMove="1" noResize="1" noEditPoints="1" noAdjustHandles="1" noChangeArrowheads="1" noChangeShapeType="1" noTextEdit="1"/>
+                  </p:cNvSpPr>
+                  <p:nvPr/>
+                </p:nvSpPr>
+                <p:spPr>
+                  <a:xfrm>
+                    <a:off x="7813939" y="3172907"/>
+                    <a:ext cx="764714" cy="461665"/>
+                  </a:xfrm>
+                  <a:prstGeom prst="rect">
+                    <a:avLst/>
+                  </a:prstGeom>
+                  <a:blipFill>
+                    <a:blip r:embed="rId10"/>
+                    <a:stretch>
+                      <a:fillRect b="-4000"/>
+                    </a:stretch>
+                  </a:blipFill>
+                </p:spPr>
+                <p:txBody>
+                  <a:bodyPr/>
+                  <a:lstStyle/>
+                  <a:p>
+                    <a:r>
+                      <a:rPr lang="de-DE">
+                        <a:noFill/>
+                      </a:rPr>
+                      <a:t> </a:t>
+                    </a:r>
+                  </a:p>
+                </p:txBody>
+              </p:sp>
+            </mc:Fallback>
+          </mc:AlternateContent>
+        </p:grpSp>
+      </p:grpSp>
     </p:spTree>
     <p:extLst>
       <p:ext uri="{BB962C8B-B14F-4D97-AF65-F5344CB8AC3E}">

--- a/Vorstellung/VorstellungPics/PicturesForTalk.pptx
+++ b/Vorstellung/VorstellungPics/PicturesForTalk.pptx
@@ -120,7 +120,7 @@
 <file path=ppt/revisionInfo.xml><?xml version="1.0" encoding="utf-8"?>
 <p1510:revInfo xmlns:a="http://schemas.openxmlformats.org/drawingml/2006/main" xmlns:r="http://schemas.openxmlformats.org/officeDocument/2006/relationships" xmlns:p1510="http://schemas.microsoft.com/office/powerpoint/2015/10/main">
   <p1510:revLst>
-    <p1510:client id="{8FF851C9-377C-46D5-8B90-A96ECABD9679}" v="11" dt="2024-02-15T11:43:53.625"/>
+    <p1510:client id="{8FF851C9-377C-46D5-8B90-A96ECABD9679}" v="24" dt="2024-02-22T14:28:51.735"/>
   </p1510:revLst>
 </p1510:revInfo>
 </file>
@@ -129,8 +129,8 @@
 <pc:chgInfo xmlns:a="http://schemas.openxmlformats.org/drawingml/2006/main" xmlns:r="http://schemas.openxmlformats.org/officeDocument/2006/relationships" xmlns:ac="http://schemas.microsoft.com/office/drawing/2013/main/command" xmlns:pc="http://schemas.microsoft.com/office/powerpoint/2013/main/command">
   <pc:docChgLst>
     <pc:chgData name="Markus Parhofer" userId="9100c6bed19c68c7" providerId="LiveId" clId="{8FF851C9-377C-46D5-8B90-A96ECABD9679}"/>
-    <pc:docChg chg="modSld">
-      <pc:chgData name="Markus Parhofer" userId="9100c6bed19c68c7" providerId="LiveId" clId="{8FF851C9-377C-46D5-8B90-A96ECABD9679}" dt="2024-02-15T11:43:53.625" v="63" actId="20577"/>
+    <pc:docChg chg="undo custSel modSld">
+      <pc:chgData name="Markus Parhofer" userId="9100c6bed19c68c7" providerId="LiveId" clId="{8FF851C9-377C-46D5-8B90-A96ECABD9679}" dt="2024-02-22T14:28:51.735" v="132"/>
       <pc:docMkLst>
         <pc:docMk/>
       </pc:docMkLst>
@@ -387,6 +387,69 @@
           </ac:cxnSpMkLst>
         </pc:cxnChg>
       </pc:sldChg>
+      <pc:sldChg chg="addSp delSp modSp mod">
+        <pc:chgData name="Markus Parhofer" userId="9100c6bed19c68c7" providerId="LiveId" clId="{8FF851C9-377C-46D5-8B90-A96ECABD9679}" dt="2024-02-22T14:28:51.735" v="132"/>
+        <pc:sldMkLst>
+          <pc:docMk/>
+          <pc:sldMk cId="2024689610" sldId="260"/>
+        </pc:sldMkLst>
+        <pc:picChg chg="add del mod">
+          <ac:chgData name="Markus Parhofer" userId="9100c6bed19c68c7" providerId="LiveId" clId="{8FF851C9-377C-46D5-8B90-A96ECABD9679}" dt="2024-02-22T13:26:40.192" v="65" actId="478"/>
+          <ac:picMkLst>
+            <pc:docMk/>
+            <pc:sldMk cId="2024689610" sldId="260"/>
+            <ac:picMk id="3" creationId="{98E1E26A-FA36-D88C-52F1-6B7CCCC2D335}"/>
+          </ac:picMkLst>
+        </pc:picChg>
+        <pc:picChg chg="add del mod">
+          <ac:chgData name="Markus Parhofer" userId="9100c6bed19c68c7" providerId="LiveId" clId="{8FF851C9-377C-46D5-8B90-A96ECABD9679}" dt="2024-02-22T13:33:29.426" v="125" actId="478"/>
+          <ac:picMkLst>
+            <pc:docMk/>
+            <pc:sldMk cId="2024689610" sldId="260"/>
+            <ac:picMk id="5" creationId="{04CDED6A-5A96-A4C6-22A8-FDA8B07D023D}"/>
+          </ac:picMkLst>
+        </pc:picChg>
+        <pc:picChg chg="add mod">
+          <ac:chgData name="Markus Parhofer" userId="9100c6bed19c68c7" providerId="LiveId" clId="{8FF851C9-377C-46D5-8B90-A96ECABD9679}" dt="2024-02-22T13:33:14.387" v="123" actId="14100"/>
+          <ac:picMkLst>
+            <pc:docMk/>
+            <pc:sldMk cId="2024689610" sldId="260"/>
+            <ac:picMk id="7" creationId="{62101700-3CD4-F72A-EDCF-D2D84443AF94}"/>
+          </ac:picMkLst>
+        </pc:picChg>
+        <pc:picChg chg="add del">
+          <ac:chgData name="Markus Parhofer" userId="9100c6bed19c68c7" providerId="LiveId" clId="{8FF851C9-377C-46D5-8B90-A96ECABD9679}" dt="2024-02-22T13:37:00.189" v="127" actId="478"/>
+          <ac:picMkLst>
+            <pc:docMk/>
+            <pc:sldMk cId="2024689610" sldId="260"/>
+            <ac:picMk id="1026" creationId="{E8FAA84A-DAEF-3892-048C-194065804F3B}"/>
+          </ac:picMkLst>
+        </pc:picChg>
+        <pc:picChg chg="add del">
+          <ac:chgData name="Markus Parhofer" userId="9100c6bed19c68c7" providerId="LiveId" clId="{8FF851C9-377C-46D5-8B90-A96ECABD9679}" dt="2024-02-22T14:15:50.559" v="129" actId="478"/>
+          <ac:picMkLst>
+            <pc:docMk/>
+            <pc:sldMk cId="2024689610" sldId="260"/>
+            <ac:picMk id="1028" creationId="{F85C4C98-D993-1A5C-32FF-0BF13F0020E5}"/>
+          </ac:picMkLst>
+        </pc:picChg>
+        <pc:picChg chg="add del">
+          <ac:chgData name="Markus Parhofer" userId="9100c6bed19c68c7" providerId="LiveId" clId="{8FF851C9-377C-46D5-8B90-A96ECABD9679}" dt="2024-02-22T14:28:50.784" v="131" actId="478"/>
+          <ac:picMkLst>
+            <pc:docMk/>
+            <pc:sldMk cId="2024689610" sldId="260"/>
+            <ac:picMk id="1030" creationId="{8C810580-4E21-822B-246B-CA13322FD0C6}"/>
+          </ac:picMkLst>
+        </pc:picChg>
+        <pc:picChg chg="add">
+          <ac:chgData name="Markus Parhofer" userId="9100c6bed19c68c7" providerId="LiveId" clId="{8FF851C9-377C-46D5-8B90-A96ECABD9679}" dt="2024-02-22T14:28:51.735" v="132"/>
+          <ac:picMkLst>
+            <pc:docMk/>
+            <pc:sldMk cId="2024689610" sldId="260"/>
+            <ac:picMk id="1032" creationId="{34BA1B60-EC8C-84EF-4FBE-B99A06E809BE}"/>
+          </ac:picMkLst>
+        </pc:picChg>
+      </pc:sldChg>
     </pc:docChg>
   </pc:docChgLst>
   <pc:docChgLst>
@@ -656,7 +719,7 @@
           <a:p>
             <a:fld id="{855AA24D-F6B8-45CE-A0D3-39EA9EEEA192}" type="datetimeFigureOut">
               <a:rPr lang="de-DE" smtClean="0"/>
-              <a:t>12.02.2024</a:t>
+              <a:t>22.02.2024</a:t>
             </a:fld>
             <a:endParaRPr lang="de-DE"/>
           </a:p>
@@ -854,7 +917,7 @@
           <a:p>
             <a:fld id="{855AA24D-F6B8-45CE-A0D3-39EA9EEEA192}" type="datetimeFigureOut">
               <a:rPr lang="de-DE" smtClean="0"/>
-              <a:t>12.02.2024</a:t>
+              <a:t>22.02.2024</a:t>
             </a:fld>
             <a:endParaRPr lang="de-DE"/>
           </a:p>
@@ -1062,7 +1125,7 @@
           <a:p>
             <a:fld id="{855AA24D-F6B8-45CE-A0D3-39EA9EEEA192}" type="datetimeFigureOut">
               <a:rPr lang="de-DE" smtClean="0"/>
-              <a:t>12.02.2024</a:t>
+              <a:t>22.02.2024</a:t>
             </a:fld>
             <a:endParaRPr lang="de-DE"/>
           </a:p>
@@ -1260,7 +1323,7 @@
           <a:p>
             <a:fld id="{855AA24D-F6B8-45CE-A0D3-39EA9EEEA192}" type="datetimeFigureOut">
               <a:rPr lang="de-DE" smtClean="0"/>
-              <a:t>12.02.2024</a:t>
+              <a:t>22.02.2024</a:t>
             </a:fld>
             <a:endParaRPr lang="de-DE"/>
           </a:p>
@@ -1535,7 +1598,7 @@
           <a:p>
             <a:fld id="{855AA24D-F6B8-45CE-A0D3-39EA9EEEA192}" type="datetimeFigureOut">
               <a:rPr lang="de-DE" smtClean="0"/>
-              <a:t>12.02.2024</a:t>
+              <a:t>22.02.2024</a:t>
             </a:fld>
             <a:endParaRPr lang="de-DE"/>
           </a:p>
@@ -1800,7 +1863,7 @@
           <a:p>
             <a:fld id="{855AA24D-F6B8-45CE-A0D3-39EA9EEEA192}" type="datetimeFigureOut">
               <a:rPr lang="de-DE" smtClean="0"/>
-              <a:t>12.02.2024</a:t>
+              <a:t>22.02.2024</a:t>
             </a:fld>
             <a:endParaRPr lang="de-DE"/>
           </a:p>
@@ -2212,7 +2275,7 @@
           <a:p>
             <a:fld id="{855AA24D-F6B8-45CE-A0D3-39EA9EEEA192}" type="datetimeFigureOut">
               <a:rPr lang="de-DE" smtClean="0"/>
-              <a:t>12.02.2024</a:t>
+              <a:t>22.02.2024</a:t>
             </a:fld>
             <a:endParaRPr lang="de-DE"/>
           </a:p>
@@ -2353,7 +2416,7 @@
           <a:p>
             <a:fld id="{855AA24D-F6B8-45CE-A0D3-39EA9EEEA192}" type="datetimeFigureOut">
               <a:rPr lang="de-DE" smtClean="0"/>
-              <a:t>12.02.2024</a:t>
+              <a:t>22.02.2024</a:t>
             </a:fld>
             <a:endParaRPr lang="de-DE"/>
           </a:p>
@@ -2466,7 +2529,7 @@
           <a:p>
             <a:fld id="{855AA24D-F6B8-45CE-A0D3-39EA9EEEA192}" type="datetimeFigureOut">
               <a:rPr lang="de-DE" smtClean="0"/>
-              <a:t>12.02.2024</a:t>
+              <a:t>22.02.2024</a:t>
             </a:fld>
             <a:endParaRPr lang="de-DE"/>
           </a:p>
@@ -2777,7 +2840,7 @@
           <a:p>
             <a:fld id="{855AA24D-F6B8-45CE-A0D3-39EA9EEEA192}" type="datetimeFigureOut">
               <a:rPr lang="de-DE" smtClean="0"/>
-              <a:t>12.02.2024</a:t>
+              <a:t>22.02.2024</a:t>
             </a:fld>
             <a:endParaRPr lang="de-DE"/>
           </a:p>
@@ -3065,7 +3128,7 @@
           <a:p>
             <a:fld id="{855AA24D-F6B8-45CE-A0D3-39EA9EEEA192}" type="datetimeFigureOut">
               <a:rPr lang="de-DE" smtClean="0"/>
-              <a:t>12.02.2024</a:t>
+              <a:t>22.02.2024</a:t>
             </a:fld>
             <a:endParaRPr lang="de-DE"/>
           </a:p>
@@ -3306,7 +3369,7 @@
           <a:p>
             <a:fld id="{855AA24D-F6B8-45CE-A0D3-39EA9EEEA192}" type="datetimeFigureOut">
               <a:rPr lang="de-DE" smtClean="0"/>
-              <a:t>12.02.2024</a:t>
+              <a:t>22.02.2024</a:t>
             </a:fld>
             <a:endParaRPr lang="de-DE"/>
           </a:p>
@@ -5213,8 +5276,8 @@
             </p:sp>
           </mc:Fallback>
         </mc:AlternateContent>
-        <mc:AlternateContent xmlns:mc="http://schemas.openxmlformats.org/markup-compatibility/2006">
-          <mc:Choice xmlns:a14="http://schemas.microsoft.com/office/drawing/2010/main" Requires="a14">
+        <mc:AlternateContent xmlns:mc="http://schemas.openxmlformats.org/markup-compatibility/2006" xmlns:a14="http://schemas.microsoft.com/office/drawing/2010/main">
+          <mc:Choice Requires="a14">
             <p:sp>
               <p:nvSpPr>
                 <p:cNvPr id="32" name="Textfeld 31">
@@ -5333,7 +5396,7 @@
               </p:txBody>
             </p:sp>
           </mc:Choice>
-          <mc:Fallback>
+          <mc:Fallback xmlns="">
             <p:sp>
               <p:nvSpPr>
                 <p:cNvPr id="32" name="Textfeld 31">
@@ -6971,8 +7034,8 @@
             </p:sp>
           </mc:Fallback>
         </mc:AlternateContent>
-        <mc:AlternateContent xmlns:mc="http://schemas.openxmlformats.org/markup-compatibility/2006">
-          <mc:Choice xmlns:a14="http://schemas.microsoft.com/office/drawing/2010/main" Requires="a14">
+        <mc:AlternateContent xmlns:mc="http://schemas.openxmlformats.org/markup-compatibility/2006" xmlns:a14="http://schemas.microsoft.com/office/drawing/2010/main">
+          <mc:Choice Requires="a14">
             <p:sp>
               <p:nvSpPr>
                 <p:cNvPr id="33" name="Textfeld 32">
@@ -7062,7 +7125,7 @@
               </p:txBody>
             </p:sp>
           </mc:Choice>
-          <mc:Fallback>
+          <mc:Fallback xmlns="">
             <p:sp>
               <p:nvSpPr>
                 <p:cNvPr id="33" name="Textfeld 32">
@@ -8321,8 +8384,8 @@
               </p:sp>
             </mc:Fallback>
           </mc:AlternateContent>
-          <mc:AlternateContent xmlns:mc="http://schemas.openxmlformats.org/markup-compatibility/2006">
-            <mc:Choice xmlns:a14="http://schemas.microsoft.com/office/drawing/2010/main" Requires="a14">
+          <mc:AlternateContent xmlns:mc="http://schemas.openxmlformats.org/markup-compatibility/2006" xmlns:a14="http://schemas.microsoft.com/office/drawing/2010/main">
+            <mc:Choice Requires="a14">
               <p:sp>
                 <p:nvSpPr>
                   <p:cNvPr id="20" name="Textfeld 19">
@@ -8412,7 +8475,7 @@
                 </p:txBody>
               </p:sp>
             </mc:Choice>
-            <mc:Fallback>
+            <mc:Fallback xmlns="">
               <p:sp>
                 <p:nvSpPr>
                   <p:cNvPr id="20" name="Textfeld 19">
@@ -8698,8 +8761,8 @@
               </a:fontRef>
             </p:style>
           </p:cxnSp>
-          <mc:AlternateContent xmlns:mc="http://schemas.openxmlformats.org/markup-compatibility/2006">
-            <mc:Choice xmlns:a14="http://schemas.microsoft.com/office/drawing/2010/main" Requires="a14">
+          <mc:AlternateContent xmlns:mc="http://schemas.openxmlformats.org/markup-compatibility/2006" xmlns:a14="http://schemas.microsoft.com/office/drawing/2010/main">
+            <mc:Choice Requires="a14">
               <p:sp>
                 <p:nvSpPr>
                   <p:cNvPr id="27" name="Textfeld 26">
@@ -8777,7 +8840,7 @@
                 </p:txBody>
               </p:sp>
             </mc:Choice>
-            <mc:Fallback>
+            <mc:Fallback xmlns="">
               <p:sp>
                 <p:nvSpPr>
                   <p:cNvPr id="27" name="Textfeld 26">
@@ -8822,8 +8885,8 @@
               </p:sp>
             </mc:Fallback>
           </mc:AlternateContent>
-          <mc:AlternateContent xmlns:mc="http://schemas.openxmlformats.org/markup-compatibility/2006">
-            <mc:Choice xmlns:a14="http://schemas.microsoft.com/office/drawing/2010/main" Requires="a14">
+          <mc:AlternateContent xmlns:mc="http://schemas.openxmlformats.org/markup-compatibility/2006" xmlns:a14="http://schemas.microsoft.com/office/drawing/2010/main">
+            <mc:Choice Requires="a14">
               <p:sp>
                 <p:nvSpPr>
                   <p:cNvPr id="30" name="Textfeld 29">
@@ -8923,7 +8986,7 @@
                 </p:txBody>
               </p:sp>
             </mc:Choice>
-            <mc:Fallback>
+            <mc:Fallback xmlns="">
               <p:sp>
                 <p:nvSpPr>
                   <p:cNvPr id="30" name="Textfeld 29">
@@ -8968,8 +9031,8 @@
               </p:sp>
             </mc:Fallback>
           </mc:AlternateContent>
-          <mc:AlternateContent xmlns:mc="http://schemas.openxmlformats.org/markup-compatibility/2006">
-            <mc:Choice xmlns:a14="http://schemas.microsoft.com/office/drawing/2010/main" Requires="a14">
+          <mc:AlternateContent xmlns:mc="http://schemas.openxmlformats.org/markup-compatibility/2006" xmlns:a14="http://schemas.microsoft.com/office/drawing/2010/main">
+            <mc:Choice Requires="a14">
               <p:sp>
                 <p:nvSpPr>
                   <p:cNvPr id="31" name="Textfeld 30">
@@ -9051,7 +9114,7 @@
                 </p:txBody>
               </p:sp>
             </mc:Choice>
-            <mc:Fallback>
+            <mc:Fallback xmlns="">
               <p:sp>
                 <p:nvSpPr>
                   <p:cNvPr id="31" name="Textfeld 30">
@@ -9196,6 +9259,53 @@
           <a:chExt cx="0" cy="0"/>
         </a:xfrm>
       </p:grpSpPr>
+      <p:pic>
+        <p:nvPicPr>
+          <p:cNvPr id="1032" name="Picture 8">
+            <a:extLst>
+              <a:ext uri="{FF2B5EF4-FFF2-40B4-BE49-F238E27FC236}">
+                <a16:creationId xmlns:a16="http://schemas.microsoft.com/office/drawing/2014/main" id="{34BA1B60-EC8C-84EF-4FBE-B99A06E809BE}"/>
+              </a:ext>
+            </a:extLst>
+          </p:cNvPr>
+          <p:cNvPicPr>
+            <a:picLocks noChangeAspect="1" noChangeArrowheads="1"/>
+          </p:cNvPicPr>
+          <p:nvPr/>
+        </p:nvPicPr>
+        <p:blipFill>
+          <a:blip r:embed="rId2">
+            <a:extLst>
+              <a:ext uri="{28A0092B-C50C-407E-A947-70E740481C1C}">
+                <a14:useLocalDpi xmlns:a14="http://schemas.microsoft.com/office/drawing/2010/main" val="0"/>
+              </a:ext>
+            </a:extLst>
+          </a:blip>
+          <a:srcRect/>
+          <a:stretch>
+            <a:fillRect/>
+          </a:stretch>
+        </p:blipFill>
+        <p:spPr bwMode="auto">
+          <a:xfrm>
+            <a:off x="3138488" y="590550"/>
+            <a:ext cx="5915025" cy="5676900"/>
+          </a:xfrm>
+          <a:prstGeom prst="rect">
+            <a:avLst/>
+          </a:prstGeom>
+          <a:noFill/>
+          <a:extLst>
+            <a:ext uri="{909E8E84-426E-40DD-AFC4-6F175D3DCCD1}">
+              <a14:hiddenFill xmlns:a14="http://schemas.microsoft.com/office/drawing/2010/main">
+                <a:solidFill>
+                  <a:srgbClr val="FFFFFF"/>
+                </a:solidFill>
+              </a14:hiddenFill>
+            </a:ext>
+          </a:extLst>
+        </p:spPr>
+      </p:pic>
     </p:spTree>
     <p:extLst>
       <p:ext uri="{BB962C8B-B14F-4D97-AF65-F5344CB8AC3E}">

--- a/Vorstellung/VorstellungPics/PicturesForTalk.pptx
+++ b/Vorstellung/VorstellungPics/PicturesForTalk.pptx
@@ -11,6 +11,7 @@
     <p:sldId id="259" r:id="rId5"/>
     <p:sldId id="260" r:id="rId6"/>
     <p:sldId id="261" r:id="rId7"/>
+    <p:sldId id="262" r:id="rId8"/>
   </p:sldIdLst>
   <p:sldSz cx="12192000" cy="6858000"/>
   <p:notesSz cx="6858000" cy="9144000"/>
@@ -120,7 +121,7 @@
 <file path=ppt/revisionInfo.xml><?xml version="1.0" encoding="utf-8"?>
 <p1510:revInfo xmlns:a="http://schemas.openxmlformats.org/drawingml/2006/main" xmlns:r="http://schemas.openxmlformats.org/officeDocument/2006/relationships" xmlns:p1510="http://schemas.microsoft.com/office/powerpoint/2015/10/main">
   <p1510:revLst>
-    <p1510:client id="{8FF851C9-377C-46D5-8B90-A96ECABD9679}" v="24" dt="2024-02-22T14:28:51.735"/>
+    <p1510:client id="{8FF851C9-377C-46D5-8B90-A96ECABD9679}" v="40" dt="2024-02-27T18:54:09.005"/>
   </p1510:revLst>
 </p1510:revInfo>
 </file>
@@ -129,8 +130,8 @@
 <pc:chgInfo xmlns:a="http://schemas.openxmlformats.org/drawingml/2006/main" xmlns:r="http://schemas.openxmlformats.org/officeDocument/2006/relationships" xmlns:ac="http://schemas.microsoft.com/office/drawing/2013/main/command" xmlns:pc="http://schemas.microsoft.com/office/powerpoint/2013/main/command">
   <pc:docChgLst>
     <pc:chgData name="Markus Parhofer" userId="9100c6bed19c68c7" providerId="LiveId" clId="{8FF851C9-377C-46D5-8B90-A96ECABD9679}"/>
-    <pc:docChg chg="undo custSel modSld">
-      <pc:chgData name="Markus Parhofer" userId="9100c6bed19c68c7" providerId="LiveId" clId="{8FF851C9-377C-46D5-8B90-A96ECABD9679}" dt="2024-02-22T14:28:51.735" v="132"/>
+    <pc:docChg chg="undo custSel addSld modSld">
+      <pc:chgData name="Markus Parhofer" userId="9100c6bed19c68c7" providerId="LiveId" clId="{8FF851C9-377C-46D5-8B90-A96ECABD9679}" dt="2024-02-27T18:54:09.005" v="249"/>
       <pc:docMkLst>
         <pc:docMk/>
       </pc:docMkLst>
@@ -450,6 +451,172 @@
           </ac:picMkLst>
         </pc:picChg>
       </pc:sldChg>
+      <pc:sldChg chg="addSp delSp modSp mod setBg">
+        <pc:chgData name="Markus Parhofer" userId="9100c6bed19c68c7" providerId="LiveId" clId="{8FF851C9-377C-46D5-8B90-A96ECABD9679}" dt="2024-02-27T14:34:42.718" v="243" actId="164"/>
+        <pc:sldMkLst>
+          <pc:docMk/>
+          <pc:sldMk cId="1674188416" sldId="261"/>
+        </pc:sldMkLst>
+        <pc:spChg chg="add del">
+          <ac:chgData name="Markus Parhofer" userId="9100c6bed19c68c7" providerId="LiveId" clId="{8FF851C9-377C-46D5-8B90-A96ECABD9679}" dt="2024-02-27T14:25:22.903" v="143" actId="26606"/>
+          <ac:spMkLst>
+            <pc:docMk/>
+            <pc:sldMk cId="1674188416" sldId="261"/>
+            <ac:spMk id="12" creationId="{799448F2-0E5B-42DA-B2D1-11A14E947BD4}"/>
+          </ac:spMkLst>
+        </pc:spChg>
+        <pc:spChg chg="add del">
+          <ac:chgData name="Markus Parhofer" userId="9100c6bed19c68c7" providerId="LiveId" clId="{8FF851C9-377C-46D5-8B90-A96ECABD9679}" dt="2024-02-27T14:25:22.903" v="143" actId="26606"/>
+          <ac:spMkLst>
+            <pc:docMk/>
+            <pc:sldMk cId="1674188416" sldId="261"/>
+            <ac:spMk id="14" creationId="{4E8A7552-20E1-4F34-ADAB-C1DB6634D47E}"/>
+          </ac:spMkLst>
+        </pc:spChg>
+        <pc:grpChg chg="add mod">
+          <ac:chgData name="Markus Parhofer" userId="9100c6bed19c68c7" providerId="LiveId" clId="{8FF851C9-377C-46D5-8B90-A96ECABD9679}" dt="2024-02-27T14:33:36.155" v="233" actId="164"/>
+          <ac:grpSpMkLst>
+            <pc:docMk/>
+            <pc:sldMk cId="1674188416" sldId="261"/>
+            <ac:grpSpMk id="11" creationId="{185644F3-B22A-7549-9841-70847166A14F}"/>
+          </ac:grpSpMkLst>
+        </pc:grpChg>
+        <pc:grpChg chg="add mod">
+          <ac:chgData name="Markus Parhofer" userId="9100c6bed19c68c7" providerId="LiveId" clId="{8FF851C9-377C-46D5-8B90-A96ECABD9679}" dt="2024-02-27T14:34:42.718" v="243" actId="164"/>
+          <ac:grpSpMkLst>
+            <pc:docMk/>
+            <pc:sldMk cId="1674188416" sldId="261"/>
+            <ac:grpSpMk id="15" creationId="{C4B8A790-F751-5E65-959B-EA7E92AFD680}"/>
+          </ac:grpSpMkLst>
+        </pc:grpChg>
+        <pc:grpChg chg="add mod">
+          <ac:chgData name="Markus Parhofer" userId="9100c6bed19c68c7" providerId="LiveId" clId="{8FF851C9-377C-46D5-8B90-A96ECABD9679}" dt="2024-02-27T14:34:42.718" v="243" actId="164"/>
+          <ac:grpSpMkLst>
+            <pc:docMk/>
+            <pc:sldMk cId="1674188416" sldId="261"/>
+            <ac:grpSpMk id="22" creationId="{65E89E88-7F7D-9052-8399-2FC98373ACAC}"/>
+          </ac:grpSpMkLst>
+        </pc:grpChg>
+        <pc:picChg chg="add mod ord">
+          <ac:chgData name="Markus Parhofer" userId="9100c6bed19c68c7" providerId="LiveId" clId="{8FF851C9-377C-46D5-8B90-A96ECABD9679}" dt="2024-02-27T14:31:48.867" v="211" actId="164"/>
+          <ac:picMkLst>
+            <pc:docMk/>
+            <pc:sldMk cId="1674188416" sldId="261"/>
+            <ac:picMk id="3" creationId="{C2B289E7-6F4A-B77C-9D87-34DE5D263C35}"/>
+          </ac:picMkLst>
+        </pc:picChg>
+        <pc:picChg chg="add mod modCrop">
+          <ac:chgData name="Markus Parhofer" userId="9100c6bed19c68c7" providerId="LiveId" clId="{8FF851C9-377C-46D5-8B90-A96ECABD9679}" dt="2024-02-27T14:34:42.718" v="243" actId="164"/>
+          <ac:picMkLst>
+            <pc:docMk/>
+            <pc:sldMk cId="1674188416" sldId="261"/>
+            <ac:picMk id="5" creationId="{30E4936D-7357-32FB-9A7F-63392B68C172}"/>
+          </ac:picMkLst>
+        </pc:picChg>
+        <pc:picChg chg="add mod ord modCrop">
+          <ac:chgData name="Markus Parhofer" userId="9100c6bed19c68c7" providerId="LiveId" clId="{8FF851C9-377C-46D5-8B90-A96ECABD9679}" dt="2024-02-27T14:34:42.718" v="243" actId="164"/>
+          <ac:picMkLst>
+            <pc:docMk/>
+            <pc:sldMk cId="1674188416" sldId="261"/>
+            <ac:picMk id="7" creationId="{6B57DB69-5F5E-7EB8-A75F-A036543E8111}"/>
+          </ac:picMkLst>
+        </pc:picChg>
+        <pc:picChg chg="add del mod">
+          <ac:chgData name="Markus Parhofer" userId="9100c6bed19c68c7" providerId="LiveId" clId="{8FF851C9-377C-46D5-8B90-A96ECABD9679}" dt="2024-02-27T14:28:10.535" v="175" actId="478"/>
+          <ac:picMkLst>
+            <pc:docMk/>
+            <pc:sldMk cId="1674188416" sldId="261"/>
+            <ac:picMk id="8" creationId="{BB291BA1-D8ED-71FE-6DA5-F3A4BBC34BF4}"/>
+          </ac:picMkLst>
+        </pc:picChg>
+        <pc:picChg chg="add del mod">
+          <ac:chgData name="Markus Parhofer" userId="9100c6bed19c68c7" providerId="LiveId" clId="{8FF851C9-377C-46D5-8B90-A96ECABD9679}" dt="2024-02-27T14:28:52.348" v="182" actId="478"/>
+          <ac:picMkLst>
+            <pc:docMk/>
+            <pc:sldMk cId="1674188416" sldId="261"/>
+            <ac:picMk id="9" creationId="{BD3F39E3-5B6B-B4AA-7558-3F0D4C3DCB82}"/>
+          </ac:picMkLst>
+        </pc:picChg>
+        <pc:picChg chg="add mod">
+          <ac:chgData name="Markus Parhofer" userId="9100c6bed19c68c7" providerId="LiveId" clId="{8FF851C9-377C-46D5-8B90-A96ECABD9679}" dt="2024-02-27T14:31:48.867" v="211" actId="164"/>
+          <ac:picMkLst>
+            <pc:docMk/>
+            <pc:sldMk cId="1674188416" sldId="261"/>
+            <ac:picMk id="10" creationId="{5391A538-F610-3965-91FF-0AAFB5270C6B}"/>
+          </ac:picMkLst>
+        </pc:picChg>
+        <pc:picChg chg="add mod">
+          <ac:chgData name="Markus Parhofer" userId="9100c6bed19c68c7" providerId="LiveId" clId="{8FF851C9-377C-46D5-8B90-A96ECABD9679}" dt="2024-02-27T14:33:36.155" v="233" actId="164"/>
+          <ac:picMkLst>
+            <pc:docMk/>
+            <pc:sldMk cId="1674188416" sldId="261"/>
+            <ac:picMk id="13" creationId="{04AEC95E-A8BF-F385-9553-9303C4CC46EE}"/>
+          </ac:picMkLst>
+        </pc:picChg>
+        <pc:cxnChg chg="add del">
+          <ac:chgData name="Markus Parhofer" userId="9100c6bed19c68c7" providerId="LiveId" clId="{8FF851C9-377C-46D5-8B90-A96ECABD9679}" dt="2024-02-27T14:25:29.048" v="145" actId="26606"/>
+          <ac:cxnSpMkLst>
+            <pc:docMk/>
+            <pc:sldMk cId="1674188416" sldId="261"/>
+            <ac:cxnSpMk id="16" creationId="{DCD67800-37AC-4E14-89B0-F79DCB3FB86D}"/>
+          </ac:cxnSpMkLst>
+        </pc:cxnChg>
+        <pc:cxnChg chg="add del">
+          <ac:chgData name="Markus Parhofer" userId="9100c6bed19c68c7" providerId="LiveId" clId="{8FF851C9-377C-46D5-8B90-A96ECABD9679}" dt="2024-02-27T14:25:29.048" v="145" actId="26606"/>
+          <ac:cxnSpMkLst>
+            <pc:docMk/>
+            <pc:sldMk cId="1674188416" sldId="261"/>
+            <ac:cxnSpMk id="17" creationId="{20F1788F-A5AE-4188-8274-F7F2E3833ECD}"/>
+          </ac:cxnSpMkLst>
+        </pc:cxnChg>
+        <pc:cxnChg chg="add mod">
+          <ac:chgData name="Markus Parhofer" userId="9100c6bed19c68c7" providerId="LiveId" clId="{8FF851C9-377C-46D5-8B90-A96ECABD9679}" dt="2024-02-27T14:34:42.718" v="243" actId="164"/>
+          <ac:cxnSpMkLst>
+            <pc:docMk/>
+            <pc:sldMk cId="1674188416" sldId="261"/>
+            <ac:cxnSpMk id="19" creationId="{E85D5942-4C41-BAA0-60DC-7DBAD9134361}"/>
+          </ac:cxnSpMkLst>
+        </pc:cxnChg>
+        <pc:cxnChg chg="add mod">
+          <ac:chgData name="Markus Parhofer" userId="9100c6bed19c68c7" providerId="LiveId" clId="{8FF851C9-377C-46D5-8B90-A96ECABD9679}" dt="2024-02-27T14:34:42.718" v="243" actId="164"/>
+          <ac:cxnSpMkLst>
+            <pc:docMk/>
+            <pc:sldMk cId="1674188416" sldId="261"/>
+            <ac:cxnSpMk id="21" creationId="{CA10F391-D131-1E1E-8685-177B50F97223}"/>
+          </ac:cxnSpMkLst>
+        </pc:cxnChg>
+      </pc:sldChg>
+      <pc:sldChg chg="addSp delSp modSp new">
+        <pc:chgData name="Markus Parhofer" userId="9100c6bed19c68c7" providerId="LiveId" clId="{8FF851C9-377C-46D5-8B90-A96ECABD9679}" dt="2024-02-27T18:54:09.005" v="249"/>
+        <pc:sldMkLst>
+          <pc:docMk/>
+          <pc:sldMk cId="3427518050" sldId="262"/>
+        </pc:sldMkLst>
+        <pc:spChg chg="add del mod">
+          <ac:chgData name="Markus Parhofer" userId="9100c6bed19c68c7" providerId="LiveId" clId="{8FF851C9-377C-46D5-8B90-A96ECABD9679}" dt="2024-02-27T18:53:59" v="247" actId="478"/>
+          <ac:spMkLst>
+            <pc:docMk/>
+            <pc:sldMk cId="3427518050" sldId="262"/>
+            <ac:spMk id="2" creationId="{F74A9D3A-59A7-2828-A000-4F953106E25E}"/>
+          </ac:spMkLst>
+        </pc:spChg>
+        <pc:spChg chg="add del">
+          <ac:chgData name="Markus Parhofer" userId="9100c6bed19c68c7" providerId="LiveId" clId="{8FF851C9-377C-46D5-8B90-A96ECABD9679}" dt="2024-02-27T18:53:59" v="247" actId="478"/>
+          <ac:spMkLst>
+            <pc:docMk/>
+            <pc:sldMk cId="3427518050" sldId="262"/>
+            <ac:spMk id="3" creationId="{87F00451-941A-F3EB-5677-54E742671425}"/>
+          </ac:spMkLst>
+        </pc:spChg>
+        <pc:spChg chg="add mod">
+          <ac:chgData name="Markus Parhofer" userId="9100c6bed19c68c7" providerId="LiveId" clId="{8FF851C9-377C-46D5-8B90-A96ECABD9679}" dt="2024-02-27T18:54:09.005" v="249"/>
+          <ac:spMkLst>
+            <pc:docMk/>
+            <pc:sldMk cId="3427518050" sldId="262"/>
+            <ac:spMk id="4" creationId="{77E43016-4089-C5D0-9FDA-5C661C3727DC}"/>
+          </ac:spMkLst>
+        </pc:spChg>
+      </pc:sldChg>
     </pc:docChg>
   </pc:docChgLst>
   <pc:docChgLst>
@@ -719,7 +886,7 @@
           <a:p>
             <a:fld id="{855AA24D-F6B8-45CE-A0D3-39EA9EEEA192}" type="datetimeFigureOut">
               <a:rPr lang="de-DE" smtClean="0"/>
-              <a:t>22.02.2024</a:t>
+              <a:t>27.02.2024</a:t>
             </a:fld>
             <a:endParaRPr lang="de-DE"/>
           </a:p>
@@ -917,7 +1084,7 @@
           <a:p>
             <a:fld id="{855AA24D-F6B8-45CE-A0D3-39EA9EEEA192}" type="datetimeFigureOut">
               <a:rPr lang="de-DE" smtClean="0"/>
-              <a:t>22.02.2024</a:t>
+              <a:t>27.02.2024</a:t>
             </a:fld>
             <a:endParaRPr lang="de-DE"/>
           </a:p>
@@ -1125,7 +1292,7 @@
           <a:p>
             <a:fld id="{855AA24D-F6B8-45CE-A0D3-39EA9EEEA192}" type="datetimeFigureOut">
               <a:rPr lang="de-DE" smtClean="0"/>
-              <a:t>22.02.2024</a:t>
+              <a:t>27.02.2024</a:t>
             </a:fld>
             <a:endParaRPr lang="de-DE"/>
           </a:p>
@@ -1323,7 +1490,7 @@
           <a:p>
             <a:fld id="{855AA24D-F6B8-45CE-A0D3-39EA9EEEA192}" type="datetimeFigureOut">
               <a:rPr lang="de-DE" smtClean="0"/>
-              <a:t>22.02.2024</a:t>
+              <a:t>27.02.2024</a:t>
             </a:fld>
             <a:endParaRPr lang="de-DE"/>
           </a:p>
@@ -1598,7 +1765,7 @@
           <a:p>
             <a:fld id="{855AA24D-F6B8-45CE-A0D3-39EA9EEEA192}" type="datetimeFigureOut">
               <a:rPr lang="de-DE" smtClean="0"/>
-              <a:t>22.02.2024</a:t>
+              <a:t>27.02.2024</a:t>
             </a:fld>
             <a:endParaRPr lang="de-DE"/>
           </a:p>
@@ -1863,7 +2030,7 @@
           <a:p>
             <a:fld id="{855AA24D-F6B8-45CE-A0D3-39EA9EEEA192}" type="datetimeFigureOut">
               <a:rPr lang="de-DE" smtClean="0"/>
-              <a:t>22.02.2024</a:t>
+              <a:t>27.02.2024</a:t>
             </a:fld>
             <a:endParaRPr lang="de-DE"/>
           </a:p>
@@ -2275,7 +2442,7 @@
           <a:p>
             <a:fld id="{855AA24D-F6B8-45CE-A0D3-39EA9EEEA192}" type="datetimeFigureOut">
               <a:rPr lang="de-DE" smtClean="0"/>
-              <a:t>22.02.2024</a:t>
+              <a:t>27.02.2024</a:t>
             </a:fld>
             <a:endParaRPr lang="de-DE"/>
           </a:p>
@@ -2416,7 +2583,7 @@
           <a:p>
             <a:fld id="{855AA24D-F6B8-45CE-A0D3-39EA9EEEA192}" type="datetimeFigureOut">
               <a:rPr lang="de-DE" smtClean="0"/>
-              <a:t>22.02.2024</a:t>
+              <a:t>27.02.2024</a:t>
             </a:fld>
             <a:endParaRPr lang="de-DE"/>
           </a:p>
@@ -2529,7 +2696,7 @@
           <a:p>
             <a:fld id="{855AA24D-F6B8-45CE-A0D3-39EA9EEEA192}" type="datetimeFigureOut">
               <a:rPr lang="de-DE" smtClean="0"/>
-              <a:t>22.02.2024</a:t>
+              <a:t>27.02.2024</a:t>
             </a:fld>
             <a:endParaRPr lang="de-DE"/>
           </a:p>
@@ -2840,7 +3007,7 @@
           <a:p>
             <a:fld id="{855AA24D-F6B8-45CE-A0D3-39EA9EEEA192}" type="datetimeFigureOut">
               <a:rPr lang="de-DE" smtClean="0"/>
-              <a:t>22.02.2024</a:t>
+              <a:t>27.02.2024</a:t>
             </a:fld>
             <a:endParaRPr lang="de-DE"/>
           </a:p>
@@ -3128,7 +3295,7 @@
           <a:p>
             <a:fld id="{855AA24D-F6B8-45CE-A0D3-39EA9EEEA192}" type="datetimeFigureOut">
               <a:rPr lang="de-DE" smtClean="0"/>
-              <a:t>22.02.2024</a:t>
+              <a:t>27.02.2024</a:t>
             </a:fld>
             <a:endParaRPr lang="de-DE"/>
           </a:p>
@@ -3369,7 +3536,7 @@
           <a:p>
             <a:fld id="{855AA24D-F6B8-45CE-A0D3-39EA9EEEA192}" type="datetimeFigureOut">
               <a:rPr lang="de-DE" smtClean="0"/>
-              <a:t>22.02.2024</a:t>
+              <a:t>27.02.2024</a:t>
             </a:fld>
             <a:endParaRPr lang="de-DE"/>
           </a:p>
@@ -9336,10 +9503,491 @@
           <a:chExt cx="0" cy="0"/>
         </a:xfrm>
       </p:grpSpPr>
+      <p:grpSp>
+        <p:nvGrpSpPr>
+          <p:cNvPr id="22" name="Gruppieren 21">
+            <a:extLst>
+              <a:ext uri="{FF2B5EF4-FFF2-40B4-BE49-F238E27FC236}">
+                <a16:creationId xmlns:a16="http://schemas.microsoft.com/office/drawing/2014/main" id="{65E89E88-7F7D-9052-8399-2FC98373ACAC}"/>
+              </a:ext>
+            </a:extLst>
+          </p:cNvPr>
+          <p:cNvGrpSpPr/>
+          <p:nvPr/>
+        </p:nvGrpSpPr>
+        <p:grpSpPr>
+          <a:xfrm>
+            <a:off x="607858" y="624706"/>
+            <a:ext cx="11412357" cy="5227608"/>
+            <a:chOff x="607858" y="624706"/>
+            <a:chExt cx="11412357" cy="5227608"/>
+          </a:xfrm>
+        </p:grpSpPr>
+        <p:pic>
+          <p:nvPicPr>
+            <p:cNvPr id="5" name="Grafik 4" descr="Ein Bild, das Text, Screenshot, Schrift, Zahl enthält.&#10;&#10;Automatisch generierte Beschreibung">
+              <a:extLst>
+                <a:ext uri="{FF2B5EF4-FFF2-40B4-BE49-F238E27FC236}">
+                  <a16:creationId xmlns:a16="http://schemas.microsoft.com/office/drawing/2014/main" id="{30E4936D-7357-32FB-9A7F-63392B68C172}"/>
+                </a:ext>
+              </a:extLst>
+            </p:cNvPr>
+            <p:cNvPicPr>
+              <a:picLocks noChangeAspect="1"/>
+            </p:cNvPicPr>
+            <p:nvPr/>
+          </p:nvPicPr>
+          <p:blipFill rotWithShape="1">
+            <a:blip r:embed="rId2">
+              <a:extLst>
+                <a:ext uri="{28A0092B-C50C-407E-A947-70E740481C1C}">
+                  <a14:useLocalDpi xmlns:a14="http://schemas.microsoft.com/office/drawing/2010/main" val="0"/>
+                </a:ext>
+              </a:extLst>
+            </a:blip>
+            <a:srcRect l="43924" t="11025" r="13615" b="46993"/>
+            <a:stretch/>
+          </p:blipFill>
+          <p:spPr>
+            <a:xfrm>
+              <a:off x="9880696" y="891618"/>
+              <a:ext cx="2139519" cy="1599530"/>
+            </a:xfrm>
+            <a:prstGeom prst="ellipse">
+              <a:avLst/>
+            </a:prstGeom>
+            <a:ln>
+              <a:solidFill>
+                <a:schemeClr val="tx1"/>
+              </a:solidFill>
+            </a:ln>
+          </p:spPr>
+        </p:pic>
+        <p:pic>
+          <p:nvPicPr>
+            <p:cNvPr id="7" name="Grafik 6" descr="Ein Bild, das Text, Screenshot, Schrift, Zahl enthält.&#10;&#10;Automatisch generierte Beschreibung">
+              <a:extLst>
+                <a:ext uri="{FF2B5EF4-FFF2-40B4-BE49-F238E27FC236}">
+                  <a16:creationId xmlns:a16="http://schemas.microsoft.com/office/drawing/2014/main" id="{6B57DB69-5F5E-7EB8-A75F-A036543E8111}"/>
+                </a:ext>
+              </a:extLst>
+            </p:cNvPr>
+            <p:cNvPicPr>
+              <a:picLocks noChangeAspect="1"/>
+            </p:cNvPicPr>
+            <p:nvPr/>
+          </p:nvPicPr>
+          <p:blipFill rotWithShape="1">
+            <a:blip r:embed="rId3">
+              <a:extLst>
+                <a:ext uri="{28A0092B-C50C-407E-A947-70E740481C1C}">
+                  <a14:useLocalDpi xmlns:a14="http://schemas.microsoft.com/office/drawing/2010/main" val="0"/>
+                </a:ext>
+              </a:extLst>
+            </a:blip>
+            <a:srcRect l="34228" t="10291" r="23311" b="47728"/>
+            <a:stretch/>
+          </p:blipFill>
+          <p:spPr>
+            <a:xfrm>
+              <a:off x="9880695" y="3238510"/>
+              <a:ext cx="2139519" cy="1599530"/>
+            </a:xfrm>
+            <a:prstGeom prst="ellipse">
+              <a:avLst/>
+            </a:prstGeom>
+            <a:ln>
+              <a:solidFill>
+                <a:schemeClr val="tx1"/>
+              </a:solidFill>
+            </a:ln>
+          </p:spPr>
+        </p:pic>
+        <p:grpSp>
+          <p:nvGrpSpPr>
+            <p:cNvPr id="15" name="Gruppieren 14">
+              <a:extLst>
+                <a:ext uri="{FF2B5EF4-FFF2-40B4-BE49-F238E27FC236}">
+                  <a16:creationId xmlns:a16="http://schemas.microsoft.com/office/drawing/2014/main" id="{C4B8A790-F751-5E65-959B-EA7E92AFD680}"/>
+                </a:ext>
+              </a:extLst>
+            </p:cNvPr>
+            <p:cNvGrpSpPr/>
+            <p:nvPr/>
+          </p:nvGrpSpPr>
+          <p:grpSpPr>
+            <a:xfrm>
+              <a:off x="607858" y="624706"/>
+              <a:ext cx="8441577" cy="5227608"/>
+              <a:chOff x="-1291963" y="815196"/>
+              <a:chExt cx="8441577" cy="5227608"/>
+            </a:xfrm>
+          </p:grpSpPr>
+          <p:grpSp>
+            <p:nvGrpSpPr>
+              <p:cNvPr id="11" name="Gruppieren 10">
+                <a:extLst>
+                  <a:ext uri="{FF2B5EF4-FFF2-40B4-BE49-F238E27FC236}">
+                    <a16:creationId xmlns:a16="http://schemas.microsoft.com/office/drawing/2014/main" id="{185644F3-B22A-7549-9841-70847166A14F}"/>
+                  </a:ext>
+                </a:extLst>
+              </p:cNvPr>
+              <p:cNvGrpSpPr/>
+              <p:nvPr/>
+            </p:nvGrpSpPr>
+            <p:grpSpPr>
+              <a:xfrm>
+                <a:off x="-1291963" y="815196"/>
+                <a:ext cx="8441577" cy="5227608"/>
+                <a:chOff x="-1291963" y="815196"/>
+                <a:chExt cx="8441577" cy="5227608"/>
+              </a:xfrm>
+            </p:grpSpPr>
+            <p:pic>
+              <p:nvPicPr>
+                <p:cNvPr id="3" name="Grafik 2" descr="Ein Bild, das Text, Zahl, Schrift, Reihe enthält.&#10;&#10;Automatisch generierte Beschreibung">
+                  <a:extLst>
+                    <a:ext uri="{FF2B5EF4-FFF2-40B4-BE49-F238E27FC236}">
+                      <a16:creationId xmlns:a16="http://schemas.microsoft.com/office/drawing/2014/main" id="{C2B289E7-6F4A-B77C-9D87-34DE5D263C35}"/>
+                    </a:ext>
+                  </a:extLst>
+                </p:cNvPr>
+                <p:cNvPicPr>
+                  <a:picLocks noChangeAspect="1"/>
+                </p:cNvPicPr>
+                <p:nvPr/>
+              </p:nvPicPr>
+              <p:blipFill>
+                <a:blip r:embed="rId4">
+                  <a:extLst>
+                    <a:ext uri="{28A0092B-C50C-407E-A947-70E740481C1C}">
+                      <a14:useLocalDpi xmlns:a14="http://schemas.microsoft.com/office/drawing/2010/main" val="0"/>
+                    </a:ext>
+                  </a:extLst>
+                </a:blip>
+                <a:stretch>
+                  <a:fillRect/>
+                </a:stretch>
+              </p:blipFill>
+              <p:spPr>
+                <a:xfrm>
+                  <a:off x="-1291963" y="815196"/>
+                  <a:ext cx="8441577" cy="5227608"/>
+                </a:xfrm>
+                <a:prstGeom prst="rect">
+                  <a:avLst/>
+                </a:prstGeom>
+              </p:spPr>
+            </p:pic>
+            <p:pic>
+              <p:nvPicPr>
+                <p:cNvPr id="10" name="Grafik 9" descr="Ein Bild, das Text, Screenshot, Schrift, Zahl enthält.&#10;&#10;Automatisch generierte Beschreibung">
+                  <a:extLst>
+                    <a:ext uri="{FF2B5EF4-FFF2-40B4-BE49-F238E27FC236}">
+                      <a16:creationId xmlns:a16="http://schemas.microsoft.com/office/drawing/2014/main" id="{5391A538-F610-3965-91FF-0AAFB5270C6B}"/>
+                    </a:ext>
+                  </a:extLst>
+                </p:cNvPr>
+                <p:cNvPicPr>
+                  <a:picLocks noChangeAspect="1"/>
+                </p:cNvPicPr>
+                <p:nvPr/>
+              </p:nvPicPr>
+              <p:blipFill rotWithShape="1">
+                <a:blip r:embed="rId3">
+                  <a:alphaModFix amt="5000"/>
+                  <a:extLst>
+                    <a:ext uri="{28A0092B-C50C-407E-A947-70E740481C1C}">
+                      <a14:useLocalDpi xmlns:a14="http://schemas.microsoft.com/office/drawing/2010/main" val="0"/>
+                    </a:ext>
+                  </a:extLst>
+                </a:blip>
+                <a:srcRect l="34228" t="10291" r="23311" b="47728"/>
+                <a:stretch/>
+              </p:blipFill>
+              <p:spPr>
+                <a:xfrm>
+                  <a:off x="6493669" y="4849960"/>
+                  <a:ext cx="514350" cy="384535"/>
+                </a:xfrm>
+                <a:prstGeom prst="ellipse">
+                  <a:avLst/>
+                </a:prstGeom>
+                <a:ln>
+                  <a:solidFill>
+                    <a:schemeClr val="tx1"/>
+                  </a:solidFill>
+                </a:ln>
+              </p:spPr>
+            </p:pic>
+          </p:grpSp>
+          <p:pic>
+            <p:nvPicPr>
+              <p:cNvPr id="13" name="Grafik 12" descr="Ein Bild, das Text, Screenshot, Schrift, Zahl enthält.&#10;&#10;Automatisch generierte Beschreibung">
+                <a:extLst>
+                  <a:ext uri="{FF2B5EF4-FFF2-40B4-BE49-F238E27FC236}">
+                    <a16:creationId xmlns:a16="http://schemas.microsoft.com/office/drawing/2014/main" id="{04AEC95E-A8BF-F385-9553-9303C4CC46EE}"/>
+                  </a:ext>
+                </a:extLst>
+              </p:cNvPr>
+              <p:cNvPicPr>
+                <a:picLocks noChangeAspect="1"/>
+              </p:cNvPicPr>
+              <p:nvPr/>
+            </p:nvPicPr>
+            <p:blipFill rotWithShape="1">
+              <a:blip r:embed="rId2">
+                <a:alphaModFix amt="5000"/>
+                <a:extLst>
+                  <a:ext uri="{28A0092B-C50C-407E-A947-70E740481C1C}">
+                    <a14:useLocalDpi xmlns:a14="http://schemas.microsoft.com/office/drawing/2010/main" val="0"/>
+                  </a:ext>
+                </a:extLst>
+              </a:blip>
+              <a:srcRect l="43924" t="11025" r="13615" b="46993"/>
+              <a:stretch/>
+            </p:blipFill>
+            <p:spPr>
+              <a:xfrm>
+                <a:off x="-593953" y="1194923"/>
+                <a:ext cx="446316" cy="333671"/>
+              </a:xfrm>
+              <a:prstGeom prst="ellipse">
+                <a:avLst/>
+              </a:prstGeom>
+              <a:ln>
+                <a:solidFill>
+                  <a:schemeClr val="tx1"/>
+                </a:solidFill>
+              </a:ln>
+            </p:spPr>
+          </p:pic>
+        </p:grpSp>
+        <p:cxnSp>
+          <p:nvCxnSpPr>
+            <p:cNvPr id="19" name="Gerader Verbinder 18">
+              <a:extLst>
+                <a:ext uri="{FF2B5EF4-FFF2-40B4-BE49-F238E27FC236}">
+                  <a16:creationId xmlns:a16="http://schemas.microsoft.com/office/drawing/2014/main" id="{E85D5942-4C41-BAA0-60DC-7DBAD9134361}"/>
+                </a:ext>
+              </a:extLst>
+            </p:cNvPr>
+            <p:cNvCxnSpPr>
+              <a:stCxn id="13" idx="6"/>
+              <a:endCxn id="5" idx="2"/>
+            </p:cNvCxnSpPr>
+            <p:nvPr/>
+          </p:nvCxnSpPr>
+          <p:spPr>
+            <a:xfrm>
+              <a:off x="1752184" y="1171269"/>
+              <a:ext cx="8128512" cy="520114"/>
+            </a:xfrm>
+            <a:prstGeom prst="line">
+              <a:avLst/>
+            </a:prstGeom>
+            <a:ln>
+              <a:solidFill>
+                <a:schemeClr val="tx1"/>
+              </a:solidFill>
+            </a:ln>
+          </p:spPr>
+          <p:style>
+            <a:lnRef idx="1">
+              <a:schemeClr val="accent1"/>
+            </a:lnRef>
+            <a:fillRef idx="0">
+              <a:schemeClr val="accent1"/>
+            </a:fillRef>
+            <a:effectRef idx="0">
+              <a:schemeClr val="accent1"/>
+            </a:effectRef>
+            <a:fontRef idx="minor">
+              <a:schemeClr val="tx1"/>
+            </a:fontRef>
+          </p:style>
+        </p:cxnSp>
+        <p:cxnSp>
+          <p:nvCxnSpPr>
+            <p:cNvPr id="21" name="Gerader Verbinder 20">
+              <a:extLst>
+                <a:ext uri="{FF2B5EF4-FFF2-40B4-BE49-F238E27FC236}">
+                  <a16:creationId xmlns:a16="http://schemas.microsoft.com/office/drawing/2014/main" id="{CA10F391-D131-1E1E-8685-177B50F97223}"/>
+                </a:ext>
+              </a:extLst>
+            </p:cNvPr>
+            <p:cNvCxnSpPr>
+              <a:stCxn id="10" idx="6"/>
+              <a:endCxn id="7" idx="2"/>
+            </p:cNvCxnSpPr>
+            <p:nvPr/>
+          </p:nvCxnSpPr>
+          <p:spPr>
+            <a:xfrm flipV="1">
+              <a:off x="8907840" y="4038275"/>
+              <a:ext cx="972855" cy="813463"/>
+            </a:xfrm>
+            <a:prstGeom prst="line">
+              <a:avLst/>
+            </a:prstGeom>
+            <a:ln>
+              <a:solidFill>
+                <a:schemeClr val="tx1"/>
+              </a:solidFill>
+            </a:ln>
+          </p:spPr>
+          <p:style>
+            <a:lnRef idx="1">
+              <a:schemeClr val="accent1"/>
+            </a:lnRef>
+            <a:fillRef idx="0">
+              <a:schemeClr val="accent1"/>
+            </a:fillRef>
+            <a:effectRef idx="0">
+              <a:schemeClr val="accent1"/>
+            </a:effectRef>
+            <a:fontRef idx="minor">
+              <a:schemeClr val="tx1"/>
+            </a:fontRef>
+          </p:style>
+        </p:cxnSp>
+      </p:grpSp>
     </p:spTree>
     <p:extLst>
       <p:ext uri="{BB962C8B-B14F-4D97-AF65-F5344CB8AC3E}">
         <p14:creationId xmlns:p14="http://schemas.microsoft.com/office/powerpoint/2010/main" val="1674188416"/>
+      </p:ext>
+    </p:extLst>
+  </p:cSld>
+  <p:clrMapOvr>
+    <a:masterClrMapping/>
+  </p:clrMapOvr>
+</p:sld>
+</file>
+
+<file path=ppt/slides/slide7.xml><?xml version="1.0" encoding="utf-8"?>
+<p:sld xmlns:a="http://schemas.openxmlformats.org/drawingml/2006/main" xmlns:r="http://schemas.openxmlformats.org/officeDocument/2006/relationships" xmlns:p="http://schemas.openxmlformats.org/presentationml/2006/main">
+  <p:cSld>
+    <p:spTree>
+      <p:nvGrpSpPr>
+        <p:cNvPr id="1" name=""/>
+        <p:cNvGrpSpPr/>
+        <p:nvPr/>
+      </p:nvGrpSpPr>
+      <p:grpSpPr>
+        <a:xfrm>
+          <a:off x="0" y="0"/>
+          <a:ext cx="0" cy="0"/>
+          <a:chOff x="0" y="0"/>
+          <a:chExt cx="0" cy="0"/>
+        </a:xfrm>
+      </p:grpSpPr>
+      <p:sp>
+        <p:nvSpPr>
+          <p:cNvPr id="4" name="Rectangle 2">
+            <a:extLst>
+              <a:ext uri="{FF2B5EF4-FFF2-40B4-BE49-F238E27FC236}">
+                <a16:creationId xmlns:a16="http://schemas.microsoft.com/office/drawing/2014/main" id="{77E43016-4089-C5D0-9FDA-5C661C3727DC}"/>
+              </a:ext>
+            </a:extLst>
+          </p:cNvPr>
+          <p:cNvSpPr>
+            <a:spLocks noChangeArrowheads="1"/>
+          </p:cNvSpPr>
+          <p:nvPr/>
+        </p:nvSpPr>
+        <p:spPr bwMode="auto">
+          <a:xfrm>
+            <a:off x="0" y="105489"/>
+            <a:ext cx="1999265" cy="246221"/>
+          </a:xfrm>
+          <a:prstGeom prst="rect">
+            <a:avLst/>
+          </a:prstGeom>
+          <a:solidFill>
+            <a:srgbClr val="FFFFFF"/>
+          </a:solidFill>
+          <a:ln>
+            <a:noFill/>
+          </a:ln>
+          <a:effectLst/>
+          <a:extLst>
+            <a:ext uri="{91240B29-F687-4F45-9708-019B960494DF}">
+              <a14:hiddenLine xmlns:a14="http://schemas.microsoft.com/office/drawing/2010/main" w="9525">
+                <a:solidFill>
+                  <a:schemeClr val="tx1"/>
+                </a:solidFill>
+                <a:miter lim="800000"/>
+                <a:headEnd/>
+                <a:tailEnd/>
+              </a14:hiddenLine>
+            </a:ext>
+            <a:ext uri="{AF507438-7753-43E0-B8FC-AC1667EBCBE1}">
+              <a14:hiddenEffects xmlns:a14="http://schemas.microsoft.com/office/drawing/2010/main">
+                <a:effectLst>
+                  <a:outerShdw dist="35921" dir="2700000" algn="ctr" rotWithShape="0">
+                    <a:schemeClr val="bg2"/>
+                  </a:outerShdw>
+                </a:effectLst>
+              </a14:hiddenEffects>
+            </a:ext>
+          </a:extLst>
+        </p:spPr>
+        <p:txBody>
+          <a:bodyPr vert="horz" wrap="none" lIns="91440" tIns="45720" rIns="91440" bIns="45720" numCol="1" anchor="ctr" anchorCtr="0" compatLnSpc="1">
+            <a:prstTxWarp prst="textNoShape">
+              <a:avLst/>
+            </a:prstTxWarp>
+            <a:spAutoFit/>
+          </a:bodyPr>
+          <a:lstStyle/>
+          <a:p>
+            <a:pPr marL="0" marR="0" lvl="0" indent="0" algn="l" defTabSz="914400" rtl="0" eaLnBrk="0" fontAlgn="base" latinLnBrk="0" hangingPunct="0">
+              <a:lnSpc>
+                <a:spcPct val="100000"/>
+              </a:lnSpc>
+              <a:spcBef>
+                <a:spcPct val="0"/>
+              </a:spcBef>
+              <a:spcAft>
+                <a:spcPct val="0"/>
+              </a:spcAft>
+              <a:buClrTx/>
+              <a:buSzTx/>
+              <a:buFontTx/>
+              <a:buNone/>
+              <a:tabLst/>
+            </a:pPr>
+            <a:r>
+              <a:rPr kumimoji="0" lang="de-DE" altLang="de-DE" sz="1000" b="0" i="0" u="none" strike="noStrike" cap="none" normalizeH="0" baseline="0" dirty="0">
+                <a:ln>
+                  <a:noFill/>
+                </a:ln>
+                <a:solidFill>
+                  <a:srgbClr val="067D17"/>
+                </a:solidFill>
+                <a:effectLst/>
+                <a:latin typeface="JetBrains Mono"/>
+              </a:rPr>
+              <a:t>ABCDEFGHJKLMNOPQRSTUVWXYZ</a:t>
+            </a:r>
+            <a:endParaRPr kumimoji="0" lang="de-DE" altLang="de-DE" sz="1800" b="0" i="0" u="none" strike="noStrike" cap="none" normalizeH="0" baseline="0" dirty="0">
+              <a:ln>
+                <a:noFill/>
+              </a:ln>
+              <a:solidFill>
+                <a:schemeClr val="tx1"/>
+              </a:solidFill>
+              <a:effectLst/>
+              <a:latin typeface="Arial" panose="020B0604020202020204" pitchFamily="34" charset="0"/>
+            </a:endParaRPr>
+          </a:p>
+        </p:txBody>
+      </p:sp>
+    </p:spTree>
+    <p:extLst>
+      <p:ext uri="{BB962C8B-B14F-4D97-AF65-F5344CB8AC3E}">
+        <p14:creationId xmlns:p14="http://schemas.microsoft.com/office/powerpoint/2010/main" val="3427518050"/>
       </p:ext>
     </p:extLst>
   </p:cSld>
